--- a/docs/research/etcd_mvcc_versioning.pptx
+++ b/docs/research/etcd_mvcc_versioning.pptx
@@ -5,8 +5,8 @@
     <p:sldMasterId id="2147483648" r:id="rId1"/>
   </p:sldMasterIdLst>
   <p:sldIdLst>
-    <p:sldId id="458" r:id="rId2"/>
-    <p:sldId id="457" r:id="rId3"/>
+    <p:sldId id="457" r:id="rId2"/>
+    <p:sldId id="458" r:id="rId3"/>
   </p:sldIdLst>
   <p:sldSz cx="12192000" cy="6858000"/>
   <p:notesSz cx="6858000" cy="9144000"/>
@@ -105,6 +105,11 @@
       </a:defRPr>
     </a:lvl9pPr>
   </p:defaultTextStyle>
+  <p:extLst>
+    <p:ext uri="{EFAFB233-063F-42B5-8137-9DF3F51BA10A}">
+      <p15:sldGuideLst xmlns:p15="http://schemas.microsoft.com/office/powerpoint/2012/main"/>
+    </p:ext>
+  </p:extLst>
 </p:presentation>
 </file>
 
@@ -3306,1393 +3311,6 @@
 </file>
 
 <file path=ppt/slides/slide1.xml><?xml version="1.0" encoding="utf-8"?>
-<p:sld xmlns:a="http://schemas.openxmlformats.org/drawingml/2006/main" xmlns:r="http://schemas.openxmlformats.org/officeDocument/2006/relationships" xmlns:p="http://schemas.openxmlformats.org/presentationml/2006/main">
-  <p:cSld>
-    <p:spTree>
-      <p:nvGrpSpPr>
-        <p:cNvPr id="1" name=""/>
-        <p:cNvGrpSpPr/>
-        <p:nvPr/>
-      </p:nvGrpSpPr>
-      <p:grpSpPr>
-        <a:xfrm>
-          <a:off x="0" y="0"/>
-          <a:ext cx="0" cy="0"/>
-          <a:chOff x="0" y="0"/>
-          <a:chExt cx="0" cy="0"/>
-        </a:xfrm>
-      </p:grpSpPr>
-      <p:sp>
-        <p:nvSpPr>
-          <p:cNvPr id="37" name="Rounded Rectangle 36">
-            <a:extLst>
-              <a:ext uri="{FF2B5EF4-FFF2-40B4-BE49-F238E27FC236}">
-                <a16:creationId xmlns:a16="http://schemas.microsoft.com/office/drawing/2014/main" id="{4AA28D03-C3E4-AC18-054F-3FA19715D7DE}"/>
-              </a:ext>
-            </a:extLst>
-          </p:cNvPr>
-          <p:cNvSpPr/>
-          <p:nvPr/>
-        </p:nvSpPr>
-        <p:spPr>
-          <a:xfrm>
-            <a:off x="9582304" y="3105360"/>
-            <a:ext cx="2466017" cy="3084339"/>
-          </a:xfrm>
-          <a:prstGeom prst="roundRect">
-            <a:avLst/>
-          </a:prstGeom>
-          <a:solidFill>
-            <a:schemeClr val="bg1">
-              <a:lumMod val="85000"/>
-            </a:schemeClr>
-          </a:solidFill>
-          <a:ln w="6350">
-            <a:solidFill>
-              <a:schemeClr val="bg1">
-                <a:lumMod val="65000"/>
-              </a:schemeClr>
-            </a:solidFill>
-            <a:prstDash val="sysDot"/>
-          </a:ln>
-          <a:effectLst/>
-        </p:spPr>
-        <p:style>
-          <a:lnRef idx="2">
-            <a:schemeClr val="accent1">
-              <a:shade val="50000"/>
-            </a:schemeClr>
-          </a:lnRef>
-          <a:fillRef idx="1">
-            <a:schemeClr val="accent1"/>
-          </a:fillRef>
-          <a:effectRef idx="0">
-            <a:schemeClr val="accent1"/>
-          </a:effectRef>
-          <a:fontRef idx="minor">
-            <a:schemeClr val="lt1"/>
-          </a:fontRef>
-        </p:style>
-        <p:txBody>
-          <a:bodyPr rtlCol="0" anchor="ctr"/>
-          <a:lstStyle/>
-          <a:p>
-            <a:pPr algn="ctr"/>
-            <a:endParaRPr lang="en-US" dirty="0"/>
-          </a:p>
-        </p:txBody>
-      </p:sp>
-      <p:sp>
-        <p:nvSpPr>
-          <p:cNvPr id="8" name="Rounded Rectangle 7">
-            <a:extLst>
-              <a:ext uri="{FF2B5EF4-FFF2-40B4-BE49-F238E27FC236}">
-                <a16:creationId xmlns:a16="http://schemas.microsoft.com/office/drawing/2014/main" id="{7A115A6E-E944-7DBE-8829-BAFFD94FB077}"/>
-              </a:ext>
-            </a:extLst>
-          </p:cNvPr>
-          <p:cNvSpPr/>
-          <p:nvPr/>
-        </p:nvSpPr>
-        <p:spPr>
-          <a:xfrm>
-            <a:off x="1159869" y="3922819"/>
-            <a:ext cx="4244163" cy="2468906"/>
-          </a:xfrm>
-          <a:prstGeom prst="roundRect">
-            <a:avLst/>
-          </a:prstGeom>
-          <a:solidFill>
-            <a:schemeClr val="bg1">
-              <a:lumMod val="85000"/>
-            </a:schemeClr>
-          </a:solidFill>
-          <a:ln w="6350">
-            <a:solidFill>
-              <a:schemeClr val="bg1">
-                <a:lumMod val="65000"/>
-              </a:schemeClr>
-            </a:solidFill>
-            <a:prstDash val="sysDot"/>
-          </a:ln>
-          <a:effectLst/>
-        </p:spPr>
-        <p:style>
-          <a:lnRef idx="2">
-            <a:schemeClr val="accent1">
-              <a:shade val="50000"/>
-            </a:schemeClr>
-          </a:lnRef>
-          <a:fillRef idx="1">
-            <a:schemeClr val="accent1"/>
-          </a:fillRef>
-          <a:effectRef idx="0">
-            <a:schemeClr val="accent1"/>
-          </a:effectRef>
-          <a:fontRef idx="minor">
-            <a:schemeClr val="lt1"/>
-          </a:fontRef>
-        </p:style>
-        <p:txBody>
-          <a:bodyPr rtlCol="0" anchor="ctr"/>
-          <a:lstStyle/>
-          <a:p>
-            <a:pPr algn="ctr"/>
-            <a:endParaRPr lang="en-US" dirty="0"/>
-          </a:p>
-        </p:txBody>
-      </p:sp>
-      <p:sp>
-        <p:nvSpPr>
-          <p:cNvPr id="2" name="Title 1">
-            <a:extLst>
-              <a:ext uri="{FF2B5EF4-FFF2-40B4-BE49-F238E27FC236}">
-                <a16:creationId xmlns:a16="http://schemas.microsoft.com/office/drawing/2014/main" id="{33EF741B-6AFA-A389-12C1-29E4700D1379}"/>
-              </a:ext>
-            </a:extLst>
-          </p:cNvPr>
-          <p:cNvSpPr>
-            <a:spLocks noGrp="1"/>
-          </p:cNvSpPr>
-          <p:nvPr>
-            <p:ph type="title"/>
-          </p:nvPr>
-        </p:nvSpPr>
-        <p:spPr>
-          <a:xfrm>
-            <a:off x="113709" y="47610"/>
-            <a:ext cx="1553209" cy="1874021"/>
-          </a:xfrm>
-        </p:spPr>
-        <p:txBody>
-          <a:bodyPr>
-            <a:normAutofit fontScale="90000"/>
-          </a:bodyPr>
-          <a:lstStyle/>
-          <a:p>
-            <a:r>
-              <a:rPr lang="en-US" dirty="0"/>
-              <a:t>MVCC in ETCD</a:t>
-            </a:r>
-          </a:p>
-        </p:txBody>
-      </p:sp>
-      <p:sp>
-        <p:nvSpPr>
-          <p:cNvPr id="3" name="Content Placeholder 2">
-            <a:extLst>
-              <a:ext uri="{FF2B5EF4-FFF2-40B4-BE49-F238E27FC236}">
-                <a16:creationId xmlns:a16="http://schemas.microsoft.com/office/drawing/2014/main" id="{6B04C851-DF8A-3986-609E-C6FD89187B35}"/>
-              </a:ext>
-            </a:extLst>
-          </p:cNvPr>
-          <p:cNvSpPr>
-            <a:spLocks noGrp="1"/>
-          </p:cNvSpPr>
-          <p:nvPr>
-            <p:ph idx="1"/>
-          </p:nvPr>
-        </p:nvSpPr>
-        <p:spPr>
-          <a:xfrm>
-            <a:off x="2209716" y="196291"/>
-            <a:ext cx="8396858" cy="2106908"/>
-          </a:xfrm>
-        </p:spPr>
-        <p:txBody>
-          <a:bodyPr>
-            <a:normAutofit lnSpcReduction="10000"/>
-          </a:bodyPr>
-          <a:lstStyle/>
-          <a:p>
-            <a:r>
-              <a:rPr lang="en-US" sz="1800" dirty="0"/>
-              <a:t>Each revision tick </a:t>
-            </a:r>
-            <a:r>
-              <a:rPr lang="en-US" sz="1800" dirty="0">
-                <a:sym typeface="Wingdings" pitchFamily="2" charset="2"/>
-              </a:rPr>
-              <a:t> set of {k, v} ops </a:t>
-            </a:r>
-          </a:p>
-          <a:p>
-            <a:r>
-              <a:rPr lang="en-US" sz="1800" dirty="0"/>
-              <a:t>BoltDB (B+ Tree) stores all versions of a key (MVCC)</a:t>
-            </a:r>
-          </a:p>
-          <a:p>
-            <a:r>
-              <a:rPr lang="en-US" sz="1800" dirty="0"/>
-              <a:t>BoltDB stores {k, v} using revision as the DB storage key. </a:t>
-            </a:r>
-          </a:p>
-          <a:p>
-            <a:r>
-              <a:rPr lang="en-US" sz="1800" dirty="0"/>
-              <a:t>Meaning BoltDB </a:t>
-            </a:r>
-            <a:r>
-              <a:rPr lang="en-US" sz="1800" b="1" dirty="0">
-                <a:solidFill>
-                  <a:srgbClr val="7030A0"/>
-                </a:solidFill>
-              </a:rPr>
-              <a:t>storage key </a:t>
-            </a:r>
-            <a:r>
-              <a:rPr lang="en-US" sz="1800" dirty="0"/>
-              <a:t>(revision) maps to a set of atomic k-v changes</a:t>
-            </a:r>
-          </a:p>
-          <a:p>
-            <a:r>
-              <a:rPr lang="en-US" sz="1800" i="1" dirty="0"/>
-              <a:t>TreeIndex</a:t>
-            </a:r>
-            <a:r>
-              <a:rPr lang="zh-CN" altLang="en-US" sz="1800" i="1" dirty="0"/>
-              <a:t> </a:t>
-            </a:r>
-            <a:r>
-              <a:rPr lang="en-US" altLang="zh-CN" sz="1800" i="1" dirty="0"/>
-              <a:t>(B Tree)</a:t>
-            </a:r>
-            <a:r>
-              <a:rPr lang="en-US" sz="1800" dirty="0"/>
-              <a:t> maps data key to </a:t>
-            </a:r>
-            <a:r>
-              <a:rPr lang="en-US" sz="1800" b="1" dirty="0">
-                <a:solidFill>
-                  <a:srgbClr val="7030A0"/>
-                </a:solidFill>
-              </a:rPr>
-              <a:t>storage key </a:t>
-            </a:r>
-            <a:r>
-              <a:rPr lang="en-US" sz="1800" dirty="0"/>
-              <a:t>(revision) </a:t>
-            </a:r>
-          </a:p>
-          <a:p>
-            <a:r>
-              <a:rPr lang="en-US" sz="1800" i="1" dirty="0"/>
-              <a:t>TreeIndex</a:t>
-            </a:r>
-            <a:r>
-              <a:rPr lang="en-US" sz="1800" dirty="0"/>
-              <a:t> uses </a:t>
-            </a:r>
-            <a:r>
-              <a:rPr lang="en-US" sz="1800" b="1" dirty="0">
-                <a:solidFill>
-                  <a:srgbClr val="FF0000"/>
-                </a:solidFill>
-              </a:rPr>
-              <a:t>data key as the tree key </a:t>
-            </a:r>
-            <a:r>
-              <a:rPr lang="en-US" sz="1800" dirty="0"/>
-              <a:t>(for better range search)</a:t>
-            </a:r>
-          </a:p>
-        </p:txBody>
-      </p:sp>
-      <p:pic>
-        <p:nvPicPr>
-          <p:cNvPr id="1026" name="Picture 2">
-            <a:extLst>
-              <a:ext uri="{FF2B5EF4-FFF2-40B4-BE49-F238E27FC236}">
-                <a16:creationId xmlns:a16="http://schemas.microsoft.com/office/drawing/2014/main" id="{696CF562-39F3-1605-A0DB-CCC7D64FC5E1}"/>
-              </a:ext>
-            </a:extLst>
-          </p:cNvPr>
-          <p:cNvPicPr>
-            <a:picLocks noChangeAspect="1" noChangeArrowheads="1"/>
-          </p:cNvPicPr>
-          <p:nvPr/>
-        </p:nvPicPr>
-        <p:blipFill>
-          <a:blip r:embed="rId2">
-            <a:extLst>
-              <a:ext uri="{28A0092B-C50C-407E-A947-70E740481C1C}">
-                <a14:useLocalDpi xmlns:a14="http://schemas.microsoft.com/office/drawing/2010/main" val="0"/>
-              </a:ext>
-            </a:extLst>
-          </a:blip>
-          <a:srcRect/>
-          <a:stretch>
-            <a:fillRect/>
-          </a:stretch>
-        </p:blipFill>
-        <p:spPr bwMode="auto">
-          <a:xfrm>
-            <a:off x="9745278" y="316306"/>
-            <a:ext cx="2303043" cy="1463712"/>
-          </a:xfrm>
-          <a:prstGeom prst="rect">
-            <a:avLst/>
-          </a:prstGeom>
-          <a:ln>
-            <a:noFill/>
-          </a:ln>
-          <a:effectLst>
-            <a:outerShdw blurRad="292100" dist="139700" dir="2700000" algn="tl" rotWithShape="0">
-              <a:srgbClr val="333333">
-                <a:alpha val="65000"/>
-              </a:srgbClr>
-            </a:outerShdw>
-          </a:effectLst>
-          <a:extLst>
-            <a:ext uri="{909E8E84-426E-40DD-AFC4-6F175D3DCCD1}">
-              <a14:hiddenFill xmlns:a14="http://schemas.microsoft.com/office/drawing/2010/main">
-                <a:solidFill>
-                  <a:srgbClr val="FFFFFF"/>
-                </a:solidFill>
-              </a14:hiddenFill>
-            </a:ext>
-          </a:extLst>
-        </p:spPr>
-      </p:pic>
-      <p:pic>
-        <p:nvPicPr>
-          <p:cNvPr id="1028" name="Picture 4" descr="etcd-keyindex">
-            <a:extLst>
-              <a:ext uri="{FF2B5EF4-FFF2-40B4-BE49-F238E27FC236}">
-                <a16:creationId xmlns:a16="http://schemas.microsoft.com/office/drawing/2014/main" id="{A2358E7E-D615-FE72-2F78-CEE23192B8A9}"/>
-              </a:ext>
-            </a:extLst>
-          </p:cNvPr>
-          <p:cNvPicPr>
-            <a:picLocks noChangeAspect="1" noChangeArrowheads="1"/>
-          </p:cNvPicPr>
-          <p:nvPr/>
-        </p:nvPicPr>
-        <p:blipFill rotWithShape="1">
-          <a:blip r:embed="rId3">
-            <a:extLst>
-              <a:ext uri="{28A0092B-C50C-407E-A947-70E740481C1C}">
-                <a14:useLocalDpi xmlns:a14="http://schemas.microsoft.com/office/drawing/2010/main" val="0"/>
-              </a:ext>
-            </a:extLst>
-          </a:blip>
-          <a:srcRect l="21441" t="4900" r="21207" b="5199"/>
-          <a:stretch/>
-        </p:blipFill>
-        <p:spPr bwMode="auto">
-          <a:xfrm>
-            <a:off x="5664833" y="4400938"/>
-            <a:ext cx="1922515" cy="1330971"/>
-          </a:xfrm>
-          <a:prstGeom prst="rect">
-            <a:avLst/>
-          </a:prstGeom>
-          <a:ln>
-            <a:noFill/>
-          </a:ln>
-          <a:effectLst>
-            <a:outerShdw blurRad="292100" dist="139700" dir="2700000" algn="tl" rotWithShape="0">
-              <a:srgbClr val="333333">
-                <a:alpha val="65000"/>
-              </a:srgbClr>
-            </a:outerShdw>
-          </a:effectLst>
-          <a:extLst>
-            <a:ext uri="{909E8E84-426E-40DD-AFC4-6F175D3DCCD1}">
-              <a14:hiddenFill xmlns:a14="http://schemas.microsoft.com/office/drawing/2010/main">
-                <a:solidFill>
-                  <a:srgbClr val="FFFFFF"/>
-                </a:solidFill>
-              </a14:hiddenFill>
-            </a:ext>
-          </a:extLst>
-        </p:spPr>
-      </p:pic>
-      <p:pic>
-        <p:nvPicPr>
-          <p:cNvPr id="6" name="Picture 5">
-            <a:extLst>
-              <a:ext uri="{FF2B5EF4-FFF2-40B4-BE49-F238E27FC236}">
-                <a16:creationId xmlns:a16="http://schemas.microsoft.com/office/drawing/2014/main" id="{4F8D66EA-15F6-DA86-8675-C4BF7151F02C}"/>
-              </a:ext>
-            </a:extLst>
-          </p:cNvPr>
-          <p:cNvPicPr>
-            <a:picLocks noChangeAspect="1"/>
-          </p:cNvPicPr>
-          <p:nvPr/>
-        </p:nvPicPr>
-        <p:blipFill>
-          <a:blip r:embed="rId4"/>
-          <a:stretch>
-            <a:fillRect/>
-          </a:stretch>
-        </p:blipFill>
-        <p:spPr>
-          <a:xfrm>
-            <a:off x="1655271" y="3967526"/>
-            <a:ext cx="3218304" cy="1236826"/>
-          </a:xfrm>
-          <a:prstGeom prst="rect">
-            <a:avLst/>
-          </a:prstGeom>
-        </p:spPr>
-      </p:pic>
-      <p:sp>
-        <p:nvSpPr>
-          <p:cNvPr id="4" name="TextBox 3">
-            <a:extLst>
-              <a:ext uri="{FF2B5EF4-FFF2-40B4-BE49-F238E27FC236}">
-                <a16:creationId xmlns:a16="http://schemas.microsoft.com/office/drawing/2014/main" id="{E07F9D21-A1F6-5DFA-C244-52F6BBC3D705}"/>
-              </a:ext>
-            </a:extLst>
-          </p:cNvPr>
-          <p:cNvSpPr txBox="1"/>
-          <p:nvPr/>
-        </p:nvSpPr>
-        <p:spPr>
-          <a:xfrm>
-            <a:off x="2058072" y="5258881"/>
-            <a:ext cx="2641878" cy="369332"/>
-          </a:xfrm>
-          <a:prstGeom prst="rect">
-            <a:avLst/>
-          </a:prstGeom>
-          <a:noFill/>
-        </p:spPr>
-        <p:txBody>
-          <a:bodyPr wrap="none" rtlCol="0">
-            <a:spAutoFit/>
-          </a:bodyPr>
-          <a:lstStyle/>
-          <a:p>
-            <a:pPr algn="ctr"/>
-            <a:r>
-              <a:rPr lang="en-US" dirty="0"/>
-              <a:t>key </a:t>
-            </a:r>
-            <a:r>
-              <a:rPr lang="en-US" dirty="0">
-                <a:sym typeface="Wingdings" pitchFamily="2" charset="2"/>
-              </a:rPr>
-              <a:t> KeyIndex (versions)</a:t>
-            </a:r>
-            <a:endParaRPr lang="en-US" dirty="0"/>
-          </a:p>
-        </p:txBody>
-      </p:sp>
-      <p:sp>
-        <p:nvSpPr>
-          <p:cNvPr id="12" name="TextBox 11">
-            <a:extLst>
-              <a:ext uri="{FF2B5EF4-FFF2-40B4-BE49-F238E27FC236}">
-                <a16:creationId xmlns:a16="http://schemas.microsoft.com/office/drawing/2014/main" id="{4A43525A-92F1-6732-4857-F0AB8F8F4628}"/>
-              </a:ext>
-            </a:extLst>
-          </p:cNvPr>
-          <p:cNvSpPr txBox="1"/>
-          <p:nvPr/>
-        </p:nvSpPr>
-        <p:spPr>
-          <a:xfrm>
-            <a:off x="80891" y="4936369"/>
-            <a:ext cx="870298" cy="307777"/>
-          </a:xfrm>
-          <a:prstGeom prst="rect">
-            <a:avLst/>
-          </a:prstGeom>
-          <a:noFill/>
-        </p:spPr>
-        <p:txBody>
-          <a:bodyPr wrap="square">
-            <a:spAutoFit/>
-          </a:bodyPr>
-          <a:lstStyle/>
-          <a:p>
-            <a:r>
-              <a:rPr lang="en-US" sz="1400" b="1" dirty="0">
-                <a:solidFill>
-                  <a:srgbClr val="7030A0"/>
-                </a:solidFill>
-              </a:rPr>
-              <a:t>Data Key </a:t>
-            </a:r>
-          </a:p>
-        </p:txBody>
-      </p:sp>
-      <p:sp>
-        <p:nvSpPr>
-          <p:cNvPr id="14" name="TextBox 13">
-            <a:extLst>
-              <a:ext uri="{FF2B5EF4-FFF2-40B4-BE49-F238E27FC236}">
-                <a16:creationId xmlns:a16="http://schemas.microsoft.com/office/drawing/2014/main" id="{FADF05D2-0B77-940D-D51E-97084B6EDA44}"/>
-              </a:ext>
-            </a:extLst>
-          </p:cNvPr>
-          <p:cNvSpPr txBox="1"/>
-          <p:nvPr/>
-        </p:nvSpPr>
-        <p:spPr>
-          <a:xfrm>
-            <a:off x="2352729" y="6004343"/>
-            <a:ext cx="1678406" cy="369332"/>
-          </a:xfrm>
-          <a:prstGeom prst="rect">
-            <a:avLst/>
-          </a:prstGeom>
-          <a:noFill/>
-        </p:spPr>
-        <p:txBody>
-          <a:bodyPr wrap="square">
-            <a:spAutoFit/>
-          </a:bodyPr>
-          <a:lstStyle/>
-          <a:p>
-            <a:pPr algn="ctr"/>
-            <a:r>
-              <a:rPr lang="en-US" dirty="0"/>
-              <a:t>B Tree Index </a:t>
-            </a:r>
-          </a:p>
-        </p:txBody>
-      </p:sp>
-      <p:sp>
-        <p:nvSpPr>
-          <p:cNvPr id="13" name="TextBox 12">
-            <a:extLst>
-              <a:ext uri="{FF2B5EF4-FFF2-40B4-BE49-F238E27FC236}">
-                <a16:creationId xmlns:a16="http://schemas.microsoft.com/office/drawing/2014/main" id="{28D43F81-D126-44D0-BDA3-DFC9CF7BA2CE}"/>
-              </a:ext>
-            </a:extLst>
-          </p:cNvPr>
-          <p:cNvSpPr txBox="1"/>
-          <p:nvPr/>
-        </p:nvSpPr>
-        <p:spPr>
-          <a:xfrm>
-            <a:off x="-11488" y="6445733"/>
-            <a:ext cx="482183" cy="369332"/>
-          </a:xfrm>
-          <a:prstGeom prst="rect">
-            <a:avLst/>
-          </a:prstGeom>
-          <a:noFill/>
-        </p:spPr>
-        <p:txBody>
-          <a:bodyPr wrap="none" rtlCol="0">
-            <a:spAutoFit/>
-          </a:bodyPr>
-          <a:lstStyle/>
-          <a:p>
-            <a:r>
-              <a:rPr lang="en-US" dirty="0"/>
-              <a:t>ver</a:t>
-            </a:r>
-          </a:p>
-        </p:txBody>
-      </p:sp>
-      <p:cxnSp>
-        <p:nvCxnSpPr>
-          <p:cNvPr id="17" name="Elbow Connector 16">
-            <a:extLst>
-              <a:ext uri="{FF2B5EF4-FFF2-40B4-BE49-F238E27FC236}">
-                <a16:creationId xmlns:a16="http://schemas.microsoft.com/office/drawing/2014/main" id="{1610BDEC-64BD-3F85-47D7-0E52BA9A5F69}"/>
-              </a:ext>
-            </a:extLst>
-          </p:cNvPr>
-          <p:cNvCxnSpPr>
-            <a:cxnSpLocks/>
-            <a:stCxn id="13" idx="3"/>
-            <a:endCxn id="1028" idx="2"/>
-          </p:cNvCxnSpPr>
-          <p:nvPr/>
-        </p:nvCxnSpPr>
-        <p:spPr>
-          <a:xfrm flipV="1">
-            <a:off x="470695" y="5731909"/>
-            <a:ext cx="6155396" cy="898490"/>
-          </a:xfrm>
-          <a:prstGeom prst="bentConnector2">
-            <a:avLst/>
-          </a:prstGeom>
-          <a:ln w="19050">
-            <a:solidFill>
-              <a:schemeClr val="bg2">
-                <a:lumMod val="50000"/>
-              </a:schemeClr>
-            </a:solidFill>
-            <a:tailEnd type="arrow" w="lg" len="lg"/>
-          </a:ln>
-        </p:spPr>
-        <p:style>
-          <a:lnRef idx="1">
-            <a:schemeClr val="accent1"/>
-          </a:lnRef>
-          <a:fillRef idx="0">
-            <a:schemeClr val="accent1"/>
-          </a:fillRef>
-          <a:effectRef idx="0">
-            <a:schemeClr val="accent1"/>
-          </a:effectRef>
-          <a:fontRef idx="minor">
-            <a:schemeClr val="tx1"/>
-          </a:fontRef>
-        </p:style>
-      </p:cxnSp>
-      <p:cxnSp>
-        <p:nvCxnSpPr>
-          <p:cNvPr id="23" name="Elbow Connector 22">
-            <a:extLst>
-              <a:ext uri="{FF2B5EF4-FFF2-40B4-BE49-F238E27FC236}">
-                <a16:creationId xmlns:a16="http://schemas.microsoft.com/office/drawing/2014/main" id="{1DFE40D4-C6F8-84E2-A770-B2077FC5E37A}"/>
-              </a:ext>
-            </a:extLst>
-          </p:cNvPr>
-          <p:cNvCxnSpPr>
-            <a:cxnSpLocks/>
-            <a:stCxn id="12" idx="3"/>
-            <a:endCxn id="6" idx="1"/>
-          </p:cNvCxnSpPr>
-          <p:nvPr/>
-        </p:nvCxnSpPr>
-        <p:spPr>
-          <a:xfrm flipV="1">
-            <a:off x="951189" y="4585939"/>
-            <a:ext cx="704082" cy="504319"/>
-          </a:xfrm>
-          <a:prstGeom prst="bentConnector3">
-            <a:avLst>
-              <a:gd name="adj1" fmla="val 50000"/>
-            </a:avLst>
-          </a:prstGeom>
-          <a:ln w="19050">
-            <a:solidFill>
-              <a:schemeClr val="bg2">
-                <a:lumMod val="50000"/>
-              </a:schemeClr>
-            </a:solidFill>
-            <a:tailEnd type="arrow" w="lg" len="lg"/>
-          </a:ln>
-        </p:spPr>
-        <p:style>
-          <a:lnRef idx="1">
-            <a:schemeClr val="accent1"/>
-          </a:lnRef>
-          <a:fillRef idx="0">
-            <a:schemeClr val="accent1"/>
-          </a:fillRef>
-          <a:effectRef idx="0">
-            <a:schemeClr val="accent1"/>
-          </a:effectRef>
-          <a:fontRef idx="minor">
-            <a:schemeClr val="tx1"/>
-          </a:fontRef>
-        </p:style>
-      </p:cxnSp>
-      <p:cxnSp>
-        <p:nvCxnSpPr>
-          <p:cNvPr id="28" name="Elbow Connector 27">
-            <a:extLst>
-              <a:ext uri="{FF2B5EF4-FFF2-40B4-BE49-F238E27FC236}">
-                <a16:creationId xmlns:a16="http://schemas.microsoft.com/office/drawing/2014/main" id="{EBEAD486-0ED5-95E5-B110-D2131DDFBA68}"/>
-              </a:ext>
-            </a:extLst>
-          </p:cNvPr>
-          <p:cNvCxnSpPr>
-            <a:cxnSpLocks/>
-            <a:stCxn id="6" idx="3"/>
-            <a:endCxn id="1028" idx="1"/>
-          </p:cNvCxnSpPr>
-          <p:nvPr/>
-        </p:nvCxnSpPr>
-        <p:spPr>
-          <a:xfrm>
-            <a:off x="4873575" y="4585939"/>
-            <a:ext cx="791258" cy="480485"/>
-          </a:xfrm>
-          <a:prstGeom prst="bentConnector3">
-            <a:avLst>
-              <a:gd name="adj1" fmla="val 50000"/>
-            </a:avLst>
-          </a:prstGeom>
-          <a:ln w="19050">
-            <a:solidFill>
-              <a:schemeClr val="bg2">
-                <a:lumMod val="50000"/>
-              </a:schemeClr>
-            </a:solidFill>
-            <a:tailEnd type="arrow" w="lg" len="lg"/>
-          </a:ln>
-        </p:spPr>
-        <p:style>
-          <a:lnRef idx="1">
-            <a:schemeClr val="accent1"/>
-          </a:lnRef>
-          <a:fillRef idx="0">
-            <a:schemeClr val="accent1"/>
-          </a:fillRef>
-          <a:effectRef idx="0">
-            <a:schemeClr val="accent1"/>
-          </a:effectRef>
-          <a:fontRef idx="minor">
-            <a:schemeClr val="tx1"/>
-          </a:fontRef>
-        </p:style>
-      </p:cxnSp>
-      <p:cxnSp>
-        <p:nvCxnSpPr>
-          <p:cNvPr id="32" name="Elbow Connector 31">
-            <a:extLst>
-              <a:ext uri="{FF2B5EF4-FFF2-40B4-BE49-F238E27FC236}">
-                <a16:creationId xmlns:a16="http://schemas.microsoft.com/office/drawing/2014/main" id="{66BBDFD3-5A3B-6DBC-5D16-92315C6725E5}"/>
-              </a:ext>
-            </a:extLst>
-          </p:cNvPr>
-          <p:cNvCxnSpPr>
-            <a:cxnSpLocks/>
-            <a:stCxn id="1028" idx="3"/>
-            <a:endCxn id="34" idx="2"/>
-          </p:cNvCxnSpPr>
-          <p:nvPr/>
-        </p:nvCxnSpPr>
-        <p:spPr>
-          <a:xfrm>
-            <a:off x="7587348" y="5066424"/>
-            <a:ext cx="3227964" cy="1467646"/>
-          </a:xfrm>
-          <a:prstGeom prst="bentConnector4">
-            <a:avLst>
-              <a:gd name="adj1" fmla="val 40276"/>
-              <a:gd name="adj2" fmla="val 115576"/>
-            </a:avLst>
-          </a:prstGeom>
-          <a:ln w="19050">
-            <a:solidFill>
-              <a:schemeClr val="bg2">
-                <a:lumMod val="50000"/>
-              </a:schemeClr>
-            </a:solidFill>
-            <a:tailEnd type="arrow" w="lg" len="lg"/>
-          </a:ln>
-        </p:spPr>
-        <p:style>
-          <a:lnRef idx="1">
-            <a:schemeClr val="accent1"/>
-          </a:lnRef>
-          <a:fillRef idx="0">
-            <a:schemeClr val="accent1"/>
-          </a:fillRef>
-          <a:effectRef idx="0">
-            <a:schemeClr val="accent1"/>
-          </a:effectRef>
-          <a:fontRef idx="minor">
-            <a:schemeClr val="tx1"/>
-          </a:fontRef>
-        </p:style>
-      </p:cxnSp>
-      <p:sp>
-        <p:nvSpPr>
-          <p:cNvPr id="33" name="TextBox 32">
-            <a:extLst>
-              <a:ext uri="{FF2B5EF4-FFF2-40B4-BE49-F238E27FC236}">
-                <a16:creationId xmlns:a16="http://schemas.microsoft.com/office/drawing/2014/main" id="{E0565B8B-D0A0-45CF-EE09-9BA085A91742}"/>
-              </a:ext>
-            </a:extLst>
-          </p:cNvPr>
-          <p:cNvSpPr txBox="1"/>
-          <p:nvPr/>
-        </p:nvSpPr>
-        <p:spPr>
-          <a:xfrm>
-            <a:off x="7938969" y="4598702"/>
-            <a:ext cx="1643335" cy="461665"/>
-          </a:xfrm>
-          <a:prstGeom prst="rect">
-            <a:avLst/>
-          </a:prstGeom>
-          <a:noFill/>
-        </p:spPr>
-        <p:txBody>
-          <a:bodyPr wrap="none" rtlCol="0">
-            <a:spAutoFit/>
-          </a:bodyPr>
-          <a:lstStyle/>
-          <a:p>
-            <a:r>
-              <a:rPr lang="en-US" sz="1200" b="1" i="1" dirty="0">
-                <a:solidFill>
-                  <a:srgbClr val="FF0000"/>
-                </a:solidFill>
-              </a:rPr>
-              <a:t>Storage Key</a:t>
-            </a:r>
-          </a:p>
-          <a:p>
-            <a:r>
-              <a:rPr lang="en-US" sz="1200" i="1" dirty="0"/>
-              <a:t>{created, modified, ver}</a:t>
-            </a:r>
-          </a:p>
-        </p:txBody>
-      </p:sp>
-      <p:pic>
-        <p:nvPicPr>
-          <p:cNvPr id="34" name="Picture 2" descr="etcd-backends">
-            <a:extLst>
-              <a:ext uri="{FF2B5EF4-FFF2-40B4-BE49-F238E27FC236}">
-                <a16:creationId xmlns:a16="http://schemas.microsoft.com/office/drawing/2014/main" id="{544364C6-5528-8DD2-CB85-3B7974FBDAFE}"/>
-              </a:ext>
-            </a:extLst>
-          </p:cNvPr>
-          <p:cNvPicPr>
-            <a:picLocks noChangeAspect="1" noChangeArrowheads="1"/>
-          </p:cNvPicPr>
-          <p:nvPr/>
-        </p:nvPicPr>
-        <p:blipFill rotWithShape="1">
-          <a:blip r:embed="rId5">
-            <a:extLst>
-              <a:ext uri="{28A0092B-C50C-407E-A947-70E740481C1C}">
-                <a14:useLocalDpi xmlns:a14="http://schemas.microsoft.com/office/drawing/2010/main" val="0"/>
-              </a:ext>
-            </a:extLst>
-          </a:blip>
-          <a:srcRect l="35058" t="8812" r="34260" b="8710"/>
-          <a:stretch/>
-        </p:blipFill>
-        <p:spPr bwMode="auto">
-          <a:xfrm>
-            <a:off x="10187531" y="5648109"/>
-            <a:ext cx="1255562" cy="885961"/>
-          </a:xfrm>
-          <a:prstGeom prst="rect">
-            <a:avLst/>
-          </a:prstGeom>
-          <a:noFill/>
-          <a:extLst>
-            <a:ext uri="{909E8E84-426E-40DD-AFC4-6F175D3DCCD1}">
-              <a14:hiddenFill xmlns:a14="http://schemas.microsoft.com/office/drawing/2010/main">
-                <a:solidFill>
-                  <a:srgbClr val="FFFFFF"/>
-                </a:solidFill>
-              </a14:hiddenFill>
-            </a:ext>
-          </a:extLst>
-        </p:spPr>
-      </p:pic>
-      <p:sp>
-        <p:nvSpPr>
-          <p:cNvPr id="40" name="Can 39">
-            <a:extLst>
-              <a:ext uri="{FF2B5EF4-FFF2-40B4-BE49-F238E27FC236}">
-                <a16:creationId xmlns:a16="http://schemas.microsoft.com/office/drawing/2014/main" id="{9EA34B4D-1CE2-E9EA-CA6C-4B2139596A57}"/>
-              </a:ext>
-            </a:extLst>
-          </p:cNvPr>
-          <p:cNvSpPr/>
-          <p:nvPr/>
-        </p:nvSpPr>
-        <p:spPr>
-          <a:xfrm>
-            <a:off x="10054715" y="3645902"/>
-            <a:ext cx="1329070" cy="1476021"/>
-          </a:xfrm>
-          <a:prstGeom prst="can">
-            <a:avLst/>
-          </a:prstGeom>
-          <a:solidFill>
-            <a:schemeClr val="bg1">
-              <a:lumMod val="50000"/>
-            </a:schemeClr>
-          </a:solidFill>
-          <a:ln>
-            <a:solidFill>
-              <a:schemeClr val="bg1">
-                <a:lumMod val="50000"/>
-              </a:schemeClr>
-            </a:solidFill>
-          </a:ln>
-        </p:spPr>
-        <p:style>
-          <a:lnRef idx="2">
-            <a:schemeClr val="accent1">
-              <a:shade val="50000"/>
-            </a:schemeClr>
-          </a:lnRef>
-          <a:fillRef idx="1">
-            <a:schemeClr val="accent1"/>
-          </a:fillRef>
-          <a:effectRef idx="0">
-            <a:schemeClr val="accent1"/>
-          </a:effectRef>
-          <a:fontRef idx="minor">
-            <a:schemeClr val="lt1"/>
-          </a:fontRef>
-        </p:style>
-        <p:txBody>
-          <a:bodyPr rtlCol="0" anchor="ctr"/>
-          <a:lstStyle/>
-          <a:p>
-            <a:pPr algn="ctr"/>
-            <a:r>
-              <a:rPr lang="en-US" dirty="0"/>
-              <a:t>rev </a:t>
-            </a:r>
-            <a:r>
-              <a:rPr lang="en-US" dirty="0">
-                <a:sym typeface="Wingdings" pitchFamily="2" charset="2"/>
-              </a:rPr>
-              <a:t> val</a:t>
-            </a:r>
-            <a:endParaRPr lang="en-US" dirty="0"/>
-          </a:p>
-        </p:txBody>
-      </p:sp>
-      <p:sp>
-        <p:nvSpPr>
-          <p:cNvPr id="41" name="TextBox 40">
-            <a:extLst>
-              <a:ext uri="{FF2B5EF4-FFF2-40B4-BE49-F238E27FC236}">
-                <a16:creationId xmlns:a16="http://schemas.microsoft.com/office/drawing/2014/main" id="{0B84D607-0268-4D06-E158-C9774638B73F}"/>
-              </a:ext>
-            </a:extLst>
-          </p:cNvPr>
-          <p:cNvSpPr txBox="1"/>
-          <p:nvPr/>
-        </p:nvSpPr>
-        <p:spPr>
-          <a:xfrm>
-            <a:off x="10304713" y="3234103"/>
-            <a:ext cx="829073" cy="369332"/>
-          </a:xfrm>
-          <a:prstGeom prst="rect">
-            <a:avLst/>
-          </a:prstGeom>
-          <a:noFill/>
-        </p:spPr>
-        <p:txBody>
-          <a:bodyPr wrap="none" rtlCol="0">
-            <a:spAutoFit/>
-          </a:bodyPr>
-          <a:lstStyle/>
-          <a:p>
-            <a:r>
-              <a:rPr lang="en-US" dirty="0"/>
-              <a:t>BoltDB</a:t>
-            </a:r>
-          </a:p>
-        </p:txBody>
-      </p:sp>
-      <p:sp>
-        <p:nvSpPr>
-          <p:cNvPr id="46" name="TextBox 45">
-            <a:extLst>
-              <a:ext uri="{FF2B5EF4-FFF2-40B4-BE49-F238E27FC236}">
-                <a16:creationId xmlns:a16="http://schemas.microsoft.com/office/drawing/2014/main" id="{35D03FF2-561C-D5BF-78F4-E8A6753925E2}"/>
-              </a:ext>
-            </a:extLst>
-          </p:cNvPr>
-          <p:cNvSpPr txBox="1"/>
-          <p:nvPr/>
-        </p:nvSpPr>
-        <p:spPr>
-          <a:xfrm>
-            <a:off x="2058072" y="5603750"/>
-            <a:ext cx="576696" cy="276999"/>
-          </a:xfrm>
-          <a:prstGeom prst="rect">
-            <a:avLst/>
-          </a:prstGeom>
-          <a:noFill/>
-        </p:spPr>
-        <p:txBody>
-          <a:bodyPr wrap="none" rtlCol="0">
-            <a:spAutoFit/>
-          </a:bodyPr>
-          <a:lstStyle/>
-          <a:p>
-            <a:r>
-              <a:rPr lang="en-US" sz="1200" i="1" dirty="0"/>
-              <a:t>/a/b/c</a:t>
-            </a:r>
-          </a:p>
-        </p:txBody>
-      </p:sp>
-      <p:sp>
-        <p:nvSpPr>
-          <p:cNvPr id="47" name="TextBox 46">
-            <a:extLst>
-              <a:ext uri="{FF2B5EF4-FFF2-40B4-BE49-F238E27FC236}">
-                <a16:creationId xmlns:a16="http://schemas.microsoft.com/office/drawing/2014/main" id="{CB23899E-51EC-63ED-BA44-50060E711AFD}"/>
-              </a:ext>
-            </a:extLst>
-          </p:cNvPr>
-          <p:cNvSpPr txBox="1"/>
-          <p:nvPr/>
-        </p:nvSpPr>
-        <p:spPr>
-          <a:xfrm>
-            <a:off x="5831595" y="5777878"/>
-            <a:ext cx="829394" cy="461665"/>
-          </a:xfrm>
-          <a:prstGeom prst="rect">
-            <a:avLst/>
-          </a:prstGeom>
-          <a:noFill/>
-        </p:spPr>
-        <p:txBody>
-          <a:bodyPr wrap="none" rtlCol="0">
-            <a:spAutoFit/>
-          </a:bodyPr>
-          <a:lstStyle/>
-          <a:p>
-            <a:r>
-              <a:rPr lang="en-US" sz="1200" i="1" dirty="0"/>
-              <a:t>{/a/b/c, 3}</a:t>
-            </a:r>
-          </a:p>
-          <a:p>
-            <a:r>
-              <a:rPr lang="en-US" sz="1200" i="1" dirty="0"/>
-              <a:t>{/a/b/c, 5}</a:t>
-            </a:r>
-          </a:p>
-        </p:txBody>
-      </p:sp>
-      <p:sp>
-        <p:nvSpPr>
-          <p:cNvPr id="51" name="TextBox 50">
-            <a:extLst>
-              <a:ext uri="{FF2B5EF4-FFF2-40B4-BE49-F238E27FC236}">
-                <a16:creationId xmlns:a16="http://schemas.microsoft.com/office/drawing/2014/main" id="{2CDEAC7B-DD2A-E7A6-F253-B4EC499C7BCD}"/>
-              </a:ext>
-            </a:extLst>
-          </p:cNvPr>
-          <p:cNvSpPr txBox="1"/>
-          <p:nvPr/>
-        </p:nvSpPr>
-        <p:spPr>
-          <a:xfrm>
-            <a:off x="3333349" y="2896560"/>
-            <a:ext cx="870298" cy="307777"/>
-          </a:xfrm>
-          <a:prstGeom prst="rect">
-            <a:avLst/>
-          </a:prstGeom>
-          <a:noFill/>
-        </p:spPr>
-        <p:txBody>
-          <a:bodyPr wrap="square">
-            <a:spAutoFit/>
-          </a:bodyPr>
-          <a:lstStyle/>
-          <a:p>
-            <a:r>
-              <a:rPr lang="en-US" sz="1400" b="1" dirty="0">
-                <a:solidFill>
-                  <a:srgbClr val="7030A0"/>
-                </a:solidFill>
-              </a:rPr>
-              <a:t>Data Key </a:t>
-            </a:r>
-          </a:p>
-        </p:txBody>
-      </p:sp>
-      <p:sp>
-        <p:nvSpPr>
-          <p:cNvPr id="52" name="TextBox 51">
-            <a:extLst>
-              <a:ext uri="{FF2B5EF4-FFF2-40B4-BE49-F238E27FC236}">
-                <a16:creationId xmlns:a16="http://schemas.microsoft.com/office/drawing/2014/main" id="{09D26B0A-2CF3-D2D9-B37C-6A34264972F9}"/>
-              </a:ext>
-            </a:extLst>
-          </p:cNvPr>
-          <p:cNvSpPr txBox="1"/>
-          <p:nvPr/>
-        </p:nvSpPr>
-        <p:spPr>
-          <a:xfrm>
-            <a:off x="6736561" y="2861938"/>
-            <a:ext cx="946349" cy="276999"/>
-          </a:xfrm>
-          <a:prstGeom prst="rect">
-            <a:avLst/>
-          </a:prstGeom>
-          <a:noFill/>
-        </p:spPr>
-        <p:txBody>
-          <a:bodyPr wrap="none" rtlCol="0">
-            <a:spAutoFit/>
-          </a:bodyPr>
-          <a:lstStyle/>
-          <a:p>
-            <a:r>
-              <a:rPr lang="en-US" sz="1200" b="1" i="1" dirty="0">
-                <a:solidFill>
-                  <a:srgbClr val="FF0000"/>
-                </a:solidFill>
-              </a:rPr>
-              <a:t>Storage Key</a:t>
-            </a:r>
-          </a:p>
-        </p:txBody>
-      </p:sp>
-      <p:sp>
-        <p:nvSpPr>
-          <p:cNvPr id="53" name="TextBox 52">
-            <a:extLst>
-              <a:ext uri="{FF2B5EF4-FFF2-40B4-BE49-F238E27FC236}">
-                <a16:creationId xmlns:a16="http://schemas.microsoft.com/office/drawing/2014/main" id="{D0C445AF-6F8A-31CD-04C7-0C13A2AAA220}"/>
-              </a:ext>
-            </a:extLst>
-          </p:cNvPr>
-          <p:cNvSpPr txBox="1"/>
-          <p:nvPr/>
-        </p:nvSpPr>
-        <p:spPr>
-          <a:xfrm>
-            <a:off x="3367113" y="3193996"/>
-            <a:ext cx="576696" cy="276999"/>
-          </a:xfrm>
-          <a:prstGeom prst="rect">
-            <a:avLst/>
-          </a:prstGeom>
-          <a:noFill/>
-        </p:spPr>
-        <p:txBody>
-          <a:bodyPr wrap="none" rtlCol="0">
-            <a:spAutoFit/>
-          </a:bodyPr>
-          <a:lstStyle/>
-          <a:p>
-            <a:r>
-              <a:rPr lang="en-US" sz="1200" i="1" dirty="0"/>
-              <a:t>/a/b/c</a:t>
-            </a:r>
-          </a:p>
-        </p:txBody>
-      </p:sp>
-      <p:sp>
-        <p:nvSpPr>
-          <p:cNvPr id="55" name="TextBox 54">
-            <a:extLst>
-              <a:ext uri="{FF2B5EF4-FFF2-40B4-BE49-F238E27FC236}">
-                <a16:creationId xmlns:a16="http://schemas.microsoft.com/office/drawing/2014/main" id="{921544DF-B5CB-530E-028A-0A0343125D2E}"/>
-              </a:ext>
-            </a:extLst>
-          </p:cNvPr>
-          <p:cNvSpPr txBox="1"/>
-          <p:nvPr/>
-        </p:nvSpPr>
-        <p:spPr>
-          <a:xfrm>
-            <a:off x="6408145" y="3195660"/>
-            <a:ext cx="1746398" cy="276999"/>
-          </a:xfrm>
-          <a:prstGeom prst="rect">
-            <a:avLst/>
-          </a:prstGeom>
-          <a:noFill/>
-        </p:spPr>
-        <p:txBody>
-          <a:bodyPr wrap="square">
-            <a:spAutoFit/>
-          </a:bodyPr>
-          <a:lstStyle/>
-          <a:p>
-            <a:r>
-              <a:rPr lang="en-US" sz="1200" i="1" dirty="0"/>
-              <a:t>{created, modified, ver}</a:t>
-            </a:r>
-          </a:p>
-        </p:txBody>
-      </p:sp>
-      <p:sp>
-        <p:nvSpPr>
-          <p:cNvPr id="50" name="Right Arrow 49">
-            <a:extLst>
-              <a:ext uri="{FF2B5EF4-FFF2-40B4-BE49-F238E27FC236}">
-                <a16:creationId xmlns:a16="http://schemas.microsoft.com/office/drawing/2014/main" id="{130370FB-23A8-D3E8-FC23-0F28E6444DF9}"/>
-              </a:ext>
-            </a:extLst>
-          </p:cNvPr>
-          <p:cNvSpPr/>
-          <p:nvPr/>
-        </p:nvSpPr>
-        <p:spPr>
-          <a:xfrm>
-            <a:off x="4596905" y="3000437"/>
-            <a:ext cx="1723182" cy="415499"/>
-          </a:xfrm>
-          <a:prstGeom prst="rightArrow">
-            <a:avLst/>
-          </a:prstGeom>
-          <a:solidFill>
-            <a:schemeClr val="bg1">
-              <a:lumMod val="65000"/>
-            </a:schemeClr>
-          </a:solidFill>
-          <a:ln>
-            <a:solidFill>
-              <a:schemeClr val="bg1">
-                <a:lumMod val="85000"/>
-              </a:schemeClr>
-            </a:solidFill>
-          </a:ln>
-        </p:spPr>
-        <p:style>
-          <a:lnRef idx="2">
-            <a:schemeClr val="accent1">
-              <a:shade val="50000"/>
-            </a:schemeClr>
-          </a:lnRef>
-          <a:fillRef idx="1">
-            <a:schemeClr val="accent1"/>
-          </a:fillRef>
-          <a:effectRef idx="0">
-            <a:schemeClr val="accent1"/>
-          </a:effectRef>
-          <a:fontRef idx="minor">
-            <a:schemeClr val="lt1"/>
-          </a:fontRef>
-        </p:style>
-        <p:txBody>
-          <a:bodyPr rtlCol="0" anchor="ctr"/>
-          <a:lstStyle/>
-          <a:p>
-            <a:pPr algn="ctr"/>
-            <a:endParaRPr lang="en-US"/>
-          </a:p>
-        </p:txBody>
-      </p:sp>
-      <p:sp>
-        <p:nvSpPr>
-          <p:cNvPr id="57" name="Rounded Rectangle 56">
-            <a:extLst>
-              <a:ext uri="{FF2B5EF4-FFF2-40B4-BE49-F238E27FC236}">
-                <a16:creationId xmlns:a16="http://schemas.microsoft.com/office/drawing/2014/main" id="{C9DE2FD1-972C-543B-B41F-625B4FC1813E}"/>
-              </a:ext>
-            </a:extLst>
-          </p:cNvPr>
-          <p:cNvSpPr/>
-          <p:nvPr/>
-        </p:nvSpPr>
-        <p:spPr>
-          <a:xfrm>
-            <a:off x="3104708" y="2742981"/>
-            <a:ext cx="4912242" cy="919477"/>
-          </a:xfrm>
-          <a:prstGeom prst="roundRect">
-            <a:avLst/>
-          </a:prstGeom>
-          <a:noFill/>
-          <a:ln w="6350">
-            <a:solidFill>
-              <a:schemeClr val="bg1">
-                <a:lumMod val="50000"/>
-              </a:schemeClr>
-            </a:solidFill>
-            <a:prstDash val="sysDot"/>
-          </a:ln>
-          <a:effectLst/>
-        </p:spPr>
-        <p:style>
-          <a:lnRef idx="2">
-            <a:schemeClr val="accent1">
-              <a:shade val="50000"/>
-            </a:schemeClr>
-          </a:lnRef>
-          <a:fillRef idx="1">
-            <a:schemeClr val="accent1"/>
-          </a:fillRef>
-          <a:effectRef idx="0">
-            <a:schemeClr val="accent1"/>
-          </a:effectRef>
-          <a:fontRef idx="minor">
-            <a:schemeClr val="lt1"/>
-          </a:fontRef>
-        </p:style>
-        <p:txBody>
-          <a:bodyPr rtlCol="0" anchor="ctr"/>
-          <a:lstStyle/>
-          <a:p>
-            <a:pPr algn="ctr"/>
-            <a:endParaRPr lang="en-US" dirty="0"/>
-          </a:p>
-        </p:txBody>
-      </p:sp>
-      <p:sp>
-        <p:nvSpPr>
-          <p:cNvPr id="56" name="TextBox 55">
-            <a:extLst>
-              <a:ext uri="{FF2B5EF4-FFF2-40B4-BE49-F238E27FC236}">
-                <a16:creationId xmlns:a16="http://schemas.microsoft.com/office/drawing/2014/main" id="{12A0C5E2-C149-D107-F1B2-B6E5CD96367E}"/>
-              </a:ext>
-            </a:extLst>
-          </p:cNvPr>
-          <p:cNvSpPr txBox="1"/>
-          <p:nvPr/>
-        </p:nvSpPr>
-        <p:spPr>
-          <a:xfrm>
-            <a:off x="80891" y="1986201"/>
-            <a:ext cx="502061" cy="577081"/>
-          </a:xfrm>
-          <a:prstGeom prst="rect">
-            <a:avLst/>
-          </a:prstGeom>
-          <a:noFill/>
-        </p:spPr>
-        <p:txBody>
-          <a:bodyPr wrap="none" rtlCol="0">
-            <a:spAutoFit/>
-          </a:bodyPr>
-          <a:lstStyle/>
-          <a:p>
-            <a:r>
-              <a:rPr lang="en-US" sz="1050" dirty="0">
-                <a:hlinkClick r:id="rId6"/>
-              </a:rPr>
-              <a:t>Link 1</a:t>
-            </a:r>
-            <a:endParaRPr lang="en-US" sz="1050" dirty="0"/>
-          </a:p>
-          <a:p>
-            <a:r>
-              <a:rPr lang="en-US" sz="1050" dirty="0">
-                <a:hlinkClick r:id="rId7"/>
-              </a:rPr>
-              <a:t>Link 2</a:t>
-            </a:r>
-            <a:endParaRPr lang="en-US" sz="1050" dirty="0"/>
-          </a:p>
-          <a:p>
-            <a:r>
-              <a:rPr lang="en-US" sz="1050" dirty="0">
-                <a:hlinkClick r:id="rId8"/>
-              </a:rPr>
-              <a:t>Link 3</a:t>
-            </a:r>
-            <a:endParaRPr lang="en-US" sz="1050" dirty="0"/>
-          </a:p>
-        </p:txBody>
-      </p:sp>
-    </p:spTree>
-    <p:extLst>
-      <p:ext uri="{BB962C8B-B14F-4D97-AF65-F5344CB8AC3E}">
-        <p14:creationId xmlns:p14="http://schemas.microsoft.com/office/powerpoint/2010/main" val="1136135422"/>
-      </p:ext>
-    </p:extLst>
-  </p:cSld>
-  <p:clrMapOvr>
-    <a:masterClrMapping/>
-  </p:clrMapOvr>
-</p:sld>
-</file>
-
-<file path=ppt/slides/slide2.xml><?xml version="1.0" encoding="utf-8"?>
 <p:sld xmlns:a="http://schemas.openxmlformats.org/drawingml/2006/main" xmlns:r="http://schemas.openxmlformats.org/officeDocument/2006/relationships" xmlns:p="http://schemas.openxmlformats.org/presentationml/2006/main">
   <p:cSld>
     <p:spTree>
@@ -6702,6 +5320,1393 @@
 </p:sld>
 </file>
 
+<file path=ppt/slides/slide2.xml><?xml version="1.0" encoding="utf-8"?>
+<p:sld xmlns:a="http://schemas.openxmlformats.org/drawingml/2006/main" xmlns:r="http://schemas.openxmlformats.org/officeDocument/2006/relationships" xmlns:p="http://schemas.openxmlformats.org/presentationml/2006/main">
+  <p:cSld>
+    <p:spTree>
+      <p:nvGrpSpPr>
+        <p:cNvPr id="1" name=""/>
+        <p:cNvGrpSpPr/>
+        <p:nvPr/>
+      </p:nvGrpSpPr>
+      <p:grpSpPr>
+        <a:xfrm>
+          <a:off x="0" y="0"/>
+          <a:ext cx="0" cy="0"/>
+          <a:chOff x="0" y="0"/>
+          <a:chExt cx="0" cy="0"/>
+        </a:xfrm>
+      </p:grpSpPr>
+      <p:sp>
+        <p:nvSpPr>
+          <p:cNvPr id="37" name="Rounded Rectangle 36">
+            <a:extLst>
+              <a:ext uri="{FF2B5EF4-FFF2-40B4-BE49-F238E27FC236}">
+                <a16:creationId xmlns:a16="http://schemas.microsoft.com/office/drawing/2014/main" id="{4AA28D03-C3E4-AC18-054F-3FA19715D7DE}"/>
+              </a:ext>
+            </a:extLst>
+          </p:cNvPr>
+          <p:cNvSpPr/>
+          <p:nvPr/>
+        </p:nvSpPr>
+        <p:spPr>
+          <a:xfrm>
+            <a:off x="9582304" y="3105360"/>
+            <a:ext cx="2466017" cy="3084339"/>
+          </a:xfrm>
+          <a:prstGeom prst="roundRect">
+            <a:avLst/>
+          </a:prstGeom>
+          <a:solidFill>
+            <a:schemeClr val="bg1">
+              <a:lumMod val="85000"/>
+            </a:schemeClr>
+          </a:solidFill>
+          <a:ln w="6350">
+            <a:solidFill>
+              <a:schemeClr val="bg1">
+                <a:lumMod val="65000"/>
+              </a:schemeClr>
+            </a:solidFill>
+            <a:prstDash val="sysDot"/>
+          </a:ln>
+          <a:effectLst/>
+        </p:spPr>
+        <p:style>
+          <a:lnRef idx="2">
+            <a:schemeClr val="accent1">
+              <a:shade val="50000"/>
+            </a:schemeClr>
+          </a:lnRef>
+          <a:fillRef idx="1">
+            <a:schemeClr val="accent1"/>
+          </a:fillRef>
+          <a:effectRef idx="0">
+            <a:schemeClr val="accent1"/>
+          </a:effectRef>
+          <a:fontRef idx="minor">
+            <a:schemeClr val="lt1"/>
+          </a:fontRef>
+        </p:style>
+        <p:txBody>
+          <a:bodyPr rtlCol="0" anchor="ctr"/>
+          <a:lstStyle/>
+          <a:p>
+            <a:pPr algn="ctr"/>
+            <a:endParaRPr lang="en-US" dirty="0"/>
+          </a:p>
+        </p:txBody>
+      </p:sp>
+      <p:sp>
+        <p:nvSpPr>
+          <p:cNvPr id="8" name="Rounded Rectangle 7">
+            <a:extLst>
+              <a:ext uri="{FF2B5EF4-FFF2-40B4-BE49-F238E27FC236}">
+                <a16:creationId xmlns:a16="http://schemas.microsoft.com/office/drawing/2014/main" id="{7A115A6E-E944-7DBE-8829-BAFFD94FB077}"/>
+              </a:ext>
+            </a:extLst>
+          </p:cNvPr>
+          <p:cNvSpPr/>
+          <p:nvPr/>
+        </p:nvSpPr>
+        <p:spPr>
+          <a:xfrm>
+            <a:off x="1159869" y="3922819"/>
+            <a:ext cx="4244163" cy="2468906"/>
+          </a:xfrm>
+          <a:prstGeom prst="roundRect">
+            <a:avLst/>
+          </a:prstGeom>
+          <a:solidFill>
+            <a:schemeClr val="bg1">
+              <a:lumMod val="85000"/>
+            </a:schemeClr>
+          </a:solidFill>
+          <a:ln w="6350">
+            <a:solidFill>
+              <a:schemeClr val="bg1">
+                <a:lumMod val="65000"/>
+              </a:schemeClr>
+            </a:solidFill>
+            <a:prstDash val="sysDot"/>
+          </a:ln>
+          <a:effectLst/>
+        </p:spPr>
+        <p:style>
+          <a:lnRef idx="2">
+            <a:schemeClr val="accent1">
+              <a:shade val="50000"/>
+            </a:schemeClr>
+          </a:lnRef>
+          <a:fillRef idx="1">
+            <a:schemeClr val="accent1"/>
+          </a:fillRef>
+          <a:effectRef idx="0">
+            <a:schemeClr val="accent1"/>
+          </a:effectRef>
+          <a:fontRef idx="minor">
+            <a:schemeClr val="lt1"/>
+          </a:fontRef>
+        </p:style>
+        <p:txBody>
+          <a:bodyPr rtlCol="0" anchor="ctr"/>
+          <a:lstStyle/>
+          <a:p>
+            <a:pPr algn="ctr"/>
+            <a:endParaRPr lang="en-US" dirty="0"/>
+          </a:p>
+        </p:txBody>
+      </p:sp>
+      <p:sp>
+        <p:nvSpPr>
+          <p:cNvPr id="2" name="Title 1">
+            <a:extLst>
+              <a:ext uri="{FF2B5EF4-FFF2-40B4-BE49-F238E27FC236}">
+                <a16:creationId xmlns:a16="http://schemas.microsoft.com/office/drawing/2014/main" id="{33EF741B-6AFA-A389-12C1-29E4700D1379}"/>
+              </a:ext>
+            </a:extLst>
+          </p:cNvPr>
+          <p:cNvSpPr>
+            <a:spLocks noGrp="1"/>
+          </p:cNvSpPr>
+          <p:nvPr>
+            <p:ph type="title"/>
+          </p:nvPr>
+        </p:nvSpPr>
+        <p:spPr>
+          <a:xfrm>
+            <a:off x="113709" y="47610"/>
+            <a:ext cx="1553209" cy="1874021"/>
+          </a:xfrm>
+        </p:spPr>
+        <p:txBody>
+          <a:bodyPr>
+            <a:normAutofit fontScale="90000"/>
+          </a:bodyPr>
+          <a:lstStyle/>
+          <a:p>
+            <a:r>
+              <a:rPr lang="en-US" dirty="0"/>
+              <a:t>MVCC in ETCD</a:t>
+            </a:r>
+          </a:p>
+        </p:txBody>
+      </p:sp>
+      <p:sp>
+        <p:nvSpPr>
+          <p:cNvPr id="3" name="Content Placeholder 2">
+            <a:extLst>
+              <a:ext uri="{FF2B5EF4-FFF2-40B4-BE49-F238E27FC236}">
+                <a16:creationId xmlns:a16="http://schemas.microsoft.com/office/drawing/2014/main" id="{6B04C851-DF8A-3986-609E-C6FD89187B35}"/>
+              </a:ext>
+            </a:extLst>
+          </p:cNvPr>
+          <p:cNvSpPr>
+            <a:spLocks noGrp="1"/>
+          </p:cNvSpPr>
+          <p:nvPr>
+            <p:ph idx="1"/>
+          </p:nvPr>
+        </p:nvSpPr>
+        <p:spPr>
+          <a:xfrm>
+            <a:off x="2209716" y="196291"/>
+            <a:ext cx="8396858" cy="2106908"/>
+          </a:xfrm>
+        </p:spPr>
+        <p:txBody>
+          <a:bodyPr>
+            <a:normAutofit lnSpcReduction="10000"/>
+          </a:bodyPr>
+          <a:lstStyle/>
+          <a:p>
+            <a:r>
+              <a:rPr lang="en-US" sz="1800" dirty="0"/>
+              <a:t>Each revision tick </a:t>
+            </a:r>
+            <a:r>
+              <a:rPr lang="en-US" sz="1800" dirty="0">
+                <a:sym typeface="Wingdings" pitchFamily="2" charset="2"/>
+              </a:rPr>
+              <a:t> set of {k, v} ops </a:t>
+            </a:r>
+          </a:p>
+          <a:p>
+            <a:r>
+              <a:rPr lang="en-US" sz="1800" dirty="0"/>
+              <a:t>BoltDB (B+ Tree) stores all versions of a key (MVCC)</a:t>
+            </a:r>
+          </a:p>
+          <a:p>
+            <a:r>
+              <a:rPr lang="en-US" sz="1800" dirty="0"/>
+              <a:t>BoltDB stores {k, v} using revision as the DB storage key. </a:t>
+            </a:r>
+          </a:p>
+          <a:p>
+            <a:r>
+              <a:rPr lang="en-US" sz="1800" dirty="0"/>
+              <a:t>Meaning BoltDB </a:t>
+            </a:r>
+            <a:r>
+              <a:rPr lang="en-US" sz="1800" b="1" dirty="0">
+                <a:solidFill>
+                  <a:srgbClr val="7030A0"/>
+                </a:solidFill>
+              </a:rPr>
+              <a:t>storage key </a:t>
+            </a:r>
+            <a:r>
+              <a:rPr lang="en-US" sz="1800" dirty="0"/>
+              <a:t>(revision) maps to a set of atomic k-v changes</a:t>
+            </a:r>
+          </a:p>
+          <a:p>
+            <a:r>
+              <a:rPr lang="en-US" sz="1800" i="1" dirty="0"/>
+              <a:t>TreeIndex</a:t>
+            </a:r>
+            <a:r>
+              <a:rPr lang="zh-CN" altLang="en-US" sz="1800" i="1" dirty="0"/>
+              <a:t> </a:t>
+            </a:r>
+            <a:r>
+              <a:rPr lang="en-US" altLang="zh-CN" sz="1800" i="1" dirty="0"/>
+              <a:t>(B Tree)</a:t>
+            </a:r>
+            <a:r>
+              <a:rPr lang="en-US" sz="1800" dirty="0"/>
+              <a:t> maps data key to </a:t>
+            </a:r>
+            <a:r>
+              <a:rPr lang="en-US" sz="1800" b="1" dirty="0">
+                <a:solidFill>
+                  <a:srgbClr val="7030A0"/>
+                </a:solidFill>
+              </a:rPr>
+              <a:t>storage key </a:t>
+            </a:r>
+            <a:r>
+              <a:rPr lang="en-US" sz="1800" dirty="0"/>
+              <a:t>(revision) </a:t>
+            </a:r>
+          </a:p>
+          <a:p>
+            <a:r>
+              <a:rPr lang="en-US" sz="1800" i="1" dirty="0"/>
+              <a:t>TreeIndex</a:t>
+            </a:r>
+            <a:r>
+              <a:rPr lang="en-US" sz="1800" dirty="0"/>
+              <a:t> uses </a:t>
+            </a:r>
+            <a:r>
+              <a:rPr lang="en-US" sz="1800" b="1" dirty="0">
+                <a:solidFill>
+                  <a:srgbClr val="FF0000"/>
+                </a:solidFill>
+              </a:rPr>
+              <a:t>data key as the tree key </a:t>
+            </a:r>
+            <a:r>
+              <a:rPr lang="en-US" sz="1800" dirty="0"/>
+              <a:t>(for better range search)</a:t>
+            </a:r>
+          </a:p>
+        </p:txBody>
+      </p:sp>
+      <p:pic>
+        <p:nvPicPr>
+          <p:cNvPr id="1026" name="Picture 2">
+            <a:extLst>
+              <a:ext uri="{FF2B5EF4-FFF2-40B4-BE49-F238E27FC236}">
+                <a16:creationId xmlns:a16="http://schemas.microsoft.com/office/drawing/2014/main" id="{696CF562-39F3-1605-A0DB-CCC7D64FC5E1}"/>
+              </a:ext>
+            </a:extLst>
+          </p:cNvPr>
+          <p:cNvPicPr>
+            <a:picLocks noChangeAspect="1" noChangeArrowheads="1"/>
+          </p:cNvPicPr>
+          <p:nvPr/>
+        </p:nvPicPr>
+        <p:blipFill>
+          <a:blip r:embed="rId2">
+            <a:extLst>
+              <a:ext uri="{28A0092B-C50C-407E-A947-70E740481C1C}">
+                <a14:useLocalDpi xmlns:a14="http://schemas.microsoft.com/office/drawing/2010/main" val="0"/>
+              </a:ext>
+            </a:extLst>
+          </a:blip>
+          <a:srcRect/>
+          <a:stretch>
+            <a:fillRect/>
+          </a:stretch>
+        </p:blipFill>
+        <p:spPr bwMode="auto">
+          <a:xfrm>
+            <a:off x="9745278" y="316306"/>
+            <a:ext cx="2303043" cy="1463712"/>
+          </a:xfrm>
+          <a:prstGeom prst="rect">
+            <a:avLst/>
+          </a:prstGeom>
+          <a:ln>
+            <a:noFill/>
+          </a:ln>
+          <a:effectLst>
+            <a:outerShdw blurRad="292100" dist="139700" dir="2700000" algn="tl" rotWithShape="0">
+              <a:srgbClr val="333333">
+                <a:alpha val="65000"/>
+              </a:srgbClr>
+            </a:outerShdw>
+          </a:effectLst>
+          <a:extLst>
+            <a:ext uri="{909E8E84-426E-40DD-AFC4-6F175D3DCCD1}">
+              <a14:hiddenFill xmlns:a14="http://schemas.microsoft.com/office/drawing/2010/main">
+                <a:solidFill>
+                  <a:srgbClr val="FFFFFF"/>
+                </a:solidFill>
+              </a14:hiddenFill>
+            </a:ext>
+          </a:extLst>
+        </p:spPr>
+      </p:pic>
+      <p:pic>
+        <p:nvPicPr>
+          <p:cNvPr id="1028" name="Picture 4" descr="etcd-keyindex">
+            <a:extLst>
+              <a:ext uri="{FF2B5EF4-FFF2-40B4-BE49-F238E27FC236}">
+                <a16:creationId xmlns:a16="http://schemas.microsoft.com/office/drawing/2014/main" id="{A2358E7E-D615-FE72-2F78-CEE23192B8A9}"/>
+              </a:ext>
+            </a:extLst>
+          </p:cNvPr>
+          <p:cNvPicPr>
+            <a:picLocks noChangeAspect="1" noChangeArrowheads="1"/>
+          </p:cNvPicPr>
+          <p:nvPr/>
+        </p:nvPicPr>
+        <p:blipFill rotWithShape="1">
+          <a:blip r:embed="rId3">
+            <a:extLst>
+              <a:ext uri="{28A0092B-C50C-407E-A947-70E740481C1C}">
+                <a14:useLocalDpi xmlns:a14="http://schemas.microsoft.com/office/drawing/2010/main" val="0"/>
+              </a:ext>
+            </a:extLst>
+          </a:blip>
+          <a:srcRect l="21441" t="4900" r="21207" b="5199"/>
+          <a:stretch/>
+        </p:blipFill>
+        <p:spPr bwMode="auto">
+          <a:xfrm>
+            <a:off x="5664833" y="4400938"/>
+            <a:ext cx="1922515" cy="1330971"/>
+          </a:xfrm>
+          <a:prstGeom prst="rect">
+            <a:avLst/>
+          </a:prstGeom>
+          <a:ln>
+            <a:noFill/>
+          </a:ln>
+          <a:effectLst>
+            <a:outerShdw blurRad="292100" dist="139700" dir="2700000" algn="tl" rotWithShape="0">
+              <a:srgbClr val="333333">
+                <a:alpha val="65000"/>
+              </a:srgbClr>
+            </a:outerShdw>
+          </a:effectLst>
+          <a:extLst>
+            <a:ext uri="{909E8E84-426E-40DD-AFC4-6F175D3DCCD1}">
+              <a14:hiddenFill xmlns:a14="http://schemas.microsoft.com/office/drawing/2010/main">
+                <a:solidFill>
+                  <a:srgbClr val="FFFFFF"/>
+                </a:solidFill>
+              </a14:hiddenFill>
+            </a:ext>
+          </a:extLst>
+        </p:spPr>
+      </p:pic>
+      <p:pic>
+        <p:nvPicPr>
+          <p:cNvPr id="6" name="Picture 5">
+            <a:extLst>
+              <a:ext uri="{FF2B5EF4-FFF2-40B4-BE49-F238E27FC236}">
+                <a16:creationId xmlns:a16="http://schemas.microsoft.com/office/drawing/2014/main" id="{4F8D66EA-15F6-DA86-8675-C4BF7151F02C}"/>
+              </a:ext>
+            </a:extLst>
+          </p:cNvPr>
+          <p:cNvPicPr>
+            <a:picLocks noChangeAspect="1"/>
+          </p:cNvPicPr>
+          <p:nvPr/>
+        </p:nvPicPr>
+        <p:blipFill>
+          <a:blip r:embed="rId4"/>
+          <a:stretch>
+            <a:fillRect/>
+          </a:stretch>
+        </p:blipFill>
+        <p:spPr>
+          <a:xfrm>
+            <a:off x="1655271" y="3967526"/>
+            <a:ext cx="3218304" cy="1236826"/>
+          </a:xfrm>
+          <a:prstGeom prst="rect">
+            <a:avLst/>
+          </a:prstGeom>
+        </p:spPr>
+      </p:pic>
+      <p:sp>
+        <p:nvSpPr>
+          <p:cNvPr id="4" name="TextBox 3">
+            <a:extLst>
+              <a:ext uri="{FF2B5EF4-FFF2-40B4-BE49-F238E27FC236}">
+                <a16:creationId xmlns:a16="http://schemas.microsoft.com/office/drawing/2014/main" id="{E07F9D21-A1F6-5DFA-C244-52F6BBC3D705}"/>
+              </a:ext>
+            </a:extLst>
+          </p:cNvPr>
+          <p:cNvSpPr txBox="1"/>
+          <p:nvPr/>
+        </p:nvSpPr>
+        <p:spPr>
+          <a:xfrm>
+            <a:off x="2058072" y="5258881"/>
+            <a:ext cx="2641878" cy="369332"/>
+          </a:xfrm>
+          <a:prstGeom prst="rect">
+            <a:avLst/>
+          </a:prstGeom>
+          <a:noFill/>
+        </p:spPr>
+        <p:txBody>
+          <a:bodyPr wrap="none" rtlCol="0">
+            <a:spAutoFit/>
+          </a:bodyPr>
+          <a:lstStyle/>
+          <a:p>
+            <a:pPr algn="ctr"/>
+            <a:r>
+              <a:rPr lang="en-US" dirty="0"/>
+              <a:t>key </a:t>
+            </a:r>
+            <a:r>
+              <a:rPr lang="en-US" dirty="0">
+                <a:sym typeface="Wingdings" pitchFamily="2" charset="2"/>
+              </a:rPr>
+              <a:t> KeyIndex (versions)</a:t>
+            </a:r>
+            <a:endParaRPr lang="en-US" dirty="0"/>
+          </a:p>
+        </p:txBody>
+      </p:sp>
+      <p:sp>
+        <p:nvSpPr>
+          <p:cNvPr id="12" name="TextBox 11">
+            <a:extLst>
+              <a:ext uri="{FF2B5EF4-FFF2-40B4-BE49-F238E27FC236}">
+                <a16:creationId xmlns:a16="http://schemas.microsoft.com/office/drawing/2014/main" id="{4A43525A-92F1-6732-4857-F0AB8F8F4628}"/>
+              </a:ext>
+            </a:extLst>
+          </p:cNvPr>
+          <p:cNvSpPr txBox="1"/>
+          <p:nvPr/>
+        </p:nvSpPr>
+        <p:spPr>
+          <a:xfrm>
+            <a:off x="80891" y="4936369"/>
+            <a:ext cx="870298" cy="307777"/>
+          </a:xfrm>
+          <a:prstGeom prst="rect">
+            <a:avLst/>
+          </a:prstGeom>
+          <a:noFill/>
+        </p:spPr>
+        <p:txBody>
+          <a:bodyPr wrap="square">
+            <a:spAutoFit/>
+          </a:bodyPr>
+          <a:lstStyle/>
+          <a:p>
+            <a:r>
+              <a:rPr lang="en-US" sz="1400" b="1" dirty="0">
+                <a:solidFill>
+                  <a:srgbClr val="7030A0"/>
+                </a:solidFill>
+              </a:rPr>
+              <a:t>Data Key </a:t>
+            </a:r>
+          </a:p>
+        </p:txBody>
+      </p:sp>
+      <p:sp>
+        <p:nvSpPr>
+          <p:cNvPr id="14" name="TextBox 13">
+            <a:extLst>
+              <a:ext uri="{FF2B5EF4-FFF2-40B4-BE49-F238E27FC236}">
+                <a16:creationId xmlns:a16="http://schemas.microsoft.com/office/drawing/2014/main" id="{FADF05D2-0B77-940D-D51E-97084B6EDA44}"/>
+              </a:ext>
+            </a:extLst>
+          </p:cNvPr>
+          <p:cNvSpPr txBox="1"/>
+          <p:nvPr/>
+        </p:nvSpPr>
+        <p:spPr>
+          <a:xfrm>
+            <a:off x="2352729" y="6004343"/>
+            <a:ext cx="1678406" cy="369332"/>
+          </a:xfrm>
+          <a:prstGeom prst="rect">
+            <a:avLst/>
+          </a:prstGeom>
+          <a:noFill/>
+        </p:spPr>
+        <p:txBody>
+          <a:bodyPr wrap="square">
+            <a:spAutoFit/>
+          </a:bodyPr>
+          <a:lstStyle/>
+          <a:p>
+            <a:pPr algn="ctr"/>
+            <a:r>
+              <a:rPr lang="en-US" dirty="0"/>
+              <a:t>B Tree Index </a:t>
+            </a:r>
+          </a:p>
+        </p:txBody>
+      </p:sp>
+      <p:sp>
+        <p:nvSpPr>
+          <p:cNvPr id="13" name="TextBox 12">
+            <a:extLst>
+              <a:ext uri="{FF2B5EF4-FFF2-40B4-BE49-F238E27FC236}">
+                <a16:creationId xmlns:a16="http://schemas.microsoft.com/office/drawing/2014/main" id="{28D43F81-D126-44D0-BDA3-DFC9CF7BA2CE}"/>
+              </a:ext>
+            </a:extLst>
+          </p:cNvPr>
+          <p:cNvSpPr txBox="1"/>
+          <p:nvPr/>
+        </p:nvSpPr>
+        <p:spPr>
+          <a:xfrm>
+            <a:off x="-11488" y="6445733"/>
+            <a:ext cx="482183" cy="369332"/>
+          </a:xfrm>
+          <a:prstGeom prst="rect">
+            <a:avLst/>
+          </a:prstGeom>
+          <a:noFill/>
+        </p:spPr>
+        <p:txBody>
+          <a:bodyPr wrap="none" rtlCol="0">
+            <a:spAutoFit/>
+          </a:bodyPr>
+          <a:lstStyle/>
+          <a:p>
+            <a:r>
+              <a:rPr lang="en-US" dirty="0"/>
+              <a:t>ver</a:t>
+            </a:r>
+          </a:p>
+        </p:txBody>
+      </p:sp>
+      <p:cxnSp>
+        <p:nvCxnSpPr>
+          <p:cNvPr id="17" name="Elbow Connector 16">
+            <a:extLst>
+              <a:ext uri="{FF2B5EF4-FFF2-40B4-BE49-F238E27FC236}">
+                <a16:creationId xmlns:a16="http://schemas.microsoft.com/office/drawing/2014/main" id="{1610BDEC-64BD-3F85-47D7-0E52BA9A5F69}"/>
+              </a:ext>
+            </a:extLst>
+          </p:cNvPr>
+          <p:cNvCxnSpPr>
+            <a:cxnSpLocks/>
+            <a:stCxn id="13" idx="3"/>
+            <a:endCxn id="1028" idx="2"/>
+          </p:cNvCxnSpPr>
+          <p:nvPr/>
+        </p:nvCxnSpPr>
+        <p:spPr>
+          <a:xfrm flipV="1">
+            <a:off x="470695" y="5731909"/>
+            <a:ext cx="6155396" cy="898490"/>
+          </a:xfrm>
+          <a:prstGeom prst="bentConnector2">
+            <a:avLst/>
+          </a:prstGeom>
+          <a:ln w="19050">
+            <a:solidFill>
+              <a:schemeClr val="bg2">
+                <a:lumMod val="50000"/>
+              </a:schemeClr>
+            </a:solidFill>
+            <a:tailEnd type="arrow" w="lg" len="lg"/>
+          </a:ln>
+        </p:spPr>
+        <p:style>
+          <a:lnRef idx="1">
+            <a:schemeClr val="accent1"/>
+          </a:lnRef>
+          <a:fillRef idx="0">
+            <a:schemeClr val="accent1"/>
+          </a:fillRef>
+          <a:effectRef idx="0">
+            <a:schemeClr val="accent1"/>
+          </a:effectRef>
+          <a:fontRef idx="minor">
+            <a:schemeClr val="tx1"/>
+          </a:fontRef>
+        </p:style>
+      </p:cxnSp>
+      <p:cxnSp>
+        <p:nvCxnSpPr>
+          <p:cNvPr id="23" name="Elbow Connector 22">
+            <a:extLst>
+              <a:ext uri="{FF2B5EF4-FFF2-40B4-BE49-F238E27FC236}">
+                <a16:creationId xmlns:a16="http://schemas.microsoft.com/office/drawing/2014/main" id="{1DFE40D4-C6F8-84E2-A770-B2077FC5E37A}"/>
+              </a:ext>
+            </a:extLst>
+          </p:cNvPr>
+          <p:cNvCxnSpPr>
+            <a:cxnSpLocks/>
+            <a:stCxn id="12" idx="3"/>
+            <a:endCxn id="6" idx="1"/>
+          </p:cNvCxnSpPr>
+          <p:nvPr/>
+        </p:nvCxnSpPr>
+        <p:spPr>
+          <a:xfrm flipV="1">
+            <a:off x="951189" y="4585939"/>
+            <a:ext cx="704082" cy="504319"/>
+          </a:xfrm>
+          <a:prstGeom prst="bentConnector3">
+            <a:avLst>
+              <a:gd name="adj1" fmla="val 50000"/>
+            </a:avLst>
+          </a:prstGeom>
+          <a:ln w="19050">
+            <a:solidFill>
+              <a:schemeClr val="bg2">
+                <a:lumMod val="50000"/>
+              </a:schemeClr>
+            </a:solidFill>
+            <a:tailEnd type="arrow" w="lg" len="lg"/>
+          </a:ln>
+        </p:spPr>
+        <p:style>
+          <a:lnRef idx="1">
+            <a:schemeClr val="accent1"/>
+          </a:lnRef>
+          <a:fillRef idx="0">
+            <a:schemeClr val="accent1"/>
+          </a:fillRef>
+          <a:effectRef idx="0">
+            <a:schemeClr val="accent1"/>
+          </a:effectRef>
+          <a:fontRef idx="minor">
+            <a:schemeClr val="tx1"/>
+          </a:fontRef>
+        </p:style>
+      </p:cxnSp>
+      <p:cxnSp>
+        <p:nvCxnSpPr>
+          <p:cNvPr id="28" name="Elbow Connector 27">
+            <a:extLst>
+              <a:ext uri="{FF2B5EF4-FFF2-40B4-BE49-F238E27FC236}">
+                <a16:creationId xmlns:a16="http://schemas.microsoft.com/office/drawing/2014/main" id="{EBEAD486-0ED5-95E5-B110-D2131DDFBA68}"/>
+              </a:ext>
+            </a:extLst>
+          </p:cNvPr>
+          <p:cNvCxnSpPr>
+            <a:cxnSpLocks/>
+            <a:stCxn id="6" idx="3"/>
+            <a:endCxn id="1028" idx="1"/>
+          </p:cNvCxnSpPr>
+          <p:nvPr/>
+        </p:nvCxnSpPr>
+        <p:spPr>
+          <a:xfrm>
+            <a:off x="4873575" y="4585939"/>
+            <a:ext cx="791258" cy="480485"/>
+          </a:xfrm>
+          <a:prstGeom prst="bentConnector3">
+            <a:avLst>
+              <a:gd name="adj1" fmla="val 50000"/>
+            </a:avLst>
+          </a:prstGeom>
+          <a:ln w="19050">
+            <a:solidFill>
+              <a:schemeClr val="bg2">
+                <a:lumMod val="50000"/>
+              </a:schemeClr>
+            </a:solidFill>
+            <a:tailEnd type="arrow" w="lg" len="lg"/>
+          </a:ln>
+        </p:spPr>
+        <p:style>
+          <a:lnRef idx="1">
+            <a:schemeClr val="accent1"/>
+          </a:lnRef>
+          <a:fillRef idx="0">
+            <a:schemeClr val="accent1"/>
+          </a:fillRef>
+          <a:effectRef idx="0">
+            <a:schemeClr val="accent1"/>
+          </a:effectRef>
+          <a:fontRef idx="minor">
+            <a:schemeClr val="tx1"/>
+          </a:fontRef>
+        </p:style>
+      </p:cxnSp>
+      <p:cxnSp>
+        <p:nvCxnSpPr>
+          <p:cNvPr id="32" name="Elbow Connector 31">
+            <a:extLst>
+              <a:ext uri="{FF2B5EF4-FFF2-40B4-BE49-F238E27FC236}">
+                <a16:creationId xmlns:a16="http://schemas.microsoft.com/office/drawing/2014/main" id="{66BBDFD3-5A3B-6DBC-5D16-92315C6725E5}"/>
+              </a:ext>
+            </a:extLst>
+          </p:cNvPr>
+          <p:cNvCxnSpPr>
+            <a:cxnSpLocks/>
+            <a:stCxn id="1028" idx="3"/>
+            <a:endCxn id="34" idx="2"/>
+          </p:cNvCxnSpPr>
+          <p:nvPr/>
+        </p:nvCxnSpPr>
+        <p:spPr>
+          <a:xfrm>
+            <a:off x="7587348" y="5066424"/>
+            <a:ext cx="3227964" cy="1467646"/>
+          </a:xfrm>
+          <a:prstGeom prst="bentConnector4">
+            <a:avLst>
+              <a:gd name="adj1" fmla="val 40276"/>
+              <a:gd name="adj2" fmla="val 115576"/>
+            </a:avLst>
+          </a:prstGeom>
+          <a:ln w="19050">
+            <a:solidFill>
+              <a:schemeClr val="bg2">
+                <a:lumMod val="50000"/>
+              </a:schemeClr>
+            </a:solidFill>
+            <a:tailEnd type="arrow" w="lg" len="lg"/>
+          </a:ln>
+        </p:spPr>
+        <p:style>
+          <a:lnRef idx="1">
+            <a:schemeClr val="accent1"/>
+          </a:lnRef>
+          <a:fillRef idx="0">
+            <a:schemeClr val="accent1"/>
+          </a:fillRef>
+          <a:effectRef idx="0">
+            <a:schemeClr val="accent1"/>
+          </a:effectRef>
+          <a:fontRef idx="minor">
+            <a:schemeClr val="tx1"/>
+          </a:fontRef>
+        </p:style>
+      </p:cxnSp>
+      <p:sp>
+        <p:nvSpPr>
+          <p:cNvPr id="33" name="TextBox 32">
+            <a:extLst>
+              <a:ext uri="{FF2B5EF4-FFF2-40B4-BE49-F238E27FC236}">
+                <a16:creationId xmlns:a16="http://schemas.microsoft.com/office/drawing/2014/main" id="{E0565B8B-D0A0-45CF-EE09-9BA085A91742}"/>
+              </a:ext>
+            </a:extLst>
+          </p:cNvPr>
+          <p:cNvSpPr txBox="1"/>
+          <p:nvPr/>
+        </p:nvSpPr>
+        <p:spPr>
+          <a:xfrm>
+            <a:off x="7938969" y="4598702"/>
+            <a:ext cx="1643335" cy="461665"/>
+          </a:xfrm>
+          <a:prstGeom prst="rect">
+            <a:avLst/>
+          </a:prstGeom>
+          <a:noFill/>
+        </p:spPr>
+        <p:txBody>
+          <a:bodyPr wrap="none" rtlCol="0">
+            <a:spAutoFit/>
+          </a:bodyPr>
+          <a:lstStyle/>
+          <a:p>
+            <a:r>
+              <a:rPr lang="en-US" sz="1200" b="1" i="1" dirty="0">
+                <a:solidFill>
+                  <a:srgbClr val="FF0000"/>
+                </a:solidFill>
+              </a:rPr>
+              <a:t>Storage Key</a:t>
+            </a:r>
+          </a:p>
+          <a:p>
+            <a:r>
+              <a:rPr lang="en-US" sz="1200" i="1" dirty="0"/>
+              <a:t>{created, modified, ver}</a:t>
+            </a:r>
+          </a:p>
+        </p:txBody>
+      </p:sp>
+      <p:pic>
+        <p:nvPicPr>
+          <p:cNvPr id="34" name="Picture 2" descr="etcd-backends">
+            <a:extLst>
+              <a:ext uri="{FF2B5EF4-FFF2-40B4-BE49-F238E27FC236}">
+                <a16:creationId xmlns:a16="http://schemas.microsoft.com/office/drawing/2014/main" id="{544364C6-5528-8DD2-CB85-3B7974FBDAFE}"/>
+              </a:ext>
+            </a:extLst>
+          </p:cNvPr>
+          <p:cNvPicPr>
+            <a:picLocks noChangeAspect="1" noChangeArrowheads="1"/>
+          </p:cNvPicPr>
+          <p:nvPr/>
+        </p:nvPicPr>
+        <p:blipFill rotWithShape="1">
+          <a:blip r:embed="rId5">
+            <a:extLst>
+              <a:ext uri="{28A0092B-C50C-407E-A947-70E740481C1C}">
+                <a14:useLocalDpi xmlns:a14="http://schemas.microsoft.com/office/drawing/2010/main" val="0"/>
+              </a:ext>
+            </a:extLst>
+          </a:blip>
+          <a:srcRect l="35058" t="8812" r="34260" b="8710"/>
+          <a:stretch/>
+        </p:blipFill>
+        <p:spPr bwMode="auto">
+          <a:xfrm>
+            <a:off x="10187531" y="5648109"/>
+            <a:ext cx="1255562" cy="885961"/>
+          </a:xfrm>
+          <a:prstGeom prst="rect">
+            <a:avLst/>
+          </a:prstGeom>
+          <a:noFill/>
+          <a:extLst>
+            <a:ext uri="{909E8E84-426E-40DD-AFC4-6F175D3DCCD1}">
+              <a14:hiddenFill xmlns:a14="http://schemas.microsoft.com/office/drawing/2010/main">
+                <a:solidFill>
+                  <a:srgbClr val="FFFFFF"/>
+                </a:solidFill>
+              </a14:hiddenFill>
+            </a:ext>
+          </a:extLst>
+        </p:spPr>
+      </p:pic>
+      <p:sp>
+        <p:nvSpPr>
+          <p:cNvPr id="40" name="Can 39">
+            <a:extLst>
+              <a:ext uri="{FF2B5EF4-FFF2-40B4-BE49-F238E27FC236}">
+                <a16:creationId xmlns:a16="http://schemas.microsoft.com/office/drawing/2014/main" id="{9EA34B4D-1CE2-E9EA-CA6C-4B2139596A57}"/>
+              </a:ext>
+            </a:extLst>
+          </p:cNvPr>
+          <p:cNvSpPr/>
+          <p:nvPr/>
+        </p:nvSpPr>
+        <p:spPr>
+          <a:xfrm>
+            <a:off x="10054715" y="3645902"/>
+            <a:ext cx="1329070" cy="1476021"/>
+          </a:xfrm>
+          <a:prstGeom prst="can">
+            <a:avLst/>
+          </a:prstGeom>
+          <a:solidFill>
+            <a:schemeClr val="bg1">
+              <a:lumMod val="50000"/>
+            </a:schemeClr>
+          </a:solidFill>
+          <a:ln>
+            <a:solidFill>
+              <a:schemeClr val="bg1">
+                <a:lumMod val="50000"/>
+              </a:schemeClr>
+            </a:solidFill>
+          </a:ln>
+        </p:spPr>
+        <p:style>
+          <a:lnRef idx="2">
+            <a:schemeClr val="accent1">
+              <a:shade val="50000"/>
+            </a:schemeClr>
+          </a:lnRef>
+          <a:fillRef idx="1">
+            <a:schemeClr val="accent1"/>
+          </a:fillRef>
+          <a:effectRef idx="0">
+            <a:schemeClr val="accent1"/>
+          </a:effectRef>
+          <a:fontRef idx="minor">
+            <a:schemeClr val="lt1"/>
+          </a:fontRef>
+        </p:style>
+        <p:txBody>
+          <a:bodyPr rtlCol="0" anchor="ctr"/>
+          <a:lstStyle/>
+          <a:p>
+            <a:pPr algn="ctr"/>
+            <a:r>
+              <a:rPr lang="en-US" dirty="0"/>
+              <a:t>rev </a:t>
+            </a:r>
+            <a:r>
+              <a:rPr lang="en-US" dirty="0">
+                <a:sym typeface="Wingdings" pitchFamily="2" charset="2"/>
+              </a:rPr>
+              <a:t> val</a:t>
+            </a:r>
+            <a:endParaRPr lang="en-US" dirty="0"/>
+          </a:p>
+        </p:txBody>
+      </p:sp>
+      <p:sp>
+        <p:nvSpPr>
+          <p:cNvPr id="41" name="TextBox 40">
+            <a:extLst>
+              <a:ext uri="{FF2B5EF4-FFF2-40B4-BE49-F238E27FC236}">
+                <a16:creationId xmlns:a16="http://schemas.microsoft.com/office/drawing/2014/main" id="{0B84D607-0268-4D06-E158-C9774638B73F}"/>
+              </a:ext>
+            </a:extLst>
+          </p:cNvPr>
+          <p:cNvSpPr txBox="1"/>
+          <p:nvPr/>
+        </p:nvSpPr>
+        <p:spPr>
+          <a:xfrm>
+            <a:off x="10304713" y="3234103"/>
+            <a:ext cx="829073" cy="369332"/>
+          </a:xfrm>
+          <a:prstGeom prst="rect">
+            <a:avLst/>
+          </a:prstGeom>
+          <a:noFill/>
+        </p:spPr>
+        <p:txBody>
+          <a:bodyPr wrap="none" rtlCol="0">
+            <a:spAutoFit/>
+          </a:bodyPr>
+          <a:lstStyle/>
+          <a:p>
+            <a:r>
+              <a:rPr lang="en-US" dirty="0"/>
+              <a:t>BoltDB</a:t>
+            </a:r>
+          </a:p>
+        </p:txBody>
+      </p:sp>
+      <p:sp>
+        <p:nvSpPr>
+          <p:cNvPr id="46" name="TextBox 45">
+            <a:extLst>
+              <a:ext uri="{FF2B5EF4-FFF2-40B4-BE49-F238E27FC236}">
+                <a16:creationId xmlns:a16="http://schemas.microsoft.com/office/drawing/2014/main" id="{35D03FF2-561C-D5BF-78F4-E8A6753925E2}"/>
+              </a:ext>
+            </a:extLst>
+          </p:cNvPr>
+          <p:cNvSpPr txBox="1"/>
+          <p:nvPr/>
+        </p:nvSpPr>
+        <p:spPr>
+          <a:xfrm>
+            <a:off x="2058072" y="5603750"/>
+            <a:ext cx="576696" cy="276999"/>
+          </a:xfrm>
+          <a:prstGeom prst="rect">
+            <a:avLst/>
+          </a:prstGeom>
+          <a:noFill/>
+        </p:spPr>
+        <p:txBody>
+          <a:bodyPr wrap="none" rtlCol="0">
+            <a:spAutoFit/>
+          </a:bodyPr>
+          <a:lstStyle/>
+          <a:p>
+            <a:r>
+              <a:rPr lang="en-US" sz="1200" i="1" dirty="0"/>
+              <a:t>/a/b/c</a:t>
+            </a:r>
+          </a:p>
+        </p:txBody>
+      </p:sp>
+      <p:sp>
+        <p:nvSpPr>
+          <p:cNvPr id="47" name="TextBox 46">
+            <a:extLst>
+              <a:ext uri="{FF2B5EF4-FFF2-40B4-BE49-F238E27FC236}">
+                <a16:creationId xmlns:a16="http://schemas.microsoft.com/office/drawing/2014/main" id="{CB23899E-51EC-63ED-BA44-50060E711AFD}"/>
+              </a:ext>
+            </a:extLst>
+          </p:cNvPr>
+          <p:cNvSpPr txBox="1"/>
+          <p:nvPr/>
+        </p:nvSpPr>
+        <p:spPr>
+          <a:xfrm>
+            <a:off x="5831595" y="5777878"/>
+            <a:ext cx="829394" cy="461665"/>
+          </a:xfrm>
+          <a:prstGeom prst="rect">
+            <a:avLst/>
+          </a:prstGeom>
+          <a:noFill/>
+        </p:spPr>
+        <p:txBody>
+          <a:bodyPr wrap="none" rtlCol="0">
+            <a:spAutoFit/>
+          </a:bodyPr>
+          <a:lstStyle/>
+          <a:p>
+            <a:r>
+              <a:rPr lang="en-US" sz="1200" i="1" dirty="0"/>
+              <a:t>{/a/b/c, 3}</a:t>
+            </a:r>
+          </a:p>
+          <a:p>
+            <a:r>
+              <a:rPr lang="en-US" sz="1200" i="1" dirty="0"/>
+              <a:t>{/a/b/c, 5}</a:t>
+            </a:r>
+          </a:p>
+        </p:txBody>
+      </p:sp>
+      <p:sp>
+        <p:nvSpPr>
+          <p:cNvPr id="51" name="TextBox 50">
+            <a:extLst>
+              <a:ext uri="{FF2B5EF4-FFF2-40B4-BE49-F238E27FC236}">
+                <a16:creationId xmlns:a16="http://schemas.microsoft.com/office/drawing/2014/main" id="{2CDEAC7B-DD2A-E7A6-F253-B4EC499C7BCD}"/>
+              </a:ext>
+            </a:extLst>
+          </p:cNvPr>
+          <p:cNvSpPr txBox="1"/>
+          <p:nvPr/>
+        </p:nvSpPr>
+        <p:spPr>
+          <a:xfrm>
+            <a:off x="3333349" y="2896560"/>
+            <a:ext cx="870298" cy="307777"/>
+          </a:xfrm>
+          <a:prstGeom prst="rect">
+            <a:avLst/>
+          </a:prstGeom>
+          <a:noFill/>
+        </p:spPr>
+        <p:txBody>
+          <a:bodyPr wrap="square">
+            <a:spAutoFit/>
+          </a:bodyPr>
+          <a:lstStyle/>
+          <a:p>
+            <a:r>
+              <a:rPr lang="en-US" sz="1400" b="1" dirty="0">
+                <a:solidFill>
+                  <a:srgbClr val="7030A0"/>
+                </a:solidFill>
+              </a:rPr>
+              <a:t>Data Key </a:t>
+            </a:r>
+          </a:p>
+        </p:txBody>
+      </p:sp>
+      <p:sp>
+        <p:nvSpPr>
+          <p:cNvPr id="52" name="TextBox 51">
+            <a:extLst>
+              <a:ext uri="{FF2B5EF4-FFF2-40B4-BE49-F238E27FC236}">
+                <a16:creationId xmlns:a16="http://schemas.microsoft.com/office/drawing/2014/main" id="{09D26B0A-2CF3-D2D9-B37C-6A34264972F9}"/>
+              </a:ext>
+            </a:extLst>
+          </p:cNvPr>
+          <p:cNvSpPr txBox="1"/>
+          <p:nvPr/>
+        </p:nvSpPr>
+        <p:spPr>
+          <a:xfrm>
+            <a:off x="6736561" y="2861938"/>
+            <a:ext cx="946349" cy="276999"/>
+          </a:xfrm>
+          <a:prstGeom prst="rect">
+            <a:avLst/>
+          </a:prstGeom>
+          <a:noFill/>
+        </p:spPr>
+        <p:txBody>
+          <a:bodyPr wrap="none" rtlCol="0">
+            <a:spAutoFit/>
+          </a:bodyPr>
+          <a:lstStyle/>
+          <a:p>
+            <a:r>
+              <a:rPr lang="en-US" sz="1200" b="1" i="1" dirty="0">
+                <a:solidFill>
+                  <a:srgbClr val="FF0000"/>
+                </a:solidFill>
+              </a:rPr>
+              <a:t>Storage Key</a:t>
+            </a:r>
+          </a:p>
+        </p:txBody>
+      </p:sp>
+      <p:sp>
+        <p:nvSpPr>
+          <p:cNvPr id="53" name="TextBox 52">
+            <a:extLst>
+              <a:ext uri="{FF2B5EF4-FFF2-40B4-BE49-F238E27FC236}">
+                <a16:creationId xmlns:a16="http://schemas.microsoft.com/office/drawing/2014/main" id="{D0C445AF-6F8A-31CD-04C7-0C13A2AAA220}"/>
+              </a:ext>
+            </a:extLst>
+          </p:cNvPr>
+          <p:cNvSpPr txBox="1"/>
+          <p:nvPr/>
+        </p:nvSpPr>
+        <p:spPr>
+          <a:xfrm>
+            <a:off x="3367113" y="3193996"/>
+            <a:ext cx="576696" cy="276999"/>
+          </a:xfrm>
+          <a:prstGeom prst="rect">
+            <a:avLst/>
+          </a:prstGeom>
+          <a:noFill/>
+        </p:spPr>
+        <p:txBody>
+          <a:bodyPr wrap="none" rtlCol="0">
+            <a:spAutoFit/>
+          </a:bodyPr>
+          <a:lstStyle/>
+          <a:p>
+            <a:r>
+              <a:rPr lang="en-US" sz="1200" i="1" dirty="0"/>
+              <a:t>/a/b/c</a:t>
+            </a:r>
+          </a:p>
+        </p:txBody>
+      </p:sp>
+      <p:sp>
+        <p:nvSpPr>
+          <p:cNvPr id="55" name="TextBox 54">
+            <a:extLst>
+              <a:ext uri="{FF2B5EF4-FFF2-40B4-BE49-F238E27FC236}">
+                <a16:creationId xmlns:a16="http://schemas.microsoft.com/office/drawing/2014/main" id="{921544DF-B5CB-530E-028A-0A0343125D2E}"/>
+              </a:ext>
+            </a:extLst>
+          </p:cNvPr>
+          <p:cNvSpPr txBox="1"/>
+          <p:nvPr/>
+        </p:nvSpPr>
+        <p:spPr>
+          <a:xfrm>
+            <a:off x="6408145" y="3195660"/>
+            <a:ext cx="1746398" cy="276999"/>
+          </a:xfrm>
+          <a:prstGeom prst="rect">
+            <a:avLst/>
+          </a:prstGeom>
+          <a:noFill/>
+        </p:spPr>
+        <p:txBody>
+          <a:bodyPr wrap="square">
+            <a:spAutoFit/>
+          </a:bodyPr>
+          <a:lstStyle/>
+          <a:p>
+            <a:r>
+              <a:rPr lang="en-US" sz="1200" i="1" dirty="0"/>
+              <a:t>{created, modified, ver}</a:t>
+            </a:r>
+          </a:p>
+        </p:txBody>
+      </p:sp>
+      <p:sp>
+        <p:nvSpPr>
+          <p:cNvPr id="50" name="Right Arrow 49">
+            <a:extLst>
+              <a:ext uri="{FF2B5EF4-FFF2-40B4-BE49-F238E27FC236}">
+                <a16:creationId xmlns:a16="http://schemas.microsoft.com/office/drawing/2014/main" id="{130370FB-23A8-D3E8-FC23-0F28E6444DF9}"/>
+              </a:ext>
+            </a:extLst>
+          </p:cNvPr>
+          <p:cNvSpPr/>
+          <p:nvPr/>
+        </p:nvSpPr>
+        <p:spPr>
+          <a:xfrm>
+            <a:off x="4596905" y="3000437"/>
+            <a:ext cx="1723182" cy="415499"/>
+          </a:xfrm>
+          <a:prstGeom prst="rightArrow">
+            <a:avLst/>
+          </a:prstGeom>
+          <a:solidFill>
+            <a:schemeClr val="bg1">
+              <a:lumMod val="65000"/>
+            </a:schemeClr>
+          </a:solidFill>
+          <a:ln>
+            <a:solidFill>
+              <a:schemeClr val="bg1">
+                <a:lumMod val="85000"/>
+              </a:schemeClr>
+            </a:solidFill>
+          </a:ln>
+        </p:spPr>
+        <p:style>
+          <a:lnRef idx="2">
+            <a:schemeClr val="accent1">
+              <a:shade val="50000"/>
+            </a:schemeClr>
+          </a:lnRef>
+          <a:fillRef idx="1">
+            <a:schemeClr val="accent1"/>
+          </a:fillRef>
+          <a:effectRef idx="0">
+            <a:schemeClr val="accent1"/>
+          </a:effectRef>
+          <a:fontRef idx="minor">
+            <a:schemeClr val="lt1"/>
+          </a:fontRef>
+        </p:style>
+        <p:txBody>
+          <a:bodyPr rtlCol="0" anchor="ctr"/>
+          <a:lstStyle/>
+          <a:p>
+            <a:pPr algn="ctr"/>
+            <a:endParaRPr lang="en-US"/>
+          </a:p>
+        </p:txBody>
+      </p:sp>
+      <p:sp>
+        <p:nvSpPr>
+          <p:cNvPr id="57" name="Rounded Rectangle 56">
+            <a:extLst>
+              <a:ext uri="{FF2B5EF4-FFF2-40B4-BE49-F238E27FC236}">
+                <a16:creationId xmlns:a16="http://schemas.microsoft.com/office/drawing/2014/main" id="{C9DE2FD1-972C-543B-B41F-625B4FC1813E}"/>
+              </a:ext>
+            </a:extLst>
+          </p:cNvPr>
+          <p:cNvSpPr/>
+          <p:nvPr/>
+        </p:nvSpPr>
+        <p:spPr>
+          <a:xfrm>
+            <a:off x="3104708" y="2742981"/>
+            <a:ext cx="4912242" cy="919477"/>
+          </a:xfrm>
+          <a:prstGeom prst="roundRect">
+            <a:avLst/>
+          </a:prstGeom>
+          <a:noFill/>
+          <a:ln w="6350">
+            <a:solidFill>
+              <a:schemeClr val="bg1">
+                <a:lumMod val="50000"/>
+              </a:schemeClr>
+            </a:solidFill>
+            <a:prstDash val="sysDot"/>
+          </a:ln>
+          <a:effectLst/>
+        </p:spPr>
+        <p:style>
+          <a:lnRef idx="2">
+            <a:schemeClr val="accent1">
+              <a:shade val="50000"/>
+            </a:schemeClr>
+          </a:lnRef>
+          <a:fillRef idx="1">
+            <a:schemeClr val="accent1"/>
+          </a:fillRef>
+          <a:effectRef idx="0">
+            <a:schemeClr val="accent1"/>
+          </a:effectRef>
+          <a:fontRef idx="minor">
+            <a:schemeClr val="lt1"/>
+          </a:fontRef>
+        </p:style>
+        <p:txBody>
+          <a:bodyPr rtlCol="0" anchor="ctr"/>
+          <a:lstStyle/>
+          <a:p>
+            <a:pPr algn="ctr"/>
+            <a:endParaRPr lang="en-US" dirty="0"/>
+          </a:p>
+        </p:txBody>
+      </p:sp>
+      <p:sp>
+        <p:nvSpPr>
+          <p:cNvPr id="56" name="TextBox 55">
+            <a:extLst>
+              <a:ext uri="{FF2B5EF4-FFF2-40B4-BE49-F238E27FC236}">
+                <a16:creationId xmlns:a16="http://schemas.microsoft.com/office/drawing/2014/main" id="{12A0C5E2-C149-D107-F1B2-B6E5CD96367E}"/>
+              </a:ext>
+            </a:extLst>
+          </p:cNvPr>
+          <p:cNvSpPr txBox="1"/>
+          <p:nvPr/>
+        </p:nvSpPr>
+        <p:spPr>
+          <a:xfrm>
+            <a:off x="80891" y="1986201"/>
+            <a:ext cx="502061" cy="577081"/>
+          </a:xfrm>
+          <a:prstGeom prst="rect">
+            <a:avLst/>
+          </a:prstGeom>
+          <a:noFill/>
+        </p:spPr>
+        <p:txBody>
+          <a:bodyPr wrap="none" rtlCol="0">
+            <a:spAutoFit/>
+          </a:bodyPr>
+          <a:lstStyle/>
+          <a:p>
+            <a:r>
+              <a:rPr lang="en-US" sz="1050" dirty="0">
+                <a:hlinkClick r:id="rId6"/>
+              </a:rPr>
+              <a:t>Link 1</a:t>
+            </a:r>
+            <a:endParaRPr lang="en-US" sz="1050" dirty="0"/>
+          </a:p>
+          <a:p>
+            <a:r>
+              <a:rPr lang="en-US" sz="1050" dirty="0">
+                <a:hlinkClick r:id="rId7"/>
+              </a:rPr>
+              <a:t>Link 2</a:t>
+            </a:r>
+            <a:endParaRPr lang="en-US" sz="1050" dirty="0"/>
+          </a:p>
+          <a:p>
+            <a:r>
+              <a:rPr lang="en-US" sz="1050" dirty="0">
+                <a:hlinkClick r:id="rId8"/>
+              </a:rPr>
+              <a:t>Link 3</a:t>
+            </a:r>
+            <a:endParaRPr lang="en-US" sz="1050" dirty="0"/>
+          </a:p>
+        </p:txBody>
+      </p:sp>
+    </p:spTree>
+    <p:extLst>
+      <p:ext uri="{BB962C8B-B14F-4D97-AF65-F5344CB8AC3E}">
+        <p14:creationId xmlns:p14="http://schemas.microsoft.com/office/powerpoint/2010/main" val="1136135422"/>
+      </p:ext>
+    </p:extLst>
+  </p:cSld>
+  <p:clrMapOvr>
+    <a:masterClrMapping/>
+  </p:clrMapOvr>
+</p:sld>
+</file>
+
 <file path=ppt/theme/theme1.xml><?xml version="1.0" encoding="utf-8"?>
 <a:theme xmlns:a="http://schemas.openxmlformats.org/drawingml/2006/main" name="Office Theme">
   <a:themeElements>

--- a/docs/research/etcd_mvcc_versioning.pptx
+++ b/docs/research/etcd_mvcc_versioning.pptx
@@ -5,8 +5,11 @@
     <p:sldMasterId id="2147483648" r:id="rId1"/>
   </p:sldMasterIdLst>
   <p:sldIdLst>
-    <p:sldId id="457" r:id="rId2"/>
-    <p:sldId id="458" r:id="rId3"/>
+    <p:sldId id="379" r:id="rId2"/>
+    <p:sldId id="457" r:id="rId3"/>
+    <p:sldId id="466" r:id="rId4"/>
+    <p:sldId id="467" r:id="rId5"/>
+    <p:sldId id="465" r:id="rId6"/>
   </p:sldIdLst>
   <p:sldSz cx="12192000" cy="6858000"/>
   <p:notesSz cx="6858000" cy="9144000"/>
@@ -260,7 +263,7 @@
           <a:p>
             <a:fld id="{7B0B5A51-06CF-F249-B76D-D53C064B7940}" type="datetimeFigureOut">
               <a:rPr lang="en-US" smtClean="0"/>
-              <a:t>5/10/22</a:t>
+              <a:t>5/11/22</a:t>
             </a:fld>
             <a:endParaRPr lang="en-US"/>
           </a:p>
@@ -458,7 +461,7 @@
           <a:p>
             <a:fld id="{7B0B5A51-06CF-F249-B76D-D53C064B7940}" type="datetimeFigureOut">
               <a:rPr lang="en-US" smtClean="0"/>
-              <a:t>5/10/22</a:t>
+              <a:t>5/11/22</a:t>
             </a:fld>
             <a:endParaRPr lang="en-US"/>
           </a:p>
@@ -666,7 +669,7 @@
           <a:p>
             <a:fld id="{7B0B5A51-06CF-F249-B76D-D53C064B7940}" type="datetimeFigureOut">
               <a:rPr lang="en-US" smtClean="0"/>
-              <a:t>5/10/22</a:t>
+              <a:t>5/11/22</a:t>
             </a:fld>
             <a:endParaRPr lang="en-US"/>
           </a:p>
@@ -864,7 +867,7 @@
           <a:p>
             <a:fld id="{7B0B5A51-06CF-F249-B76D-D53C064B7940}" type="datetimeFigureOut">
               <a:rPr lang="en-US" smtClean="0"/>
-              <a:t>5/10/22</a:t>
+              <a:t>5/11/22</a:t>
             </a:fld>
             <a:endParaRPr lang="en-US"/>
           </a:p>
@@ -1139,7 +1142,7 @@
           <a:p>
             <a:fld id="{7B0B5A51-06CF-F249-B76D-D53C064B7940}" type="datetimeFigureOut">
               <a:rPr lang="en-US" smtClean="0"/>
-              <a:t>5/10/22</a:t>
+              <a:t>5/11/22</a:t>
             </a:fld>
             <a:endParaRPr lang="en-US"/>
           </a:p>
@@ -1404,7 +1407,7 @@
           <a:p>
             <a:fld id="{7B0B5A51-06CF-F249-B76D-D53C064B7940}" type="datetimeFigureOut">
               <a:rPr lang="en-US" smtClean="0"/>
-              <a:t>5/10/22</a:t>
+              <a:t>5/11/22</a:t>
             </a:fld>
             <a:endParaRPr lang="en-US"/>
           </a:p>
@@ -1816,7 +1819,7 @@
           <a:p>
             <a:fld id="{7B0B5A51-06CF-F249-B76D-D53C064B7940}" type="datetimeFigureOut">
               <a:rPr lang="en-US" smtClean="0"/>
-              <a:t>5/10/22</a:t>
+              <a:t>5/11/22</a:t>
             </a:fld>
             <a:endParaRPr lang="en-US"/>
           </a:p>
@@ -1957,7 +1960,7 @@
           <a:p>
             <a:fld id="{7B0B5A51-06CF-F249-B76D-D53C064B7940}" type="datetimeFigureOut">
               <a:rPr lang="en-US" smtClean="0"/>
-              <a:t>5/10/22</a:t>
+              <a:t>5/11/22</a:t>
             </a:fld>
             <a:endParaRPr lang="en-US"/>
           </a:p>
@@ -2070,7 +2073,7 @@
           <a:p>
             <a:fld id="{7B0B5A51-06CF-F249-B76D-D53C064B7940}" type="datetimeFigureOut">
               <a:rPr lang="en-US" smtClean="0"/>
-              <a:t>5/10/22</a:t>
+              <a:t>5/11/22</a:t>
             </a:fld>
             <a:endParaRPr lang="en-US"/>
           </a:p>
@@ -2381,7 +2384,7 @@
           <a:p>
             <a:fld id="{7B0B5A51-06CF-F249-B76D-D53C064B7940}" type="datetimeFigureOut">
               <a:rPr lang="en-US" smtClean="0"/>
-              <a:t>5/10/22</a:t>
+              <a:t>5/11/22</a:t>
             </a:fld>
             <a:endParaRPr lang="en-US"/>
           </a:p>
@@ -2669,7 +2672,7 @@
           <a:p>
             <a:fld id="{7B0B5A51-06CF-F249-B76D-D53C064B7940}" type="datetimeFigureOut">
               <a:rPr lang="en-US" smtClean="0"/>
-              <a:t>5/10/22</a:t>
+              <a:t>5/11/22</a:t>
             </a:fld>
             <a:endParaRPr lang="en-US"/>
           </a:p>
@@ -2910,7 +2913,7 @@
           <a:p>
             <a:fld id="{7B0B5A51-06CF-F249-B76D-D53C064B7940}" type="datetimeFigureOut">
               <a:rPr lang="en-US" smtClean="0"/>
-              <a:t>5/10/22</a:t>
+              <a:t>5/11/22</a:t>
             </a:fld>
             <a:endParaRPr lang="en-US"/>
           </a:p>
@@ -3311,6 +3314,1771 @@
 </file>
 
 <file path=ppt/slides/slide1.xml><?xml version="1.0" encoding="utf-8"?>
+<p:sld xmlns:a="http://schemas.openxmlformats.org/drawingml/2006/main" xmlns:r="http://schemas.openxmlformats.org/officeDocument/2006/relationships" xmlns:p="http://schemas.openxmlformats.org/presentationml/2006/main">
+  <p:cSld>
+    <p:spTree>
+      <p:nvGrpSpPr>
+        <p:cNvPr id="1" name=""/>
+        <p:cNvGrpSpPr/>
+        <p:nvPr/>
+      </p:nvGrpSpPr>
+      <p:grpSpPr>
+        <a:xfrm>
+          <a:off x="0" y="0"/>
+          <a:ext cx="0" cy="0"/>
+          <a:chOff x="0" y="0"/>
+          <a:chExt cx="0" cy="0"/>
+        </a:xfrm>
+      </p:grpSpPr>
+      <p:sp>
+        <p:nvSpPr>
+          <p:cNvPr id="4" name="TextBox 3">
+            <a:extLst>
+              <a:ext uri="{FF2B5EF4-FFF2-40B4-BE49-F238E27FC236}">
+                <a16:creationId xmlns:a16="http://schemas.microsoft.com/office/drawing/2014/main" id="{C9CBAC2B-46B8-8A62-C7A6-72198F14BB24}"/>
+              </a:ext>
+            </a:extLst>
+          </p:cNvPr>
+          <p:cNvSpPr txBox="1"/>
+          <p:nvPr/>
+        </p:nvSpPr>
+        <p:spPr>
+          <a:xfrm>
+            <a:off x="8999816" y="158248"/>
+            <a:ext cx="1973617" cy="523220"/>
+          </a:xfrm>
+          <a:prstGeom prst="rect">
+            <a:avLst/>
+          </a:prstGeom>
+          <a:noFill/>
+        </p:spPr>
+        <p:txBody>
+          <a:bodyPr wrap="none" rtlCol="0">
+            <a:spAutoFit/>
+          </a:bodyPr>
+          <a:lstStyle/>
+          <a:p>
+            <a:r>
+              <a:rPr lang="en-US" sz="2800" i="1" u="sng" dirty="0"/>
+              <a:t>Why MVCC?</a:t>
+            </a:r>
+          </a:p>
+        </p:txBody>
+      </p:sp>
+      <p:sp>
+        <p:nvSpPr>
+          <p:cNvPr id="8" name="TextBox 7">
+            <a:extLst>
+              <a:ext uri="{FF2B5EF4-FFF2-40B4-BE49-F238E27FC236}">
+                <a16:creationId xmlns:a16="http://schemas.microsoft.com/office/drawing/2014/main" id="{C16B2060-A0FB-D8D0-FC40-EA50804991DC}"/>
+              </a:ext>
+            </a:extLst>
+          </p:cNvPr>
+          <p:cNvSpPr txBox="1"/>
+          <p:nvPr/>
+        </p:nvSpPr>
+        <p:spPr>
+          <a:xfrm>
+            <a:off x="3756913" y="2972115"/>
+            <a:ext cx="3032568" cy="830997"/>
+          </a:xfrm>
+          <a:prstGeom prst="rect">
+            <a:avLst/>
+          </a:prstGeom>
+          <a:noFill/>
+        </p:spPr>
+        <p:txBody>
+          <a:bodyPr wrap="square">
+            <a:spAutoFit/>
+          </a:bodyPr>
+          <a:lstStyle/>
+          <a:p>
+            <a:r>
+              <a:rPr lang="en-US" sz="2400" dirty="0"/>
+              <a:t>Avoid Locking (performance)</a:t>
+            </a:r>
+          </a:p>
+        </p:txBody>
+      </p:sp>
+      <p:sp>
+        <p:nvSpPr>
+          <p:cNvPr id="3" name="Right Brace 2">
+            <a:extLst>
+              <a:ext uri="{FF2B5EF4-FFF2-40B4-BE49-F238E27FC236}">
+                <a16:creationId xmlns:a16="http://schemas.microsoft.com/office/drawing/2014/main" id="{7F342332-2890-64B9-F4A2-FE85B583CBCD}"/>
+              </a:ext>
+            </a:extLst>
+          </p:cNvPr>
+          <p:cNvSpPr/>
+          <p:nvPr/>
+        </p:nvSpPr>
+        <p:spPr>
+          <a:xfrm>
+            <a:off x="6376950" y="2701792"/>
+            <a:ext cx="347241" cy="844895"/>
+          </a:xfrm>
+          <a:prstGeom prst="rightBrace">
+            <a:avLst/>
+          </a:prstGeom>
+          <a:solidFill>
+            <a:schemeClr val="bg1"/>
+          </a:solidFill>
+          <a:ln w="15875">
+            <a:solidFill>
+              <a:schemeClr val="bg2">
+                <a:lumMod val="50000"/>
+              </a:schemeClr>
+            </a:solidFill>
+            <a:prstDash val="solid"/>
+          </a:ln>
+        </p:spPr>
+        <p:style>
+          <a:lnRef idx="1">
+            <a:schemeClr val="accent1"/>
+          </a:lnRef>
+          <a:fillRef idx="0">
+            <a:schemeClr val="accent1"/>
+          </a:fillRef>
+          <a:effectRef idx="0">
+            <a:schemeClr val="accent1"/>
+          </a:effectRef>
+          <a:fontRef idx="minor">
+            <a:schemeClr val="tx1"/>
+          </a:fontRef>
+        </p:style>
+        <p:txBody>
+          <a:bodyPr rtlCol="0" anchor="ctr"/>
+          <a:lstStyle/>
+          <a:p>
+            <a:pPr algn="ctr"/>
+            <a:endParaRPr lang="en-US" dirty="0"/>
+          </a:p>
+        </p:txBody>
+      </p:sp>
+      <p:sp>
+        <p:nvSpPr>
+          <p:cNvPr id="11" name="TextBox 10">
+            <a:extLst>
+              <a:ext uri="{FF2B5EF4-FFF2-40B4-BE49-F238E27FC236}">
+                <a16:creationId xmlns:a16="http://schemas.microsoft.com/office/drawing/2014/main" id="{2F5F9C2E-85AA-092F-A4AA-42B5E2B45024}"/>
+              </a:ext>
+            </a:extLst>
+          </p:cNvPr>
+          <p:cNvSpPr txBox="1"/>
+          <p:nvPr/>
+        </p:nvSpPr>
+        <p:spPr>
+          <a:xfrm>
+            <a:off x="6789481" y="2851138"/>
+            <a:ext cx="4420670" cy="461665"/>
+          </a:xfrm>
+          <a:prstGeom prst="rect">
+            <a:avLst/>
+          </a:prstGeom>
+          <a:noFill/>
+        </p:spPr>
+        <p:txBody>
+          <a:bodyPr wrap="square">
+            <a:spAutoFit/>
+          </a:bodyPr>
+          <a:lstStyle/>
+          <a:p>
+            <a:r>
+              <a:rPr lang="en-US" sz="2400" dirty="0"/>
+              <a:t>MVCC (timestamps, </a:t>
+            </a:r>
+            <a:r>
+              <a:rPr lang="en-US" sz="2400" u="sng" dirty="0"/>
+              <a:t>Versioning</a:t>
+            </a:r>
+            <a:r>
+              <a:rPr lang="en-US" sz="2400" dirty="0"/>
+              <a:t>)</a:t>
+            </a:r>
+          </a:p>
+        </p:txBody>
+      </p:sp>
+      <p:grpSp>
+        <p:nvGrpSpPr>
+          <p:cNvPr id="37" name="Group 36">
+            <a:extLst>
+              <a:ext uri="{FF2B5EF4-FFF2-40B4-BE49-F238E27FC236}">
+                <a16:creationId xmlns:a16="http://schemas.microsoft.com/office/drawing/2014/main" id="{9759FB42-9927-2AB3-8A67-E5A423A20CAD}"/>
+              </a:ext>
+            </a:extLst>
+          </p:cNvPr>
+          <p:cNvGrpSpPr/>
+          <p:nvPr/>
+        </p:nvGrpSpPr>
+        <p:grpSpPr>
+          <a:xfrm>
+            <a:off x="6574141" y="3456159"/>
+            <a:ext cx="5142084" cy="1060920"/>
+            <a:chOff x="6412092" y="3456159"/>
+            <a:chExt cx="5142084" cy="1060920"/>
+          </a:xfrm>
+        </p:grpSpPr>
+        <p:sp>
+          <p:nvSpPr>
+            <p:cNvPr id="16" name="TextBox 15">
+              <a:extLst>
+                <a:ext uri="{FF2B5EF4-FFF2-40B4-BE49-F238E27FC236}">
+                  <a16:creationId xmlns:a16="http://schemas.microsoft.com/office/drawing/2014/main" id="{3CECCE5A-5752-A714-6F03-BA24372A068E}"/>
+                </a:ext>
+              </a:extLst>
+            </p:cNvPr>
+            <p:cNvSpPr txBox="1"/>
+            <p:nvPr/>
+          </p:nvSpPr>
+          <p:spPr>
+            <a:xfrm rot="5400000">
+              <a:off x="7836326" y="3544030"/>
+              <a:ext cx="698961" cy="523220"/>
+            </a:xfrm>
+            <a:prstGeom prst="rect">
+              <a:avLst/>
+            </a:prstGeom>
+            <a:noFill/>
+          </p:spPr>
+          <p:txBody>
+            <a:bodyPr wrap="square">
+              <a:spAutoFit/>
+            </a:bodyPr>
+            <a:lstStyle/>
+            <a:p>
+              <a:r>
+                <a:rPr lang="en-US" sz="2800" dirty="0">
+                  <a:solidFill>
+                    <a:schemeClr val="accent5">
+                      <a:lumMod val="75000"/>
+                    </a:schemeClr>
+                  </a:solidFill>
+                  <a:sym typeface="Wingdings" pitchFamily="2" charset="2"/>
+                </a:rPr>
+                <a:t></a:t>
+              </a:r>
+              <a:endParaRPr lang="en-US" sz="2800" dirty="0">
+                <a:solidFill>
+                  <a:schemeClr val="accent5">
+                    <a:lumMod val="75000"/>
+                  </a:schemeClr>
+                </a:solidFill>
+              </a:endParaRPr>
+            </a:p>
+          </p:txBody>
+        </p:sp>
+        <p:sp>
+          <p:nvSpPr>
+            <p:cNvPr id="19" name="TextBox 18">
+              <a:extLst>
+                <a:ext uri="{FF2B5EF4-FFF2-40B4-BE49-F238E27FC236}">
+                  <a16:creationId xmlns:a16="http://schemas.microsoft.com/office/drawing/2014/main" id="{E1D05FD8-F121-487A-66EB-F44DDF2BB5E0}"/>
+                </a:ext>
+              </a:extLst>
+            </p:cNvPr>
+            <p:cNvSpPr txBox="1"/>
+            <p:nvPr/>
+          </p:nvSpPr>
+          <p:spPr>
+            <a:xfrm>
+              <a:off x="6412092" y="4055414"/>
+              <a:ext cx="5142084" cy="461665"/>
+            </a:xfrm>
+            <a:prstGeom prst="rect">
+              <a:avLst/>
+            </a:prstGeom>
+            <a:noFill/>
+          </p:spPr>
+          <p:txBody>
+            <a:bodyPr wrap="square">
+              <a:spAutoFit/>
+            </a:bodyPr>
+            <a:lstStyle/>
+            <a:p>
+              <a:pPr algn="ctr"/>
+              <a:r>
+                <a:rPr lang="en-US" sz="2400" dirty="0"/>
+                <a:t>Client to receive new update </a:t>
+              </a:r>
+              <a:r>
+                <a:rPr lang="en-US" sz="2400" b="1" i="1" dirty="0"/>
+                <a:t>efficiently</a:t>
+              </a:r>
+            </a:p>
+          </p:txBody>
+        </p:sp>
+      </p:grpSp>
+      <p:grpSp>
+        <p:nvGrpSpPr>
+          <p:cNvPr id="36" name="Group 35">
+            <a:extLst>
+              <a:ext uri="{FF2B5EF4-FFF2-40B4-BE49-F238E27FC236}">
+                <a16:creationId xmlns:a16="http://schemas.microsoft.com/office/drawing/2014/main" id="{B994ADE6-FF06-C74B-7927-132F9C5B73F1}"/>
+              </a:ext>
+            </a:extLst>
+          </p:cNvPr>
+          <p:cNvGrpSpPr/>
+          <p:nvPr/>
+        </p:nvGrpSpPr>
+        <p:grpSpPr>
+          <a:xfrm>
+            <a:off x="3059333" y="2020141"/>
+            <a:ext cx="3218009" cy="905767"/>
+            <a:chOff x="2592325" y="2009805"/>
+            <a:chExt cx="3218009" cy="905767"/>
+          </a:xfrm>
+        </p:grpSpPr>
+        <p:sp>
+          <p:nvSpPr>
+            <p:cNvPr id="7" name="TextBox 6">
+              <a:extLst>
+                <a:ext uri="{FF2B5EF4-FFF2-40B4-BE49-F238E27FC236}">
+                  <a16:creationId xmlns:a16="http://schemas.microsoft.com/office/drawing/2014/main" id="{9AF14222-FD04-9EED-C849-2D288B094372}"/>
+                </a:ext>
+              </a:extLst>
+            </p:cNvPr>
+            <p:cNvSpPr txBox="1"/>
+            <p:nvPr/>
+          </p:nvSpPr>
+          <p:spPr>
+            <a:xfrm>
+              <a:off x="3263355" y="2009805"/>
+              <a:ext cx="2546979" cy="830997"/>
+            </a:xfrm>
+            <a:prstGeom prst="rect">
+              <a:avLst/>
+            </a:prstGeom>
+            <a:noFill/>
+          </p:spPr>
+          <p:txBody>
+            <a:bodyPr wrap="none" rtlCol="0">
+              <a:spAutoFit/>
+            </a:bodyPr>
+            <a:lstStyle/>
+            <a:p>
+              <a:endParaRPr lang="en-US" sz="2400" dirty="0"/>
+            </a:p>
+            <a:p>
+              <a:r>
+                <a:rPr lang="en-US" sz="2400" u="sng" dirty="0"/>
+                <a:t>Strong Consistency</a:t>
+              </a:r>
+            </a:p>
+          </p:txBody>
+        </p:sp>
+        <p:sp>
+          <p:nvSpPr>
+            <p:cNvPr id="21" name="TextBox 20">
+              <a:extLst>
+                <a:ext uri="{FF2B5EF4-FFF2-40B4-BE49-F238E27FC236}">
+                  <a16:creationId xmlns:a16="http://schemas.microsoft.com/office/drawing/2014/main" id="{9449B80A-C04A-27DA-8E20-5915946D2166}"/>
+                </a:ext>
+              </a:extLst>
+            </p:cNvPr>
+            <p:cNvSpPr txBox="1"/>
+            <p:nvPr/>
+          </p:nvSpPr>
+          <p:spPr>
+            <a:xfrm>
+              <a:off x="2592325" y="2453907"/>
+              <a:ext cx="605740" cy="461665"/>
+            </a:xfrm>
+            <a:prstGeom prst="rect">
+              <a:avLst/>
+            </a:prstGeom>
+            <a:noFill/>
+          </p:spPr>
+          <p:txBody>
+            <a:bodyPr wrap="square">
+              <a:spAutoFit/>
+            </a:bodyPr>
+            <a:lstStyle/>
+            <a:p>
+              <a:r>
+                <a:rPr lang="en-US" sz="2400" dirty="0">
+                  <a:solidFill>
+                    <a:schemeClr val="accent5">
+                      <a:lumMod val="75000"/>
+                    </a:schemeClr>
+                  </a:solidFill>
+                  <a:sym typeface="Wingdings" pitchFamily="2" charset="2"/>
+                </a:rPr>
+                <a:t></a:t>
+              </a:r>
+              <a:endParaRPr lang="en-US" sz="2400" dirty="0">
+                <a:solidFill>
+                  <a:schemeClr val="accent5">
+                    <a:lumMod val="75000"/>
+                  </a:schemeClr>
+                </a:solidFill>
+              </a:endParaRPr>
+            </a:p>
+          </p:txBody>
+        </p:sp>
+      </p:grpSp>
+      <p:grpSp>
+        <p:nvGrpSpPr>
+          <p:cNvPr id="38" name="Group 37">
+            <a:extLst>
+              <a:ext uri="{FF2B5EF4-FFF2-40B4-BE49-F238E27FC236}">
+                <a16:creationId xmlns:a16="http://schemas.microsoft.com/office/drawing/2014/main" id="{8D4D165E-DDA4-A2B1-6E56-879331C72B46}"/>
+              </a:ext>
+            </a:extLst>
+          </p:cNvPr>
+          <p:cNvGrpSpPr/>
+          <p:nvPr/>
+        </p:nvGrpSpPr>
+        <p:grpSpPr>
+          <a:xfrm>
+            <a:off x="7121584" y="4608735"/>
+            <a:ext cx="4228899" cy="1829407"/>
+            <a:chOff x="6959535" y="4608735"/>
+            <a:chExt cx="4228899" cy="1829407"/>
+          </a:xfrm>
+        </p:grpSpPr>
+        <p:sp>
+          <p:nvSpPr>
+            <p:cNvPr id="17" name="TextBox 16">
+              <a:extLst>
+                <a:ext uri="{FF2B5EF4-FFF2-40B4-BE49-F238E27FC236}">
+                  <a16:creationId xmlns:a16="http://schemas.microsoft.com/office/drawing/2014/main" id="{BAD76EC2-6F11-D9E1-0922-33A7CCFAC1CF}"/>
+                </a:ext>
+              </a:extLst>
+            </p:cNvPr>
+            <p:cNvSpPr txBox="1"/>
+            <p:nvPr/>
+          </p:nvSpPr>
+          <p:spPr>
+            <a:xfrm>
+              <a:off x="6959535" y="5237813"/>
+              <a:ext cx="4228899" cy="1200329"/>
+            </a:xfrm>
+            <a:prstGeom prst="rect">
+              <a:avLst/>
+            </a:prstGeom>
+            <a:noFill/>
+          </p:spPr>
+          <p:txBody>
+            <a:bodyPr wrap="square">
+              <a:spAutoFit/>
+            </a:bodyPr>
+            <a:lstStyle/>
+            <a:p>
+              <a:pPr marL="457200" indent="-457200">
+                <a:buFont typeface="Arial" panose="020B0604020202020204" pitchFamily="34" charset="0"/>
+                <a:buChar char="•"/>
+              </a:pPr>
+              <a:r>
+                <a:rPr lang="en-US" sz="2000" dirty="0"/>
+                <a:t>Push, push?</a:t>
+              </a:r>
+            </a:p>
+            <a:p>
+              <a:pPr marL="800100" lvl="1" indent="-342900">
+                <a:buFont typeface="Arial" panose="020B0604020202020204" pitchFamily="34" charset="0"/>
+                <a:buChar char="•"/>
+              </a:pPr>
+              <a:r>
+                <a:rPr lang="en-US" sz="1600" dirty="0"/>
+                <a:t>Scalability (client </a:t>
+              </a:r>
+              <a:r>
+                <a:rPr lang="en-US" sz="1600" dirty="0">
+                  <a:sym typeface="Wingdings" pitchFamily="2" charset="2"/>
+                </a:rPr>
+                <a:t> pull, won’t scale)</a:t>
+              </a:r>
+            </a:p>
+            <a:p>
+              <a:pPr marL="800100" lvl="1" indent="-342900">
+                <a:buFont typeface="Arial" panose="020B0604020202020204" pitchFamily="34" charset="0"/>
+                <a:buChar char="•"/>
+              </a:pPr>
+              <a:r>
+                <a:rPr lang="en-US" sz="1600" dirty="0">
+                  <a:sym typeface="Wingdings" pitchFamily="2" charset="2"/>
+                </a:rPr>
+                <a:t>Missing events between polling</a:t>
+              </a:r>
+              <a:endParaRPr lang="en-US" sz="2000" dirty="0"/>
+            </a:p>
+            <a:p>
+              <a:pPr marL="457200" indent="-457200">
+                <a:buFont typeface="Arial" panose="020B0604020202020204" pitchFamily="34" charset="0"/>
+                <a:buChar char="•"/>
+              </a:pPr>
+              <a:r>
+                <a:rPr lang="en-US" sz="2000" dirty="0"/>
+                <a:t>Watch?</a:t>
+              </a:r>
+            </a:p>
+          </p:txBody>
+        </p:sp>
+        <p:sp>
+          <p:nvSpPr>
+            <p:cNvPr id="25" name="TextBox 24">
+              <a:extLst>
+                <a:ext uri="{FF2B5EF4-FFF2-40B4-BE49-F238E27FC236}">
+                  <a16:creationId xmlns:a16="http://schemas.microsoft.com/office/drawing/2014/main" id="{02166E4A-15D1-571A-6527-57365773315A}"/>
+                </a:ext>
+              </a:extLst>
+            </p:cNvPr>
+            <p:cNvSpPr txBox="1"/>
+            <p:nvPr/>
+          </p:nvSpPr>
+          <p:spPr>
+            <a:xfrm rot="5400000">
+              <a:off x="8623404" y="4696606"/>
+              <a:ext cx="698961" cy="523220"/>
+            </a:xfrm>
+            <a:prstGeom prst="rect">
+              <a:avLst/>
+            </a:prstGeom>
+            <a:noFill/>
+          </p:spPr>
+          <p:txBody>
+            <a:bodyPr wrap="square">
+              <a:spAutoFit/>
+            </a:bodyPr>
+            <a:lstStyle/>
+            <a:p>
+              <a:r>
+                <a:rPr lang="en-US" sz="2800" dirty="0">
+                  <a:solidFill>
+                    <a:schemeClr val="accent5">
+                      <a:lumMod val="75000"/>
+                    </a:schemeClr>
+                  </a:solidFill>
+                  <a:sym typeface="Wingdings" pitchFamily="2" charset="2"/>
+                </a:rPr>
+                <a:t></a:t>
+              </a:r>
+              <a:endParaRPr lang="en-US" sz="2800" dirty="0">
+                <a:solidFill>
+                  <a:schemeClr val="accent5">
+                    <a:lumMod val="75000"/>
+                  </a:schemeClr>
+                </a:solidFill>
+              </a:endParaRPr>
+            </a:p>
+          </p:txBody>
+        </p:sp>
+      </p:grpSp>
+      <p:sp>
+        <p:nvSpPr>
+          <p:cNvPr id="9" name="TextBox 8">
+            <a:extLst>
+              <a:ext uri="{FF2B5EF4-FFF2-40B4-BE49-F238E27FC236}">
+                <a16:creationId xmlns:a16="http://schemas.microsoft.com/office/drawing/2014/main" id="{17231EDC-B3B4-2050-1319-36D49C6B8FBC}"/>
+              </a:ext>
+            </a:extLst>
+          </p:cNvPr>
+          <p:cNvSpPr txBox="1"/>
+          <p:nvPr/>
+        </p:nvSpPr>
+        <p:spPr>
+          <a:xfrm>
+            <a:off x="562291" y="534576"/>
+            <a:ext cx="3992631" cy="461665"/>
+          </a:xfrm>
+          <a:prstGeom prst="rect">
+            <a:avLst/>
+          </a:prstGeom>
+          <a:noFill/>
+        </p:spPr>
+        <p:txBody>
+          <a:bodyPr wrap="none" rtlCol="0">
+            <a:spAutoFit/>
+          </a:bodyPr>
+          <a:lstStyle/>
+          <a:p>
+            <a:r>
+              <a:rPr lang="en-US" sz="2400" dirty="0"/>
+              <a:t>Large Scale Distributed System</a:t>
+            </a:r>
+          </a:p>
+        </p:txBody>
+      </p:sp>
+      <p:grpSp>
+        <p:nvGrpSpPr>
+          <p:cNvPr id="35" name="Group 34">
+            <a:extLst>
+              <a:ext uri="{FF2B5EF4-FFF2-40B4-BE49-F238E27FC236}">
+                <a16:creationId xmlns:a16="http://schemas.microsoft.com/office/drawing/2014/main" id="{F7F200DF-1649-AB00-C218-6D4BEAA797EC}"/>
+              </a:ext>
+            </a:extLst>
+          </p:cNvPr>
+          <p:cNvGrpSpPr/>
+          <p:nvPr/>
+        </p:nvGrpSpPr>
+        <p:grpSpPr>
+          <a:xfrm>
+            <a:off x="380469" y="1081130"/>
+            <a:ext cx="2720552" cy="2465557"/>
+            <a:chOff x="193988" y="1093298"/>
+            <a:chExt cx="2720552" cy="2465557"/>
+          </a:xfrm>
+        </p:grpSpPr>
+        <p:sp>
+          <p:nvSpPr>
+            <p:cNvPr id="20" name="TextBox 19">
+              <a:extLst>
+                <a:ext uri="{FF2B5EF4-FFF2-40B4-BE49-F238E27FC236}">
+                  <a16:creationId xmlns:a16="http://schemas.microsoft.com/office/drawing/2014/main" id="{22479F90-B7D5-6DAF-4833-076A334CB9CF}"/>
+                </a:ext>
+              </a:extLst>
+            </p:cNvPr>
+            <p:cNvSpPr txBox="1"/>
+            <p:nvPr/>
+          </p:nvSpPr>
+          <p:spPr>
+            <a:xfrm>
+              <a:off x="193988" y="1989195"/>
+              <a:ext cx="2720552" cy="1569660"/>
+            </a:xfrm>
+            <a:prstGeom prst="rect">
+              <a:avLst/>
+            </a:prstGeom>
+            <a:noFill/>
+          </p:spPr>
+          <p:txBody>
+            <a:bodyPr wrap="square">
+              <a:spAutoFit/>
+            </a:bodyPr>
+            <a:lstStyle/>
+            <a:p>
+              <a:pPr marL="342900" indent="-342900">
+                <a:buFont typeface="Arial" panose="020B0604020202020204" pitchFamily="34" charset="0"/>
+                <a:buChar char="•"/>
+              </a:pPr>
+              <a:r>
+                <a:rPr lang="en-US" sz="1600" b="1" dirty="0">
+                  <a:solidFill>
+                    <a:srgbClr val="C00000"/>
+                  </a:solidFill>
+                </a:rPr>
+                <a:t>No Dirt Read</a:t>
+              </a:r>
+            </a:p>
+            <a:p>
+              <a:pPr marL="342900" indent="-342900">
+                <a:buFont typeface="Arial" panose="020B0604020202020204" pitchFamily="34" charset="0"/>
+                <a:buChar char="•"/>
+              </a:pPr>
+              <a:endParaRPr lang="en-US" sz="800" b="1" dirty="0">
+                <a:solidFill>
+                  <a:srgbClr val="C00000"/>
+                </a:solidFill>
+              </a:endParaRPr>
+            </a:p>
+            <a:p>
+              <a:pPr marL="342900" indent="-342900">
+                <a:buFont typeface="Arial" panose="020B0604020202020204" pitchFamily="34" charset="0"/>
+                <a:buChar char="•"/>
+              </a:pPr>
+              <a:r>
+                <a:rPr lang="en-US" sz="1600" b="1" dirty="0">
+                  <a:solidFill>
+                    <a:srgbClr val="C00000"/>
+                  </a:solidFill>
+                </a:rPr>
+                <a:t>No overwriting writes (e.g. lost state)</a:t>
+              </a:r>
+            </a:p>
+            <a:p>
+              <a:pPr marL="342900" indent="-342900">
+                <a:buFont typeface="Arial" panose="020B0604020202020204" pitchFamily="34" charset="0"/>
+                <a:buChar char="•"/>
+              </a:pPr>
+              <a:endParaRPr lang="en-US" sz="800" b="1" dirty="0">
+                <a:solidFill>
+                  <a:srgbClr val="C00000"/>
+                </a:solidFill>
+              </a:endParaRPr>
+            </a:p>
+            <a:p>
+              <a:pPr marL="342900" indent="-342900">
+                <a:buFont typeface="Arial" panose="020B0604020202020204" pitchFamily="34" charset="0"/>
+                <a:buChar char="•"/>
+              </a:pPr>
+              <a:r>
+                <a:rPr lang="en-US" sz="1600" b="1" dirty="0">
+                  <a:solidFill>
+                    <a:srgbClr val="C00000"/>
+                  </a:solidFill>
+                </a:rPr>
+                <a:t>Used for cluster synchronization</a:t>
+              </a:r>
+            </a:p>
+          </p:txBody>
+        </p:sp>
+        <p:sp>
+          <p:nvSpPr>
+            <p:cNvPr id="26" name="TextBox 25">
+              <a:extLst>
+                <a:ext uri="{FF2B5EF4-FFF2-40B4-BE49-F238E27FC236}">
+                  <a16:creationId xmlns:a16="http://schemas.microsoft.com/office/drawing/2014/main" id="{378FFD03-9FB6-4CF3-5A60-69F626C73C34}"/>
+                </a:ext>
+              </a:extLst>
+            </p:cNvPr>
+            <p:cNvSpPr txBox="1"/>
+            <p:nvPr/>
+          </p:nvSpPr>
+          <p:spPr>
+            <a:xfrm rot="5400000">
+              <a:off x="1139411" y="1181169"/>
+              <a:ext cx="698961" cy="523220"/>
+            </a:xfrm>
+            <a:prstGeom prst="rect">
+              <a:avLst/>
+            </a:prstGeom>
+            <a:noFill/>
+          </p:spPr>
+          <p:txBody>
+            <a:bodyPr wrap="square">
+              <a:spAutoFit/>
+            </a:bodyPr>
+            <a:lstStyle/>
+            <a:p>
+              <a:r>
+                <a:rPr lang="en-US" sz="2800" dirty="0">
+                  <a:solidFill>
+                    <a:schemeClr val="accent5">
+                      <a:lumMod val="75000"/>
+                    </a:schemeClr>
+                  </a:solidFill>
+                  <a:sym typeface="Wingdings" pitchFamily="2" charset="2"/>
+                </a:rPr>
+                <a:t></a:t>
+              </a:r>
+              <a:endParaRPr lang="en-US" sz="2800" dirty="0">
+                <a:solidFill>
+                  <a:schemeClr val="accent5">
+                    <a:lumMod val="75000"/>
+                  </a:schemeClr>
+                </a:solidFill>
+              </a:endParaRPr>
+            </a:p>
+          </p:txBody>
+        </p:sp>
+      </p:grpSp>
+      <p:grpSp>
+        <p:nvGrpSpPr>
+          <p:cNvPr id="39" name="Group 38">
+            <a:extLst>
+              <a:ext uri="{FF2B5EF4-FFF2-40B4-BE49-F238E27FC236}">
+                <a16:creationId xmlns:a16="http://schemas.microsoft.com/office/drawing/2014/main" id="{7EFBAAF2-D47B-4F30-148F-6CC3BE0DC8C7}"/>
+              </a:ext>
+            </a:extLst>
+          </p:cNvPr>
+          <p:cNvGrpSpPr/>
+          <p:nvPr/>
+        </p:nvGrpSpPr>
+        <p:grpSpPr>
+          <a:xfrm>
+            <a:off x="4931920" y="5538986"/>
+            <a:ext cx="1835655" cy="523220"/>
+            <a:chOff x="4769871" y="5538986"/>
+            <a:chExt cx="1835655" cy="523220"/>
+          </a:xfrm>
+        </p:grpSpPr>
+        <p:sp>
+          <p:nvSpPr>
+            <p:cNvPr id="23" name="TextBox 22">
+              <a:extLst>
+                <a:ext uri="{FF2B5EF4-FFF2-40B4-BE49-F238E27FC236}">
+                  <a16:creationId xmlns:a16="http://schemas.microsoft.com/office/drawing/2014/main" id="{7FCFEDB2-A1C2-568F-8A5B-36CBADF9AB12}"/>
+                </a:ext>
+              </a:extLst>
+            </p:cNvPr>
+            <p:cNvSpPr txBox="1"/>
+            <p:nvPr/>
+          </p:nvSpPr>
+          <p:spPr>
+            <a:xfrm>
+              <a:off x="4769871" y="5538986"/>
+              <a:ext cx="1288214" cy="523220"/>
+            </a:xfrm>
+            <a:prstGeom prst="rect">
+              <a:avLst/>
+            </a:prstGeom>
+            <a:noFill/>
+          </p:spPr>
+          <p:txBody>
+            <a:bodyPr wrap="square">
+              <a:spAutoFit/>
+            </a:bodyPr>
+            <a:lstStyle/>
+            <a:p>
+              <a:pPr algn="ctr"/>
+              <a:r>
+                <a:rPr lang="en-US" sz="2800" u="sng" dirty="0"/>
+                <a:t>Watch</a:t>
+              </a:r>
+            </a:p>
+          </p:txBody>
+        </p:sp>
+        <p:sp>
+          <p:nvSpPr>
+            <p:cNvPr id="33" name="TextBox 32">
+              <a:extLst>
+                <a:ext uri="{FF2B5EF4-FFF2-40B4-BE49-F238E27FC236}">
+                  <a16:creationId xmlns:a16="http://schemas.microsoft.com/office/drawing/2014/main" id="{9578383C-FDD0-4967-D56F-7118F27A6088}"/>
+                </a:ext>
+              </a:extLst>
+            </p:cNvPr>
+            <p:cNvSpPr txBox="1"/>
+            <p:nvPr/>
+          </p:nvSpPr>
+          <p:spPr>
+            <a:xfrm rot="10800000">
+              <a:off x="5906565" y="5538986"/>
+              <a:ext cx="698961" cy="523220"/>
+            </a:xfrm>
+            <a:prstGeom prst="rect">
+              <a:avLst/>
+            </a:prstGeom>
+            <a:noFill/>
+          </p:spPr>
+          <p:txBody>
+            <a:bodyPr wrap="square">
+              <a:spAutoFit/>
+            </a:bodyPr>
+            <a:lstStyle/>
+            <a:p>
+              <a:r>
+                <a:rPr lang="en-US" sz="2800" dirty="0">
+                  <a:solidFill>
+                    <a:srgbClr val="FF0000"/>
+                  </a:solidFill>
+                  <a:sym typeface="Wingdings" pitchFamily="2" charset="2"/>
+                </a:rPr>
+                <a:t></a:t>
+              </a:r>
+              <a:endParaRPr lang="en-US" sz="2800" dirty="0">
+                <a:solidFill>
+                  <a:srgbClr val="FF0000"/>
+                </a:solidFill>
+              </a:endParaRPr>
+            </a:p>
+          </p:txBody>
+        </p:sp>
+      </p:grpSp>
+      <p:grpSp>
+        <p:nvGrpSpPr>
+          <p:cNvPr id="40" name="Group 39">
+            <a:extLst>
+              <a:ext uri="{FF2B5EF4-FFF2-40B4-BE49-F238E27FC236}">
+                <a16:creationId xmlns:a16="http://schemas.microsoft.com/office/drawing/2014/main" id="{45DCEF90-75EE-BB5C-076F-00E219ED9F28}"/>
+              </a:ext>
+            </a:extLst>
+          </p:cNvPr>
+          <p:cNvGrpSpPr/>
+          <p:nvPr/>
+        </p:nvGrpSpPr>
+        <p:grpSpPr>
+          <a:xfrm>
+            <a:off x="937130" y="5053147"/>
+            <a:ext cx="3816747" cy="1477328"/>
+            <a:chOff x="775081" y="5053147"/>
+            <a:chExt cx="3816747" cy="1477328"/>
+          </a:xfrm>
+        </p:grpSpPr>
+        <p:sp>
+          <p:nvSpPr>
+            <p:cNvPr id="28" name="TextBox 27">
+              <a:extLst>
+                <a:ext uri="{FF2B5EF4-FFF2-40B4-BE49-F238E27FC236}">
+                  <a16:creationId xmlns:a16="http://schemas.microsoft.com/office/drawing/2014/main" id="{C76EC732-49F1-9002-B258-2F6208E31CBA}"/>
+                </a:ext>
+              </a:extLst>
+            </p:cNvPr>
+            <p:cNvSpPr txBox="1"/>
+            <p:nvPr/>
+          </p:nvSpPr>
+          <p:spPr>
+            <a:xfrm>
+              <a:off x="775081" y="5053147"/>
+              <a:ext cx="3816747" cy="1200329"/>
+            </a:xfrm>
+            <a:prstGeom prst="rect">
+              <a:avLst/>
+            </a:prstGeom>
+            <a:solidFill>
+              <a:schemeClr val="bg1">
+                <a:lumMod val="95000"/>
+              </a:schemeClr>
+            </a:solidFill>
+            <a:effectLst>
+              <a:outerShdw blurRad="50800" dist="38100" dir="2700000" algn="tl" rotWithShape="0">
+                <a:prstClr val="black">
+                  <a:alpha val="40000"/>
+                </a:prstClr>
+              </a:outerShdw>
+            </a:effectLst>
+          </p:spPr>
+          <p:txBody>
+            <a:bodyPr wrap="square">
+              <a:spAutoFit/>
+            </a:bodyPr>
+            <a:lstStyle/>
+            <a:p>
+              <a:pPr algn="just"/>
+              <a:r>
+                <a:rPr lang="en-US" sz="900" b="1" i="0" dirty="0">
+                  <a:solidFill>
+                    <a:srgbClr val="000000"/>
+                  </a:solidFill>
+                  <a:effectLst/>
+                  <a:latin typeface="Raleway" panose="020F0502020204030204" pitchFamily="34" charset="0"/>
+                </a:rPr>
+                <a:t>Most often, we also want to monitor those resources and track events as they happen</a:t>
+              </a:r>
+              <a:r>
+                <a:rPr lang="en-US" sz="900" b="0" i="0" dirty="0">
+                  <a:solidFill>
+                    <a:srgbClr val="000000"/>
+                  </a:solidFill>
+                  <a:effectLst/>
+                  <a:latin typeface="Raleway" panose="020F0502020204030204" pitchFamily="34" charset="0"/>
+                </a:rPr>
+                <a:t>. For instance, </a:t>
+              </a:r>
+              <a:r>
+                <a:rPr lang="en-US" sz="900" b="0" i="0" dirty="0">
+                  <a:solidFill>
+                    <a:srgbClr val="FF0000"/>
+                  </a:solidFill>
+                  <a:effectLst/>
+                  <a:latin typeface="Raleway" panose="020F0502020204030204" pitchFamily="34" charset="0"/>
+                </a:rPr>
+                <a:t>we might be interested in tracking pod life cycle events or deployment status changes</a:t>
+              </a:r>
+              <a:r>
+                <a:rPr lang="en-US" sz="900" b="0" i="0" dirty="0">
+                  <a:solidFill>
+                    <a:srgbClr val="000000"/>
+                  </a:solidFill>
+                  <a:effectLst/>
+                  <a:latin typeface="Raleway" panose="020F0502020204030204" pitchFamily="34" charset="0"/>
+                </a:rPr>
+                <a:t>. While we </a:t>
+              </a:r>
+              <a:r>
+                <a:rPr lang="en-US" sz="900" b="0" i="0" dirty="0">
+                  <a:solidFill>
+                    <a:srgbClr val="FF0000"/>
+                  </a:solidFill>
+                  <a:effectLst/>
+                  <a:latin typeface="Raleway" panose="020F0502020204030204" pitchFamily="34" charset="0"/>
+                </a:rPr>
+                <a:t>could use polling</a:t>
+              </a:r>
+              <a:r>
+                <a:rPr lang="en-US" sz="900" b="0" i="0" dirty="0">
+                  <a:solidFill>
+                    <a:srgbClr val="000000"/>
+                  </a:solidFill>
+                  <a:effectLst/>
+                  <a:latin typeface="Raleway" panose="020F0502020204030204" pitchFamily="34" charset="0"/>
+                </a:rPr>
+                <a:t>, this approach would suffer from a few limitations. Firstly, it </a:t>
+              </a:r>
+              <a:r>
+                <a:rPr lang="en-US" sz="900" b="0" i="0" dirty="0">
+                  <a:solidFill>
+                    <a:srgbClr val="FF0000"/>
+                  </a:solidFill>
+                  <a:effectLst/>
+                  <a:latin typeface="Raleway" panose="020F0502020204030204" pitchFamily="34" charset="0"/>
+                </a:rPr>
+                <a:t>would not scale well as the number of resources to monitor increases</a:t>
+              </a:r>
+              <a:r>
+                <a:rPr lang="en-US" sz="900" b="0" i="0" dirty="0">
+                  <a:solidFill>
+                    <a:srgbClr val="000000"/>
+                  </a:solidFill>
+                  <a:effectLst/>
+                  <a:latin typeface="Raleway" panose="020F0502020204030204" pitchFamily="34" charset="0"/>
+                </a:rPr>
+                <a:t>. Secondly, we </a:t>
+              </a:r>
+              <a:r>
+                <a:rPr lang="en-US" sz="900" b="0" i="0" dirty="0">
+                  <a:solidFill>
+                    <a:srgbClr val="FF0000"/>
+                  </a:solidFill>
+                  <a:effectLst/>
+                  <a:latin typeface="Raleway" panose="020F0502020204030204" pitchFamily="34" charset="0"/>
+                </a:rPr>
+                <a:t>risk losing events that happen to occur between polling cycles</a:t>
+              </a:r>
+              <a:r>
+                <a:rPr lang="en-US" sz="900" b="0" i="0" dirty="0">
+                  <a:solidFill>
+                    <a:srgbClr val="000000"/>
+                  </a:solidFill>
+                  <a:effectLst/>
+                  <a:latin typeface="Raleway" panose="020F0502020204030204" pitchFamily="34" charset="0"/>
+                </a:rPr>
+                <a:t>.</a:t>
+              </a:r>
+            </a:p>
+            <a:p>
+              <a:pPr algn="just"/>
+              <a:r>
+                <a:rPr lang="en-US" sz="900" b="0" i="0" dirty="0">
+                  <a:solidFill>
+                    <a:srgbClr val="000000"/>
+                  </a:solidFill>
+                  <a:effectLst/>
+                  <a:latin typeface="Raleway" panose="020F0502020204030204" pitchFamily="34" charset="0"/>
+                </a:rPr>
+                <a:t>To address those issues, Kubernetes has the concept of </a:t>
+              </a:r>
+              <a:r>
+                <a:rPr lang="en-US" sz="900" b="0" i="1" dirty="0">
+                  <a:solidFill>
+                    <a:srgbClr val="000000"/>
+                  </a:solidFill>
+                  <a:effectLst/>
+                  <a:latin typeface="Raleway" panose="020F0502020204030204" pitchFamily="34" charset="0"/>
+                </a:rPr>
+                <a:t>Watches, </a:t>
+              </a:r>
+              <a:endParaRPr lang="en-US" sz="900" b="0" i="0" dirty="0">
+                <a:solidFill>
+                  <a:srgbClr val="000000"/>
+                </a:solidFill>
+                <a:effectLst/>
+                <a:latin typeface="Raleway" panose="020F0502020204030204" pitchFamily="34" charset="0"/>
+              </a:endParaRPr>
+            </a:p>
+          </p:txBody>
+        </p:sp>
+        <p:sp>
+          <p:nvSpPr>
+            <p:cNvPr id="34" name="TextBox 33">
+              <a:extLst>
+                <a:ext uri="{FF2B5EF4-FFF2-40B4-BE49-F238E27FC236}">
+                  <a16:creationId xmlns:a16="http://schemas.microsoft.com/office/drawing/2014/main" id="{361A6DDF-543E-D432-F37A-EBD84EDE2990}"/>
+                </a:ext>
+              </a:extLst>
+            </p:cNvPr>
+            <p:cNvSpPr txBox="1"/>
+            <p:nvPr/>
+          </p:nvSpPr>
+          <p:spPr>
+            <a:xfrm>
+              <a:off x="4068472" y="6253476"/>
+              <a:ext cx="405880" cy="276999"/>
+            </a:xfrm>
+            <a:prstGeom prst="rect">
+              <a:avLst/>
+            </a:prstGeom>
+            <a:noFill/>
+          </p:spPr>
+          <p:txBody>
+            <a:bodyPr wrap="none" rtlCol="0">
+              <a:spAutoFit/>
+            </a:bodyPr>
+            <a:lstStyle/>
+            <a:p>
+              <a:r>
+                <a:rPr lang="en-US" sz="1200" dirty="0">
+                  <a:hlinkClick r:id="rId2"/>
+                </a:rPr>
+                <a:t>link</a:t>
+              </a:r>
+              <a:endParaRPr lang="en-US" sz="1200" dirty="0"/>
+            </a:p>
+          </p:txBody>
+        </p:sp>
+      </p:grpSp>
+      <p:sp>
+        <p:nvSpPr>
+          <p:cNvPr id="41" name="TextBox 40">
+            <a:extLst>
+              <a:ext uri="{FF2B5EF4-FFF2-40B4-BE49-F238E27FC236}">
+                <a16:creationId xmlns:a16="http://schemas.microsoft.com/office/drawing/2014/main" id="{5499055C-9D50-BE76-77EC-16ECB5151A5F}"/>
+              </a:ext>
+            </a:extLst>
+          </p:cNvPr>
+          <p:cNvSpPr txBox="1"/>
+          <p:nvPr/>
+        </p:nvSpPr>
+        <p:spPr>
+          <a:xfrm>
+            <a:off x="380469" y="3743622"/>
+            <a:ext cx="2630015" cy="646331"/>
+          </a:xfrm>
+          <a:prstGeom prst="rect">
+            <a:avLst/>
+          </a:prstGeom>
+          <a:noFill/>
+        </p:spPr>
+        <p:txBody>
+          <a:bodyPr wrap="none" rtlCol="0">
+            <a:spAutoFit/>
+          </a:bodyPr>
+          <a:lstStyle/>
+          <a:p>
+            <a:r>
+              <a:rPr lang="en-US" i="1" dirty="0">
+                <a:solidFill>
+                  <a:srgbClr val="C00000"/>
+                </a:solidFill>
+              </a:rPr>
+              <a:t>Do we have a better idea?</a:t>
+            </a:r>
+          </a:p>
+          <a:p>
+            <a:pPr marL="285750" indent="-285750">
+              <a:buFont typeface="Arial" panose="020B0604020202020204" pitchFamily="34" charset="0"/>
+              <a:buChar char="•"/>
+            </a:pPr>
+            <a:r>
+              <a:rPr lang="en-US" i="1" dirty="0">
+                <a:solidFill>
+                  <a:srgbClr val="C00000"/>
+                </a:solidFill>
+              </a:rPr>
+              <a:t>If no, live with watch</a:t>
+            </a:r>
+          </a:p>
+        </p:txBody>
+      </p:sp>
+      <p:sp>
+        <p:nvSpPr>
+          <p:cNvPr id="5" name="TextBox 4">
+            <a:extLst>
+              <a:ext uri="{FF2B5EF4-FFF2-40B4-BE49-F238E27FC236}">
+                <a16:creationId xmlns:a16="http://schemas.microsoft.com/office/drawing/2014/main" id="{141348F1-5597-79CC-DDA3-C2CFF522003B}"/>
+              </a:ext>
+            </a:extLst>
+          </p:cNvPr>
+          <p:cNvSpPr txBox="1"/>
+          <p:nvPr/>
+        </p:nvSpPr>
+        <p:spPr>
+          <a:xfrm>
+            <a:off x="8365067" y="158248"/>
+            <a:ext cx="184731" cy="369332"/>
+          </a:xfrm>
+          <a:prstGeom prst="rect">
+            <a:avLst/>
+          </a:prstGeom>
+          <a:noFill/>
+        </p:spPr>
+        <p:txBody>
+          <a:bodyPr wrap="none" rtlCol="0">
+            <a:spAutoFit/>
+          </a:bodyPr>
+          <a:lstStyle/>
+          <a:p>
+            <a:endParaRPr lang="en-US" dirty="0"/>
+          </a:p>
+        </p:txBody>
+      </p:sp>
+    </p:spTree>
+    <p:extLst>
+      <p:ext uri="{BB962C8B-B14F-4D97-AF65-F5344CB8AC3E}">
+        <p14:creationId xmlns:p14="http://schemas.microsoft.com/office/powerpoint/2010/main" val="2301691728"/>
+      </p:ext>
+    </p:extLst>
+  </p:cSld>
+  <p:clrMapOvr>
+    <a:masterClrMapping/>
+  </p:clrMapOvr>
+  <p:timing>
+    <p:tnLst>
+      <p:par>
+        <p:cTn id="1" dur="indefinite" restart="never" nodeType="tmRoot">
+          <p:childTnLst>
+            <p:seq concurrent="1" nextAc="seek">
+              <p:cTn id="2" dur="indefinite" nodeType="mainSeq">
+                <p:childTnLst>
+                  <p:par>
+                    <p:cTn id="3" fill="hold">
+                      <p:stCondLst>
+                        <p:cond delay="indefinite"/>
+                      </p:stCondLst>
+                      <p:childTnLst>
+                        <p:par>
+                          <p:cTn id="4" fill="hold">
+                            <p:stCondLst>
+                              <p:cond delay="0"/>
+                            </p:stCondLst>
+                            <p:childTnLst>
+                              <p:par>
+                                <p:cTn id="5" presetID="1" presetClass="entr" presetSubtype="0" fill="hold" grpId="0" nodeType="clickEffect">
+                                  <p:stCondLst>
+                                    <p:cond delay="0"/>
+                                  </p:stCondLst>
+                                  <p:childTnLst>
+                                    <p:set>
+                                      <p:cBhvr>
+                                        <p:cTn id="6" dur="1" fill="hold">
+                                          <p:stCondLst>
+                                            <p:cond delay="0"/>
+                                          </p:stCondLst>
+                                        </p:cTn>
+                                        <p:tgtEl>
+                                          <p:spTgt spid="9"/>
+                                        </p:tgtEl>
+                                        <p:attrNameLst>
+                                          <p:attrName>style.visibility</p:attrName>
+                                        </p:attrNameLst>
+                                      </p:cBhvr>
+                                      <p:to>
+                                        <p:strVal val="visible"/>
+                                      </p:to>
+                                    </p:set>
+                                  </p:childTnLst>
+                                </p:cTn>
+                              </p:par>
+                            </p:childTnLst>
+                          </p:cTn>
+                        </p:par>
+                      </p:childTnLst>
+                    </p:cTn>
+                  </p:par>
+                  <p:par>
+                    <p:cTn id="7" fill="hold">
+                      <p:stCondLst>
+                        <p:cond delay="indefinite"/>
+                      </p:stCondLst>
+                      <p:childTnLst>
+                        <p:par>
+                          <p:cTn id="8" fill="hold">
+                            <p:stCondLst>
+                              <p:cond delay="0"/>
+                            </p:stCondLst>
+                            <p:childTnLst>
+                              <p:par>
+                                <p:cTn id="9" presetID="1" presetClass="entr" presetSubtype="0" fill="hold" nodeType="clickEffect">
+                                  <p:stCondLst>
+                                    <p:cond delay="0"/>
+                                  </p:stCondLst>
+                                  <p:childTnLst>
+                                    <p:set>
+                                      <p:cBhvr>
+                                        <p:cTn id="10" dur="1" fill="hold">
+                                          <p:stCondLst>
+                                            <p:cond delay="0"/>
+                                          </p:stCondLst>
+                                        </p:cTn>
+                                        <p:tgtEl>
+                                          <p:spTgt spid="35"/>
+                                        </p:tgtEl>
+                                        <p:attrNameLst>
+                                          <p:attrName>style.visibility</p:attrName>
+                                        </p:attrNameLst>
+                                      </p:cBhvr>
+                                      <p:to>
+                                        <p:strVal val="visible"/>
+                                      </p:to>
+                                    </p:set>
+                                  </p:childTnLst>
+                                </p:cTn>
+                              </p:par>
+                            </p:childTnLst>
+                          </p:cTn>
+                        </p:par>
+                      </p:childTnLst>
+                    </p:cTn>
+                  </p:par>
+                  <p:par>
+                    <p:cTn id="11" fill="hold">
+                      <p:stCondLst>
+                        <p:cond delay="indefinite"/>
+                      </p:stCondLst>
+                      <p:childTnLst>
+                        <p:par>
+                          <p:cTn id="12" fill="hold">
+                            <p:stCondLst>
+                              <p:cond delay="0"/>
+                            </p:stCondLst>
+                            <p:childTnLst>
+                              <p:par>
+                                <p:cTn id="13" presetID="1" presetClass="entr" presetSubtype="0" fill="hold" nodeType="clickEffect">
+                                  <p:stCondLst>
+                                    <p:cond delay="0"/>
+                                  </p:stCondLst>
+                                  <p:childTnLst>
+                                    <p:set>
+                                      <p:cBhvr>
+                                        <p:cTn id="14" dur="1" fill="hold">
+                                          <p:stCondLst>
+                                            <p:cond delay="0"/>
+                                          </p:stCondLst>
+                                        </p:cTn>
+                                        <p:tgtEl>
+                                          <p:spTgt spid="36"/>
+                                        </p:tgtEl>
+                                        <p:attrNameLst>
+                                          <p:attrName>style.visibility</p:attrName>
+                                        </p:attrNameLst>
+                                      </p:cBhvr>
+                                      <p:to>
+                                        <p:strVal val="visible"/>
+                                      </p:to>
+                                    </p:set>
+                                  </p:childTnLst>
+                                </p:cTn>
+                              </p:par>
+                            </p:childTnLst>
+                          </p:cTn>
+                        </p:par>
+                      </p:childTnLst>
+                    </p:cTn>
+                  </p:par>
+                  <p:par>
+                    <p:cTn id="15" fill="hold">
+                      <p:stCondLst>
+                        <p:cond delay="indefinite"/>
+                      </p:stCondLst>
+                      <p:childTnLst>
+                        <p:par>
+                          <p:cTn id="16" fill="hold">
+                            <p:stCondLst>
+                              <p:cond delay="0"/>
+                            </p:stCondLst>
+                            <p:childTnLst>
+                              <p:par>
+                                <p:cTn id="17" presetID="1" presetClass="entr" presetSubtype="0" fill="hold" grpId="0" nodeType="clickEffect">
+                                  <p:stCondLst>
+                                    <p:cond delay="0"/>
+                                  </p:stCondLst>
+                                  <p:childTnLst>
+                                    <p:set>
+                                      <p:cBhvr>
+                                        <p:cTn id="18" dur="1" fill="hold">
+                                          <p:stCondLst>
+                                            <p:cond delay="0"/>
+                                          </p:stCondLst>
+                                        </p:cTn>
+                                        <p:tgtEl>
+                                          <p:spTgt spid="8"/>
+                                        </p:tgtEl>
+                                        <p:attrNameLst>
+                                          <p:attrName>style.visibility</p:attrName>
+                                        </p:attrNameLst>
+                                      </p:cBhvr>
+                                      <p:to>
+                                        <p:strVal val="visible"/>
+                                      </p:to>
+                                    </p:set>
+                                  </p:childTnLst>
+                                </p:cTn>
+                              </p:par>
+                            </p:childTnLst>
+                          </p:cTn>
+                        </p:par>
+                      </p:childTnLst>
+                    </p:cTn>
+                  </p:par>
+                  <p:par>
+                    <p:cTn id="19" fill="hold">
+                      <p:stCondLst>
+                        <p:cond delay="indefinite"/>
+                      </p:stCondLst>
+                      <p:childTnLst>
+                        <p:par>
+                          <p:cTn id="20" fill="hold">
+                            <p:stCondLst>
+                              <p:cond delay="0"/>
+                            </p:stCondLst>
+                            <p:childTnLst>
+                              <p:par>
+                                <p:cTn id="21" presetID="1" presetClass="entr" presetSubtype="0" fill="hold" grpId="0" nodeType="clickEffect">
+                                  <p:stCondLst>
+                                    <p:cond delay="0"/>
+                                  </p:stCondLst>
+                                  <p:childTnLst>
+                                    <p:set>
+                                      <p:cBhvr>
+                                        <p:cTn id="22" dur="1" fill="hold">
+                                          <p:stCondLst>
+                                            <p:cond delay="0"/>
+                                          </p:stCondLst>
+                                        </p:cTn>
+                                        <p:tgtEl>
+                                          <p:spTgt spid="3"/>
+                                        </p:tgtEl>
+                                        <p:attrNameLst>
+                                          <p:attrName>style.visibility</p:attrName>
+                                        </p:attrNameLst>
+                                      </p:cBhvr>
+                                      <p:to>
+                                        <p:strVal val="visible"/>
+                                      </p:to>
+                                    </p:set>
+                                  </p:childTnLst>
+                                </p:cTn>
+                              </p:par>
+                            </p:childTnLst>
+                          </p:cTn>
+                        </p:par>
+                      </p:childTnLst>
+                    </p:cTn>
+                  </p:par>
+                  <p:par>
+                    <p:cTn id="23" fill="hold">
+                      <p:stCondLst>
+                        <p:cond delay="indefinite"/>
+                      </p:stCondLst>
+                      <p:childTnLst>
+                        <p:par>
+                          <p:cTn id="24" fill="hold">
+                            <p:stCondLst>
+                              <p:cond delay="0"/>
+                            </p:stCondLst>
+                            <p:childTnLst>
+                              <p:par>
+                                <p:cTn id="25" presetID="1" presetClass="entr" presetSubtype="0" fill="hold" grpId="0" nodeType="clickEffect">
+                                  <p:stCondLst>
+                                    <p:cond delay="0"/>
+                                  </p:stCondLst>
+                                  <p:childTnLst>
+                                    <p:set>
+                                      <p:cBhvr>
+                                        <p:cTn id="26" dur="1" fill="hold">
+                                          <p:stCondLst>
+                                            <p:cond delay="0"/>
+                                          </p:stCondLst>
+                                        </p:cTn>
+                                        <p:tgtEl>
+                                          <p:spTgt spid="11"/>
+                                        </p:tgtEl>
+                                        <p:attrNameLst>
+                                          <p:attrName>style.visibility</p:attrName>
+                                        </p:attrNameLst>
+                                      </p:cBhvr>
+                                      <p:to>
+                                        <p:strVal val="visible"/>
+                                      </p:to>
+                                    </p:set>
+                                  </p:childTnLst>
+                                </p:cTn>
+                              </p:par>
+                            </p:childTnLst>
+                          </p:cTn>
+                        </p:par>
+                      </p:childTnLst>
+                    </p:cTn>
+                  </p:par>
+                  <p:par>
+                    <p:cTn id="27" fill="hold">
+                      <p:stCondLst>
+                        <p:cond delay="indefinite"/>
+                      </p:stCondLst>
+                      <p:childTnLst>
+                        <p:par>
+                          <p:cTn id="28" fill="hold">
+                            <p:stCondLst>
+                              <p:cond delay="0"/>
+                            </p:stCondLst>
+                            <p:childTnLst>
+                              <p:par>
+                                <p:cTn id="29" presetID="1" presetClass="entr" presetSubtype="0" fill="hold" nodeType="clickEffect">
+                                  <p:stCondLst>
+                                    <p:cond delay="0"/>
+                                  </p:stCondLst>
+                                  <p:childTnLst>
+                                    <p:set>
+                                      <p:cBhvr>
+                                        <p:cTn id="30" dur="1" fill="hold">
+                                          <p:stCondLst>
+                                            <p:cond delay="0"/>
+                                          </p:stCondLst>
+                                        </p:cTn>
+                                        <p:tgtEl>
+                                          <p:spTgt spid="37"/>
+                                        </p:tgtEl>
+                                        <p:attrNameLst>
+                                          <p:attrName>style.visibility</p:attrName>
+                                        </p:attrNameLst>
+                                      </p:cBhvr>
+                                      <p:to>
+                                        <p:strVal val="visible"/>
+                                      </p:to>
+                                    </p:set>
+                                  </p:childTnLst>
+                                </p:cTn>
+                              </p:par>
+                            </p:childTnLst>
+                          </p:cTn>
+                        </p:par>
+                      </p:childTnLst>
+                    </p:cTn>
+                  </p:par>
+                  <p:par>
+                    <p:cTn id="31" fill="hold">
+                      <p:stCondLst>
+                        <p:cond delay="indefinite"/>
+                      </p:stCondLst>
+                      <p:childTnLst>
+                        <p:par>
+                          <p:cTn id="32" fill="hold">
+                            <p:stCondLst>
+                              <p:cond delay="0"/>
+                            </p:stCondLst>
+                            <p:childTnLst>
+                              <p:par>
+                                <p:cTn id="33" presetID="1" presetClass="entr" presetSubtype="0" fill="hold" nodeType="clickEffect">
+                                  <p:stCondLst>
+                                    <p:cond delay="0"/>
+                                  </p:stCondLst>
+                                  <p:childTnLst>
+                                    <p:set>
+                                      <p:cBhvr>
+                                        <p:cTn id="34" dur="1" fill="hold">
+                                          <p:stCondLst>
+                                            <p:cond delay="0"/>
+                                          </p:stCondLst>
+                                        </p:cTn>
+                                        <p:tgtEl>
+                                          <p:spTgt spid="38"/>
+                                        </p:tgtEl>
+                                        <p:attrNameLst>
+                                          <p:attrName>style.visibility</p:attrName>
+                                        </p:attrNameLst>
+                                      </p:cBhvr>
+                                      <p:to>
+                                        <p:strVal val="visible"/>
+                                      </p:to>
+                                    </p:set>
+                                  </p:childTnLst>
+                                </p:cTn>
+                              </p:par>
+                            </p:childTnLst>
+                          </p:cTn>
+                        </p:par>
+                      </p:childTnLst>
+                    </p:cTn>
+                  </p:par>
+                  <p:par>
+                    <p:cTn id="35" fill="hold">
+                      <p:stCondLst>
+                        <p:cond delay="indefinite"/>
+                      </p:stCondLst>
+                      <p:childTnLst>
+                        <p:par>
+                          <p:cTn id="36" fill="hold">
+                            <p:stCondLst>
+                              <p:cond delay="0"/>
+                            </p:stCondLst>
+                            <p:childTnLst>
+                              <p:par>
+                                <p:cTn id="37" presetID="1" presetClass="entr" presetSubtype="0" fill="hold" nodeType="clickEffect">
+                                  <p:stCondLst>
+                                    <p:cond delay="0"/>
+                                  </p:stCondLst>
+                                  <p:childTnLst>
+                                    <p:set>
+                                      <p:cBhvr>
+                                        <p:cTn id="38" dur="1" fill="hold">
+                                          <p:stCondLst>
+                                            <p:cond delay="0"/>
+                                          </p:stCondLst>
+                                        </p:cTn>
+                                        <p:tgtEl>
+                                          <p:spTgt spid="39"/>
+                                        </p:tgtEl>
+                                        <p:attrNameLst>
+                                          <p:attrName>style.visibility</p:attrName>
+                                        </p:attrNameLst>
+                                      </p:cBhvr>
+                                      <p:to>
+                                        <p:strVal val="visible"/>
+                                      </p:to>
+                                    </p:set>
+                                  </p:childTnLst>
+                                </p:cTn>
+                              </p:par>
+                            </p:childTnLst>
+                          </p:cTn>
+                        </p:par>
+                      </p:childTnLst>
+                    </p:cTn>
+                  </p:par>
+                  <p:par>
+                    <p:cTn id="39" fill="hold">
+                      <p:stCondLst>
+                        <p:cond delay="indefinite"/>
+                      </p:stCondLst>
+                      <p:childTnLst>
+                        <p:par>
+                          <p:cTn id="40" fill="hold">
+                            <p:stCondLst>
+                              <p:cond delay="0"/>
+                            </p:stCondLst>
+                            <p:childTnLst>
+                              <p:par>
+                                <p:cTn id="41" presetID="1" presetClass="entr" presetSubtype="0" fill="hold" nodeType="clickEffect">
+                                  <p:stCondLst>
+                                    <p:cond delay="0"/>
+                                  </p:stCondLst>
+                                  <p:childTnLst>
+                                    <p:set>
+                                      <p:cBhvr>
+                                        <p:cTn id="42" dur="1" fill="hold">
+                                          <p:stCondLst>
+                                            <p:cond delay="0"/>
+                                          </p:stCondLst>
+                                        </p:cTn>
+                                        <p:tgtEl>
+                                          <p:spTgt spid="40"/>
+                                        </p:tgtEl>
+                                        <p:attrNameLst>
+                                          <p:attrName>style.visibility</p:attrName>
+                                        </p:attrNameLst>
+                                      </p:cBhvr>
+                                      <p:to>
+                                        <p:strVal val="visible"/>
+                                      </p:to>
+                                    </p:set>
+                                  </p:childTnLst>
+                                </p:cTn>
+                              </p:par>
+                            </p:childTnLst>
+                          </p:cTn>
+                        </p:par>
+                      </p:childTnLst>
+                    </p:cTn>
+                  </p:par>
+                  <p:par>
+                    <p:cTn id="43" fill="hold">
+                      <p:stCondLst>
+                        <p:cond delay="indefinite"/>
+                      </p:stCondLst>
+                      <p:childTnLst>
+                        <p:par>
+                          <p:cTn id="44" fill="hold">
+                            <p:stCondLst>
+                              <p:cond delay="0"/>
+                            </p:stCondLst>
+                            <p:childTnLst>
+                              <p:par>
+                                <p:cTn id="45" presetID="1" presetClass="entr" presetSubtype="0" fill="hold" nodeType="clickEffect">
+                                  <p:stCondLst>
+                                    <p:cond delay="0"/>
+                                  </p:stCondLst>
+                                  <p:childTnLst>
+                                    <p:set>
+                                      <p:cBhvr>
+                                        <p:cTn id="46" dur="1" fill="hold">
+                                          <p:stCondLst>
+                                            <p:cond delay="0"/>
+                                          </p:stCondLst>
+                                        </p:cTn>
+                                        <p:tgtEl>
+                                          <p:spTgt spid="41">
+                                            <p:txEl>
+                                              <p:pRg st="0" end="0"/>
+                                            </p:txEl>
+                                          </p:spTgt>
+                                        </p:tgtEl>
+                                        <p:attrNameLst>
+                                          <p:attrName>style.visibility</p:attrName>
+                                        </p:attrNameLst>
+                                      </p:cBhvr>
+                                      <p:to>
+                                        <p:strVal val="visible"/>
+                                      </p:to>
+                                    </p:set>
+                                  </p:childTnLst>
+                                </p:cTn>
+                              </p:par>
+                            </p:childTnLst>
+                          </p:cTn>
+                        </p:par>
+                      </p:childTnLst>
+                    </p:cTn>
+                  </p:par>
+                  <p:par>
+                    <p:cTn id="47" fill="hold">
+                      <p:stCondLst>
+                        <p:cond delay="indefinite"/>
+                      </p:stCondLst>
+                      <p:childTnLst>
+                        <p:par>
+                          <p:cTn id="48" fill="hold">
+                            <p:stCondLst>
+                              <p:cond delay="0"/>
+                            </p:stCondLst>
+                            <p:childTnLst>
+                              <p:par>
+                                <p:cTn id="49" presetID="1" presetClass="entr" presetSubtype="0" fill="hold" nodeType="clickEffect">
+                                  <p:stCondLst>
+                                    <p:cond delay="0"/>
+                                  </p:stCondLst>
+                                  <p:childTnLst>
+                                    <p:set>
+                                      <p:cBhvr>
+                                        <p:cTn id="50" dur="1" fill="hold">
+                                          <p:stCondLst>
+                                            <p:cond delay="0"/>
+                                          </p:stCondLst>
+                                        </p:cTn>
+                                        <p:tgtEl>
+                                          <p:spTgt spid="41">
+                                            <p:txEl>
+                                              <p:pRg st="1" end="1"/>
+                                            </p:txEl>
+                                          </p:spTgt>
+                                        </p:tgtEl>
+                                        <p:attrNameLst>
+                                          <p:attrName>style.visibility</p:attrName>
+                                        </p:attrNameLst>
+                                      </p:cBhvr>
+                                      <p:to>
+                                        <p:strVal val="visible"/>
+                                      </p:to>
+                                    </p:set>
+                                  </p:childTnLst>
+                                </p:cTn>
+                              </p:par>
+                            </p:childTnLst>
+                          </p:cTn>
+                        </p:par>
+                      </p:childTnLst>
+                    </p:cTn>
+                  </p:par>
+                </p:childTnLst>
+              </p:cTn>
+              <p:prevCondLst>
+                <p:cond evt="onPrev" delay="0">
+                  <p:tgtEl>
+                    <p:sldTgt/>
+                  </p:tgtEl>
+                </p:cond>
+              </p:prevCondLst>
+              <p:nextCondLst>
+                <p:cond evt="onNext" delay="0">
+                  <p:tgtEl>
+                    <p:sldTgt/>
+                  </p:tgtEl>
+                </p:cond>
+              </p:nextCondLst>
+            </p:seq>
+          </p:childTnLst>
+        </p:cTn>
+      </p:par>
+    </p:tnLst>
+    <p:bldLst>
+      <p:bldP spid="8" grpId="0"/>
+      <p:bldP spid="3" grpId="0" animBg="1"/>
+      <p:bldP spid="11" grpId="0"/>
+      <p:bldP spid="9" grpId="0"/>
+    </p:bldLst>
+  </p:timing>
+</p:sld>
+</file>
+
+<file path=ppt/slides/slide2.xml><?xml version="1.0" encoding="utf-8"?>
 <p:sld xmlns:a="http://schemas.openxmlformats.org/drawingml/2006/main" xmlns:r="http://schemas.openxmlformats.org/officeDocument/2006/relationships" xmlns:p="http://schemas.openxmlformats.org/presentationml/2006/main">
   <p:cSld>
     <p:spTree>
@@ -5320,7 +7088,573 @@
 </p:sld>
 </file>
 
-<file path=ppt/slides/slide2.xml><?xml version="1.0" encoding="utf-8"?>
+<file path=ppt/slides/slide3.xml><?xml version="1.0" encoding="utf-8"?>
+<p:sld xmlns:a="http://schemas.openxmlformats.org/drawingml/2006/main" xmlns:r="http://schemas.openxmlformats.org/officeDocument/2006/relationships" xmlns:p="http://schemas.openxmlformats.org/presentationml/2006/main">
+  <p:cSld>
+    <p:spTree>
+      <p:nvGrpSpPr>
+        <p:cNvPr id="1" name=""/>
+        <p:cNvGrpSpPr/>
+        <p:nvPr/>
+      </p:nvGrpSpPr>
+      <p:grpSpPr>
+        <a:xfrm>
+          <a:off x="0" y="0"/>
+          <a:ext cx="0" cy="0"/>
+          <a:chOff x="0" y="0"/>
+          <a:chExt cx="0" cy="0"/>
+        </a:xfrm>
+      </p:grpSpPr>
+      <p:sp>
+        <p:nvSpPr>
+          <p:cNvPr id="2" name="Title 1">
+            <a:extLst>
+              <a:ext uri="{FF2B5EF4-FFF2-40B4-BE49-F238E27FC236}">
+                <a16:creationId xmlns:a16="http://schemas.microsoft.com/office/drawing/2014/main" id="{C5B620AE-2E02-2C5A-2013-92CA764A0AFD}"/>
+              </a:ext>
+            </a:extLst>
+          </p:cNvPr>
+          <p:cNvSpPr>
+            <a:spLocks noGrp="1"/>
+          </p:cNvSpPr>
+          <p:nvPr>
+            <p:ph type="title"/>
+          </p:nvPr>
+        </p:nvSpPr>
+        <p:spPr/>
+        <p:txBody>
+          <a:bodyPr/>
+          <a:lstStyle/>
+          <a:p>
+            <a:r>
+              <a:rPr lang="en-US" dirty="0"/>
+              <a:t>ETCD Storage KV</a:t>
+            </a:r>
+          </a:p>
+        </p:txBody>
+      </p:sp>
+      <p:grpSp>
+        <p:nvGrpSpPr>
+          <p:cNvPr id="25" name="Group 24">
+            <a:extLst>
+              <a:ext uri="{FF2B5EF4-FFF2-40B4-BE49-F238E27FC236}">
+                <a16:creationId xmlns:a16="http://schemas.microsoft.com/office/drawing/2014/main" id="{A8A6831E-C324-88FC-053B-FE3CC75FD341}"/>
+              </a:ext>
+            </a:extLst>
+          </p:cNvPr>
+          <p:cNvGrpSpPr/>
+          <p:nvPr/>
+        </p:nvGrpSpPr>
+        <p:grpSpPr>
+          <a:xfrm>
+            <a:off x="991889" y="2491862"/>
+            <a:ext cx="11866134" cy="2077095"/>
+            <a:chOff x="1706593" y="2554924"/>
+            <a:chExt cx="11866134" cy="2077095"/>
+          </a:xfrm>
+        </p:grpSpPr>
+        <p:sp>
+          <p:nvSpPr>
+            <p:cNvPr id="10" name="TextBox 9">
+              <a:extLst>
+                <a:ext uri="{FF2B5EF4-FFF2-40B4-BE49-F238E27FC236}">
+                  <a16:creationId xmlns:a16="http://schemas.microsoft.com/office/drawing/2014/main" id="{92EE8560-4A48-C552-FF92-09F89BD002D8}"/>
+                </a:ext>
+              </a:extLst>
+            </p:cNvPr>
+            <p:cNvSpPr txBox="1"/>
+            <p:nvPr/>
+          </p:nvSpPr>
+          <p:spPr>
+            <a:xfrm>
+              <a:off x="1706593" y="3122684"/>
+              <a:ext cx="1063717" cy="369332"/>
+            </a:xfrm>
+            <a:prstGeom prst="rect">
+              <a:avLst/>
+            </a:prstGeom>
+            <a:noFill/>
+          </p:spPr>
+          <p:txBody>
+            <a:bodyPr wrap="square">
+              <a:spAutoFit/>
+            </a:bodyPr>
+            <a:lstStyle/>
+            <a:p>
+              <a:r>
+                <a:rPr lang="en-US" b="1" dirty="0">
+                  <a:solidFill>
+                    <a:schemeClr val="accent5">
+                      <a:lumMod val="75000"/>
+                    </a:schemeClr>
+                  </a:solidFill>
+                </a:rPr>
+                <a:t>Data Key </a:t>
+              </a:r>
+            </a:p>
+          </p:txBody>
+        </p:sp>
+        <p:sp>
+          <p:nvSpPr>
+            <p:cNvPr id="11" name="TextBox 10">
+              <a:extLst>
+                <a:ext uri="{FF2B5EF4-FFF2-40B4-BE49-F238E27FC236}">
+                  <a16:creationId xmlns:a16="http://schemas.microsoft.com/office/drawing/2014/main" id="{28716722-B656-80DD-04AC-91A10C100517}"/>
+                </a:ext>
+              </a:extLst>
+            </p:cNvPr>
+            <p:cNvSpPr txBox="1"/>
+            <p:nvPr/>
+          </p:nvSpPr>
+          <p:spPr>
+            <a:xfrm>
+              <a:off x="3985595" y="3122684"/>
+              <a:ext cx="1326325" cy="369332"/>
+            </a:xfrm>
+            <a:prstGeom prst="rect">
+              <a:avLst/>
+            </a:prstGeom>
+            <a:noFill/>
+          </p:spPr>
+          <p:txBody>
+            <a:bodyPr wrap="none" rtlCol="0">
+              <a:spAutoFit/>
+            </a:bodyPr>
+            <a:lstStyle/>
+            <a:p>
+              <a:r>
+                <a:rPr lang="en-US" b="1" i="1" dirty="0">
+                  <a:solidFill>
+                    <a:srgbClr val="FF0000"/>
+                  </a:solidFill>
+                </a:rPr>
+                <a:t>Storage Key</a:t>
+              </a:r>
+            </a:p>
+          </p:txBody>
+        </p:sp>
+        <p:sp>
+          <p:nvSpPr>
+            <p:cNvPr id="12" name="TextBox 11">
+              <a:extLst>
+                <a:ext uri="{FF2B5EF4-FFF2-40B4-BE49-F238E27FC236}">
+                  <a16:creationId xmlns:a16="http://schemas.microsoft.com/office/drawing/2014/main" id="{1DC633C7-6945-8209-DFB1-AE12E4FF09A0}"/>
+                </a:ext>
+              </a:extLst>
+            </p:cNvPr>
+            <p:cNvSpPr txBox="1"/>
+            <p:nvPr/>
+          </p:nvSpPr>
+          <p:spPr>
+            <a:xfrm>
+              <a:off x="1985557" y="3724732"/>
+              <a:ext cx="717889" cy="338554"/>
+            </a:xfrm>
+            <a:prstGeom prst="rect">
+              <a:avLst/>
+            </a:prstGeom>
+            <a:noFill/>
+          </p:spPr>
+          <p:txBody>
+            <a:bodyPr wrap="none" rtlCol="0">
+              <a:spAutoFit/>
+            </a:bodyPr>
+            <a:lstStyle/>
+            <a:p>
+              <a:r>
+                <a:rPr lang="en-US" sz="1600" i="1" dirty="0"/>
+                <a:t>/a/b/c</a:t>
+              </a:r>
+            </a:p>
+          </p:txBody>
+        </p:sp>
+        <p:sp>
+          <p:nvSpPr>
+            <p:cNvPr id="13" name="TextBox 12">
+              <a:extLst>
+                <a:ext uri="{FF2B5EF4-FFF2-40B4-BE49-F238E27FC236}">
+                  <a16:creationId xmlns:a16="http://schemas.microsoft.com/office/drawing/2014/main" id="{78550F3A-779C-2ABB-1331-86D772D2361A}"/>
+                </a:ext>
+              </a:extLst>
+            </p:cNvPr>
+            <p:cNvSpPr txBox="1"/>
+            <p:nvPr/>
+          </p:nvSpPr>
+          <p:spPr>
+            <a:xfrm>
+              <a:off x="3742386" y="3788493"/>
+              <a:ext cx="2392410" cy="338554"/>
+            </a:xfrm>
+            <a:prstGeom prst="rect">
+              <a:avLst/>
+            </a:prstGeom>
+            <a:noFill/>
+          </p:spPr>
+          <p:txBody>
+            <a:bodyPr wrap="square">
+              <a:spAutoFit/>
+            </a:bodyPr>
+            <a:lstStyle/>
+            <a:p>
+              <a:r>
+                <a:rPr lang="en-US" sz="1600" i="1" dirty="0"/>
+                <a:t>{created, modified, ver}</a:t>
+              </a:r>
+            </a:p>
+          </p:txBody>
+        </p:sp>
+        <p:sp>
+          <p:nvSpPr>
+            <p:cNvPr id="14" name="Right Arrow 13">
+              <a:extLst>
+                <a:ext uri="{FF2B5EF4-FFF2-40B4-BE49-F238E27FC236}">
+                  <a16:creationId xmlns:a16="http://schemas.microsoft.com/office/drawing/2014/main" id="{77B52713-6FF1-82BF-E2AC-80954940C6A5}"/>
+                </a:ext>
+              </a:extLst>
+            </p:cNvPr>
+            <p:cNvSpPr/>
+            <p:nvPr/>
+          </p:nvSpPr>
+          <p:spPr>
+            <a:xfrm>
+              <a:off x="2855856" y="3542271"/>
+              <a:ext cx="703742" cy="415499"/>
+            </a:xfrm>
+            <a:prstGeom prst="rightArrow">
+              <a:avLst/>
+            </a:prstGeom>
+            <a:solidFill>
+              <a:schemeClr val="bg1">
+                <a:lumMod val="65000"/>
+              </a:schemeClr>
+            </a:solidFill>
+            <a:ln>
+              <a:solidFill>
+                <a:schemeClr val="bg1">
+                  <a:lumMod val="85000"/>
+                </a:schemeClr>
+              </a:solidFill>
+            </a:ln>
+          </p:spPr>
+          <p:style>
+            <a:lnRef idx="2">
+              <a:schemeClr val="accent1">
+                <a:shade val="50000"/>
+              </a:schemeClr>
+            </a:lnRef>
+            <a:fillRef idx="1">
+              <a:schemeClr val="accent1"/>
+            </a:fillRef>
+            <a:effectRef idx="0">
+              <a:schemeClr val="accent1"/>
+            </a:effectRef>
+            <a:fontRef idx="minor">
+              <a:schemeClr val="lt1"/>
+            </a:fontRef>
+          </p:style>
+          <p:txBody>
+            <a:bodyPr rtlCol="0" anchor="ctr"/>
+            <a:lstStyle/>
+            <a:p>
+              <a:pPr algn="ctr"/>
+              <a:endParaRPr lang="en-US" sz="2400"/>
+            </a:p>
+          </p:txBody>
+        </p:sp>
+        <p:sp>
+          <p:nvSpPr>
+            <p:cNvPr id="16" name="Right Arrow 15">
+              <a:extLst>
+                <a:ext uri="{FF2B5EF4-FFF2-40B4-BE49-F238E27FC236}">
+                  <a16:creationId xmlns:a16="http://schemas.microsoft.com/office/drawing/2014/main" id="{0148C9EE-E9D4-BDAB-93C9-E0C38468BBCE}"/>
+                </a:ext>
+              </a:extLst>
+            </p:cNvPr>
+            <p:cNvSpPr/>
+            <p:nvPr/>
+          </p:nvSpPr>
+          <p:spPr>
+            <a:xfrm>
+              <a:off x="5988208" y="3542271"/>
+              <a:ext cx="703742" cy="415499"/>
+            </a:xfrm>
+            <a:prstGeom prst="rightArrow">
+              <a:avLst/>
+            </a:prstGeom>
+            <a:solidFill>
+              <a:schemeClr val="bg1">
+                <a:lumMod val="65000"/>
+              </a:schemeClr>
+            </a:solidFill>
+            <a:ln>
+              <a:solidFill>
+                <a:schemeClr val="bg1">
+                  <a:lumMod val="85000"/>
+                </a:schemeClr>
+              </a:solidFill>
+            </a:ln>
+          </p:spPr>
+          <p:style>
+            <a:lnRef idx="2">
+              <a:schemeClr val="accent1">
+                <a:shade val="50000"/>
+              </a:schemeClr>
+            </a:lnRef>
+            <a:fillRef idx="1">
+              <a:schemeClr val="accent1"/>
+            </a:fillRef>
+            <a:effectRef idx="0">
+              <a:schemeClr val="accent1"/>
+            </a:effectRef>
+            <a:fontRef idx="minor">
+              <a:schemeClr val="lt1"/>
+            </a:fontRef>
+          </p:style>
+          <p:txBody>
+            <a:bodyPr rtlCol="0" anchor="ctr"/>
+            <a:lstStyle/>
+            <a:p>
+              <a:pPr algn="ctr"/>
+              <a:endParaRPr lang="en-US" sz="2400"/>
+            </a:p>
+          </p:txBody>
+        </p:sp>
+        <p:sp>
+          <p:nvSpPr>
+            <p:cNvPr id="17" name="TextBox 16">
+              <a:extLst>
+                <a:ext uri="{FF2B5EF4-FFF2-40B4-BE49-F238E27FC236}">
+                  <a16:creationId xmlns:a16="http://schemas.microsoft.com/office/drawing/2014/main" id="{124810F9-E75F-CDED-E86D-6A9A8BE654A0}"/>
+                </a:ext>
+              </a:extLst>
+            </p:cNvPr>
+            <p:cNvSpPr txBox="1"/>
+            <p:nvPr/>
+          </p:nvSpPr>
+          <p:spPr>
+            <a:xfrm>
+              <a:off x="6917877" y="3600247"/>
+              <a:ext cx="3119501" cy="338554"/>
+            </a:xfrm>
+            <a:prstGeom prst="rect">
+              <a:avLst/>
+            </a:prstGeom>
+            <a:noFill/>
+          </p:spPr>
+          <p:txBody>
+            <a:bodyPr wrap="square">
+              <a:spAutoFit/>
+            </a:bodyPr>
+            <a:lstStyle/>
+            <a:p>
+              <a:r>
+                <a:rPr lang="en-US" sz="1600" i="1" dirty="0"/>
+                <a:t>{created, modified, ver}, </a:t>
+              </a:r>
+              <a:r>
+                <a:rPr lang="en-US" sz="1600" b="1" i="1" dirty="0">
+                  <a:solidFill>
+                    <a:srgbClr val="7030A0"/>
+                  </a:solidFill>
+                </a:rPr>
+                <a:t>VALUE</a:t>
+              </a:r>
+            </a:p>
+          </p:txBody>
+        </p:sp>
+        <p:sp>
+          <p:nvSpPr>
+            <p:cNvPr id="18" name="Can 17">
+              <a:extLst>
+                <a:ext uri="{FF2B5EF4-FFF2-40B4-BE49-F238E27FC236}">
+                  <a16:creationId xmlns:a16="http://schemas.microsoft.com/office/drawing/2014/main" id="{E030EB56-D603-8FBD-5E24-7B6B10DD5AD0}"/>
+                </a:ext>
+              </a:extLst>
+            </p:cNvPr>
+            <p:cNvSpPr/>
+            <p:nvPr/>
+          </p:nvSpPr>
+          <p:spPr>
+            <a:xfrm>
+              <a:off x="10366132" y="3155998"/>
+              <a:ext cx="1329070" cy="1476021"/>
+            </a:xfrm>
+            <a:prstGeom prst="can">
+              <a:avLst/>
+            </a:prstGeom>
+            <a:solidFill>
+              <a:schemeClr val="bg1">
+                <a:lumMod val="50000"/>
+              </a:schemeClr>
+            </a:solidFill>
+            <a:ln>
+              <a:solidFill>
+                <a:schemeClr val="bg1">
+                  <a:lumMod val="50000"/>
+                </a:schemeClr>
+              </a:solidFill>
+            </a:ln>
+          </p:spPr>
+          <p:style>
+            <a:lnRef idx="2">
+              <a:schemeClr val="accent1">
+                <a:shade val="50000"/>
+              </a:schemeClr>
+            </a:lnRef>
+            <a:fillRef idx="1">
+              <a:schemeClr val="accent1"/>
+            </a:fillRef>
+            <a:effectRef idx="0">
+              <a:schemeClr val="accent1"/>
+            </a:effectRef>
+            <a:fontRef idx="minor">
+              <a:schemeClr val="lt1"/>
+            </a:fontRef>
+          </p:style>
+          <p:txBody>
+            <a:bodyPr rtlCol="0" anchor="ctr"/>
+            <a:lstStyle/>
+            <a:p>
+              <a:pPr algn="ctr"/>
+              <a:endParaRPr lang="en-US" dirty="0"/>
+            </a:p>
+          </p:txBody>
+        </p:sp>
+        <p:sp>
+          <p:nvSpPr>
+            <p:cNvPr id="19" name="TextBox 18">
+              <a:extLst>
+                <a:ext uri="{FF2B5EF4-FFF2-40B4-BE49-F238E27FC236}">
+                  <a16:creationId xmlns:a16="http://schemas.microsoft.com/office/drawing/2014/main" id="{EBF4785C-C9D1-BE49-5FCB-A57DDFDAEC51}"/>
+                </a:ext>
+              </a:extLst>
+            </p:cNvPr>
+            <p:cNvSpPr txBox="1"/>
+            <p:nvPr/>
+          </p:nvSpPr>
+          <p:spPr>
+            <a:xfrm>
+              <a:off x="10524727" y="2554924"/>
+              <a:ext cx="829073" cy="369332"/>
+            </a:xfrm>
+            <a:prstGeom prst="rect">
+              <a:avLst/>
+            </a:prstGeom>
+            <a:noFill/>
+          </p:spPr>
+          <p:txBody>
+            <a:bodyPr wrap="none" rtlCol="0">
+              <a:spAutoFit/>
+            </a:bodyPr>
+            <a:lstStyle/>
+            <a:p>
+              <a:r>
+                <a:rPr lang="en-US" dirty="0"/>
+                <a:t>BoltDB</a:t>
+              </a:r>
+            </a:p>
+          </p:txBody>
+        </p:sp>
+        <p:sp>
+          <p:nvSpPr>
+            <p:cNvPr id="22" name="TextBox 21">
+              <a:extLst>
+                <a:ext uri="{FF2B5EF4-FFF2-40B4-BE49-F238E27FC236}">
+                  <a16:creationId xmlns:a16="http://schemas.microsoft.com/office/drawing/2014/main" id="{4D17F0E5-E330-96AF-1598-E11B57C7E0DC}"/>
+                </a:ext>
+              </a:extLst>
+            </p:cNvPr>
+            <p:cNvSpPr txBox="1"/>
+            <p:nvPr/>
+          </p:nvSpPr>
+          <p:spPr>
+            <a:xfrm>
+              <a:off x="6956224" y="3724732"/>
+              <a:ext cx="2031325" cy="369332"/>
+            </a:xfrm>
+            <a:prstGeom prst="rect">
+              <a:avLst/>
+            </a:prstGeom>
+            <a:noFill/>
+          </p:spPr>
+          <p:txBody>
+            <a:bodyPr wrap="none" rtlCol="0">
+              <a:spAutoFit/>
+            </a:bodyPr>
+            <a:lstStyle/>
+            <a:p>
+              <a:r>
+                <a:rPr lang="en-US" dirty="0">
+                  <a:solidFill>
+                    <a:schemeClr val="bg1">
+                      <a:lumMod val="50000"/>
+                    </a:schemeClr>
+                  </a:solidFill>
+                </a:rPr>
+                <a:t>________________</a:t>
+              </a:r>
+            </a:p>
+          </p:txBody>
+        </p:sp>
+        <p:sp>
+          <p:nvSpPr>
+            <p:cNvPr id="24" name="TextBox 23">
+              <a:extLst>
+                <a:ext uri="{FF2B5EF4-FFF2-40B4-BE49-F238E27FC236}">
+                  <a16:creationId xmlns:a16="http://schemas.microsoft.com/office/drawing/2014/main" id="{011EC035-E071-23D3-318A-F7843241327B}"/>
+                </a:ext>
+              </a:extLst>
+            </p:cNvPr>
+            <p:cNvSpPr txBox="1"/>
+            <p:nvPr/>
+          </p:nvSpPr>
+          <p:spPr>
+            <a:xfrm>
+              <a:off x="7476727" y="4127047"/>
+              <a:ext cx="6096000" cy="369332"/>
+            </a:xfrm>
+            <a:prstGeom prst="rect">
+              <a:avLst/>
+            </a:prstGeom>
+            <a:noFill/>
+          </p:spPr>
+          <p:txBody>
+            <a:bodyPr wrap="square">
+              <a:spAutoFit/>
+            </a:bodyPr>
+            <a:lstStyle/>
+            <a:p>
+              <a:r>
+                <a:rPr lang="en-US" sz="1800" b="1" i="1" dirty="0">
+                  <a:solidFill>
+                    <a:srgbClr val="7030A0"/>
+                  </a:solidFill>
+                </a:rPr>
+                <a:t>BoltDB KEY</a:t>
+              </a:r>
+              <a:endParaRPr lang="en-US" b="1" dirty="0">
+                <a:solidFill>
+                  <a:srgbClr val="7030A0"/>
+                </a:solidFill>
+              </a:endParaRPr>
+            </a:p>
+          </p:txBody>
+        </p:sp>
+      </p:grpSp>
+    </p:spTree>
+    <p:extLst>
+      <p:ext uri="{BB962C8B-B14F-4D97-AF65-F5344CB8AC3E}">
+        <p14:creationId xmlns:p14="http://schemas.microsoft.com/office/powerpoint/2010/main" val="2314257411"/>
+      </p:ext>
+    </p:extLst>
+  </p:cSld>
+  <p:clrMapOvr>
+    <a:masterClrMapping/>
+  </p:clrMapOvr>
+</p:sld>
+</file>
+
+<file path=ppt/slides/slide4.xml><?xml version="1.0" encoding="utf-8"?>
 <p:sld xmlns:a="http://schemas.openxmlformats.org/drawingml/2006/main" xmlns:r="http://schemas.openxmlformats.org/officeDocument/2006/relationships" xmlns:p="http://schemas.openxmlformats.org/presentationml/2006/main">
   <p:cSld>
     <p:spTree>
@@ -5411,7 +7745,7 @@
         </p:nvSpPr>
         <p:spPr>
           <a:xfrm>
-            <a:off x="1159869" y="3922819"/>
+            <a:off x="1159869" y="3649551"/>
             <a:ext cx="4244163" cy="2468906"/>
           </a:xfrm>
           <a:prstGeom prst="roundRect">
@@ -5698,7 +8032,7 @@
         </p:blipFill>
         <p:spPr bwMode="auto">
           <a:xfrm>
-            <a:off x="5664833" y="4400938"/>
+            <a:off x="5664833" y="4127670"/>
             <a:ext cx="1922515" cy="1330971"/>
           </a:xfrm>
           <a:prstGeom prst="rect">
@@ -5747,7 +8081,7 @@
         </p:blipFill>
         <p:spPr>
           <a:xfrm>
-            <a:off x="1655271" y="3967526"/>
+            <a:off x="1655271" y="3694258"/>
             <a:ext cx="3218304" cy="1236826"/>
           </a:xfrm>
           <a:prstGeom prst="rect">
@@ -5769,7 +8103,7 @@
         </p:nvSpPr>
         <p:spPr>
           <a:xfrm>
-            <a:off x="2058072" y="5258881"/>
+            <a:off x="2058072" y="4985613"/>
             <a:ext cx="2641878" cy="369332"/>
           </a:xfrm>
           <a:prstGeom prst="rect">
@@ -5812,7 +8146,7 @@
         </p:nvSpPr>
         <p:spPr>
           <a:xfrm>
-            <a:off x="80891" y="4936369"/>
+            <a:off x="80891" y="4663101"/>
             <a:ext cx="870298" cy="307777"/>
           </a:xfrm>
           <a:prstGeom prst="rect">
@@ -5851,7 +8185,7 @@
         </p:nvSpPr>
         <p:spPr>
           <a:xfrm>
-            <a:off x="2352729" y="6004343"/>
+            <a:off x="2352729" y="5731075"/>
             <a:ext cx="1678406" cy="369332"/>
           </a:xfrm>
           <a:prstGeom prst="rect">
@@ -5887,7 +8221,7 @@
         </p:nvSpPr>
         <p:spPr>
           <a:xfrm>
-            <a:off x="-11488" y="6445733"/>
+            <a:off x="-46386" y="6185445"/>
             <a:ext cx="482183" cy="369332"/>
           </a:xfrm>
           <a:prstGeom prst="rect">
@@ -5919,14 +8253,13 @@
           </p:cNvPr>
           <p:cNvCxnSpPr>
             <a:cxnSpLocks/>
-            <a:stCxn id="13" idx="3"/>
             <a:endCxn id="1028" idx="2"/>
           </p:cNvCxnSpPr>
           <p:nvPr/>
         </p:nvCxnSpPr>
         <p:spPr>
           <a:xfrm flipV="1">
-            <a:off x="470695" y="5731909"/>
+            <a:off x="470695" y="5458641"/>
             <a:ext cx="6155396" cy="898490"/>
           </a:xfrm>
           <a:prstGeom prst="bentConnector2">
@@ -5974,7 +8307,7 @@
         </p:nvCxnSpPr>
         <p:spPr>
           <a:xfrm flipV="1">
-            <a:off x="951189" y="4585939"/>
+            <a:off x="951189" y="4312671"/>
             <a:ext cx="704082" cy="504319"/>
           </a:xfrm>
           <a:prstGeom prst="bentConnector3">
@@ -6024,7 +8357,7 @@
         </p:nvCxnSpPr>
         <p:spPr>
           <a:xfrm>
-            <a:off x="4873575" y="4585939"/>
+            <a:off x="4873575" y="4312671"/>
             <a:ext cx="791258" cy="480485"/>
           </a:xfrm>
           <a:prstGeom prst="bentConnector3">
@@ -6074,13 +8407,13 @@
         </p:nvCxnSpPr>
         <p:spPr>
           <a:xfrm>
-            <a:off x="7587348" y="5066424"/>
-            <a:ext cx="3227964" cy="1467646"/>
+            <a:off x="7587348" y="4793156"/>
+            <a:ext cx="3227964" cy="1740914"/>
           </a:xfrm>
           <a:prstGeom prst="bentConnector4">
             <a:avLst>
               <a:gd name="adj1" fmla="val 40276"/>
-              <a:gd name="adj2" fmla="val 115576"/>
+              <a:gd name="adj2" fmla="val 113131"/>
             </a:avLst>
           </a:prstGeom>
           <a:ln w="19050">
@@ -6121,7 +8454,7 @@
         </p:nvSpPr>
         <p:spPr>
           <a:xfrm>
-            <a:off x="7938969" y="4598702"/>
+            <a:off x="7938969" y="4325434"/>
             <a:ext cx="1643335" cy="461665"/>
           </a:xfrm>
           <a:prstGeom prst="rect">
@@ -6314,7 +8647,7 @@
         </p:nvSpPr>
         <p:spPr>
           <a:xfrm>
-            <a:off x="2058072" y="5603750"/>
+            <a:off x="2058072" y="5330482"/>
             <a:ext cx="576696" cy="276999"/>
           </a:xfrm>
           <a:prstGeom prst="rect">
@@ -6349,7 +8682,7 @@
         </p:nvSpPr>
         <p:spPr>
           <a:xfrm>
-            <a:off x="5831595" y="5777878"/>
+            <a:off x="5831595" y="5504610"/>
             <a:ext cx="829394" cy="461665"/>
           </a:xfrm>
           <a:prstGeom prst="rect">
@@ -6378,10 +8711,10 @@
       </p:sp>
       <p:sp>
         <p:nvSpPr>
-          <p:cNvPr id="51" name="TextBox 50">
-            <a:extLst>
-              <a:ext uri="{FF2B5EF4-FFF2-40B4-BE49-F238E27FC236}">
-                <a16:creationId xmlns:a16="http://schemas.microsoft.com/office/drawing/2014/main" id="{2CDEAC7B-DD2A-E7A6-F253-B4EC499C7BCD}"/>
+          <p:cNvPr id="56" name="TextBox 55">
+            <a:extLst>
+              <a:ext uri="{FF2B5EF4-FFF2-40B4-BE49-F238E27FC236}">
+                <a16:creationId xmlns:a16="http://schemas.microsoft.com/office/drawing/2014/main" id="{12A0C5E2-C149-D107-F1B2-B6E5CD96367E}"/>
               </a:ext>
             </a:extLst>
           </p:cNvPr>
@@ -6390,8 +8723,8 @@
         </p:nvSpPr>
         <p:spPr>
           <a:xfrm>
-            <a:off x="3333349" y="2896560"/>
-            <a:ext cx="870298" cy="307777"/>
+            <a:off x="80891" y="1986201"/>
+            <a:ext cx="502061" cy="577081"/>
           </a:xfrm>
           <a:prstGeom prst="rect">
             <a:avLst/>
@@ -6399,137 +8732,150 @@
           <a:noFill/>
         </p:spPr>
         <p:txBody>
-          <a:bodyPr wrap="square">
+          <a:bodyPr wrap="none" rtlCol="0">
             <a:spAutoFit/>
           </a:bodyPr>
           <a:lstStyle/>
           <a:p>
             <a:r>
-              <a:rPr lang="en-US" sz="1400" b="1" dirty="0">
-                <a:solidFill>
-                  <a:srgbClr val="7030A0"/>
-                </a:solidFill>
+              <a:rPr lang="en-US" sz="1050" dirty="0">
+                <a:hlinkClick r:id="rId6"/>
               </a:rPr>
-              <a:t>Data Key </a:t>
-            </a:r>
-          </a:p>
-        </p:txBody>
-      </p:sp>
-      <p:sp>
-        <p:nvSpPr>
-          <p:cNvPr id="52" name="TextBox 51">
-            <a:extLst>
-              <a:ext uri="{FF2B5EF4-FFF2-40B4-BE49-F238E27FC236}">
-                <a16:creationId xmlns:a16="http://schemas.microsoft.com/office/drawing/2014/main" id="{09D26B0A-2CF3-D2D9-B37C-6A34264972F9}"/>
-              </a:ext>
-            </a:extLst>
-          </p:cNvPr>
-          <p:cNvSpPr txBox="1"/>
+              <a:t>Link 1</a:t>
+            </a:r>
+            <a:endParaRPr lang="en-US" sz="1050" dirty="0"/>
+          </a:p>
+          <a:p>
+            <a:r>
+              <a:rPr lang="en-US" sz="1050" dirty="0">
+                <a:hlinkClick r:id="rId7"/>
+              </a:rPr>
+              <a:t>Link 2</a:t>
+            </a:r>
+            <a:endParaRPr lang="en-US" sz="1050" dirty="0"/>
+          </a:p>
+          <a:p>
+            <a:r>
+              <a:rPr lang="en-US" sz="1050" dirty="0">
+                <a:hlinkClick r:id="rId8"/>
+              </a:rPr>
+              <a:t>Link 3</a:t>
+            </a:r>
+            <a:endParaRPr lang="en-US" sz="1050" dirty="0"/>
+          </a:p>
+        </p:txBody>
+      </p:sp>
+    </p:spTree>
+    <p:extLst>
+      <p:ext uri="{BB962C8B-B14F-4D97-AF65-F5344CB8AC3E}">
+        <p14:creationId xmlns:p14="http://schemas.microsoft.com/office/powerpoint/2010/main" val="2949793541"/>
+      </p:ext>
+    </p:extLst>
+  </p:cSld>
+  <p:clrMapOvr>
+    <a:masterClrMapping/>
+  </p:clrMapOvr>
+</p:sld>
+</file>
+
+<file path=ppt/slides/slide5.xml><?xml version="1.0" encoding="utf-8"?>
+<p:sld xmlns:a="http://schemas.openxmlformats.org/drawingml/2006/main" xmlns:r="http://schemas.openxmlformats.org/officeDocument/2006/relationships" xmlns:p="http://schemas.openxmlformats.org/presentationml/2006/main">
+  <p:cSld>
+    <p:spTree>
+      <p:nvGrpSpPr>
+        <p:cNvPr id="1" name=""/>
+        <p:cNvGrpSpPr/>
+        <p:nvPr/>
+      </p:nvGrpSpPr>
+      <p:grpSpPr>
+        <a:xfrm>
+          <a:off x="0" y="0"/>
+          <a:ext cx="0" cy="0"/>
+          <a:chOff x="0" y="0"/>
+          <a:chExt cx="0" cy="0"/>
+        </a:xfrm>
+      </p:grpSpPr>
+      <p:sp>
+        <p:nvSpPr>
+          <p:cNvPr id="2" name="Title 1">
+            <a:extLst>
+              <a:ext uri="{FF2B5EF4-FFF2-40B4-BE49-F238E27FC236}">
+                <a16:creationId xmlns:a16="http://schemas.microsoft.com/office/drawing/2014/main" id="{98CB22F7-B1C8-66EA-FA66-B24E4F906174}"/>
+              </a:ext>
+            </a:extLst>
+          </p:cNvPr>
+          <p:cNvSpPr>
+            <a:spLocks noGrp="1"/>
+          </p:cNvSpPr>
+          <p:nvPr>
+            <p:ph type="title"/>
+          </p:nvPr>
+        </p:nvSpPr>
+        <p:spPr>
+          <a:xfrm>
+            <a:off x="0" y="-14620"/>
+            <a:ext cx="5299841" cy="517744"/>
+          </a:xfrm>
+        </p:spPr>
+        <p:txBody>
+          <a:bodyPr>
+            <a:normAutofit fontScale="90000"/>
+          </a:bodyPr>
+          <a:lstStyle/>
+          <a:p>
+            <a:r>
+              <a:rPr lang="en-US" dirty="0"/>
+              <a:t>Revision Update In ETCD</a:t>
+            </a:r>
+          </a:p>
+        </p:txBody>
+      </p:sp>
+      <p:pic>
+        <p:nvPicPr>
+          <p:cNvPr id="4" name="Picture 3">
+            <a:extLst>
+              <a:ext uri="{FF2B5EF4-FFF2-40B4-BE49-F238E27FC236}">
+                <a16:creationId xmlns:a16="http://schemas.microsoft.com/office/drawing/2014/main" id="{B0CB6B9D-4A6C-66CA-84E8-16815ACFC8F7}"/>
+              </a:ext>
+            </a:extLst>
+          </p:cNvPr>
+          <p:cNvPicPr>
+            <a:picLocks noChangeAspect="1"/>
+          </p:cNvPicPr>
           <p:nvPr/>
-        </p:nvSpPr>
-        <p:spPr>
-          <a:xfrm>
-            <a:off x="6736561" y="2861938"/>
-            <a:ext cx="946349" cy="276999"/>
+        </p:nvPicPr>
+        <p:blipFill>
+          <a:blip r:embed="rId2"/>
+          <a:stretch>
+            <a:fillRect/>
+          </a:stretch>
+        </p:blipFill>
+        <p:spPr>
+          <a:xfrm>
+            <a:off x="5265683" y="898979"/>
+            <a:ext cx="6537434" cy="5717283"/>
           </a:xfrm>
           <a:prstGeom prst="rect">
             <a:avLst/>
           </a:prstGeom>
-          <a:noFill/>
-        </p:spPr>
-        <p:txBody>
-          <a:bodyPr wrap="none" rtlCol="0">
-            <a:spAutoFit/>
-          </a:bodyPr>
-          <a:lstStyle/>
-          <a:p>
-            <a:r>
-              <a:rPr lang="en-US" sz="1200" b="1" i="1" dirty="0">
-                <a:solidFill>
-                  <a:srgbClr val="FF0000"/>
-                </a:solidFill>
-              </a:rPr>
-              <a:t>Storage Key</a:t>
-            </a:r>
-          </a:p>
-        </p:txBody>
-      </p:sp>
-      <p:sp>
-        <p:nvSpPr>
-          <p:cNvPr id="53" name="TextBox 52">
-            <a:extLst>
-              <a:ext uri="{FF2B5EF4-FFF2-40B4-BE49-F238E27FC236}">
-                <a16:creationId xmlns:a16="http://schemas.microsoft.com/office/drawing/2014/main" id="{D0C445AF-6F8A-31CD-04C7-0C13A2AAA220}"/>
-              </a:ext>
-            </a:extLst>
-          </p:cNvPr>
-          <p:cNvSpPr txBox="1"/>
-          <p:nvPr/>
-        </p:nvSpPr>
-        <p:spPr>
-          <a:xfrm>
-            <a:off x="3367113" y="3193996"/>
-            <a:ext cx="576696" cy="276999"/>
-          </a:xfrm>
-          <a:prstGeom prst="rect">
-            <a:avLst/>
-          </a:prstGeom>
-          <a:noFill/>
-        </p:spPr>
-        <p:txBody>
-          <a:bodyPr wrap="none" rtlCol="0">
-            <a:spAutoFit/>
-          </a:bodyPr>
-          <a:lstStyle/>
-          <a:p>
-            <a:r>
-              <a:rPr lang="en-US" sz="1200" i="1" dirty="0"/>
-              <a:t>/a/b/c</a:t>
-            </a:r>
-          </a:p>
-        </p:txBody>
-      </p:sp>
-      <p:sp>
-        <p:nvSpPr>
-          <p:cNvPr id="55" name="TextBox 54">
-            <a:extLst>
-              <a:ext uri="{FF2B5EF4-FFF2-40B4-BE49-F238E27FC236}">
-                <a16:creationId xmlns:a16="http://schemas.microsoft.com/office/drawing/2014/main" id="{921544DF-B5CB-530E-028A-0A0343125D2E}"/>
-              </a:ext>
-            </a:extLst>
-          </p:cNvPr>
-          <p:cNvSpPr txBox="1"/>
-          <p:nvPr/>
-        </p:nvSpPr>
-        <p:spPr>
-          <a:xfrm>
-            <a:off x="6408145" y="3195660"/>
-            <a:ext cx="1746398" cy="276999"/>
-          </a:xfrm>
-          <a:prstGeom prst="rect">
-            <a:avLst/>
-          </a:prstGeom>
-          <a:noFill/>
-        </p:spPr>
-        <p:txBody>
-          <a:bodyPr wrap="square">
-            <a:spAutoFit/>
-          </a:bodyPr>
-          <a:lstStyle/>
-          <a:p>
-            <a:r>
-              <a:rPr lang="en-US" sz="1200" i="1" dirty="0"/>
-              <a:t>{created, modified, ver}</a:t>
-            </a:r>
-          </a:p>
-        </p:txBody>
-      </p:sp>
-      <p:sp>
-        <p:nvSpPr>
-          <p:cNvPr id="50" name="Right Arrow 49">
-            <a:extLst>
-              <a:ext uri="{FF2B5EF4-FFF2-40B4-BE49-F238E27FC236}">
-                <a16:creationId xmlns:a16="http://schemas.microsoft.com/office/drawing/2014/main" id="{130370FB-23A8-D3E8-FC23-0F28E6444DF9}"/>
+          <a:ln>
+            <a:noFill/>
+          </a:ln>
+          <a:effectLst>
+            <a:outerShdw blurRad="292100" dist="139700" dir="2700000" algn="tl" rotWithShape="0">
+              <a:srgbClr val="333333">
+                <a:alpha val="65000"/>
+              </a:srgbClr>
+            </a:outerShdw>
+          </a:effectLst>
+        </p:spPr>
+      </p:pic>
+      <p:sp>
+        <p:nvSpPr>
+          <p:cNvPr id="6" name="Can 5">
+            <a:extLst>
+              <a:ext uri="{FF2B5EF4-FFF2-40B4-BE49-F238E27FC236}">
+                <a16:creationId xmlns:a16="http://schemas.microsoft.com/office/drawing/2014/main" id="{01DC888E-F9FA-FA1D-5C04-6B269750F985}"/>
               </a:ext>
             </a:extLst>
           </p:cNvPr>
@@ -6538,21 +8884,21 @@
         </p:nvSpPr>
         <p:spPr>
           <a:xfrm>
-            <a:off x="4596905" y="3000437"/>
-            <a:ext cx="1723182" cy="415499"/>
-          </a:xfrm>
-          <a:prstGeom prst="rightArrow">
+            <a:off x="2582265" y="4770909"/>
+            <a:ext cx="1329070" cy="1476021"/>
+          </a:xfrm>
+          <a:prstGeom prst="can">
             <a:avLst/>
           </a:prstGeom>
           <a:solidFill>
             <a:schemeClr val="bg1">
-              <a:lumMod val="65000"/>
+              <a:lumMod val="50000"/>
             </a:schemeClr>
           </a:solidFill>
           <a:ln>
             <a:solidFill>
               <a:schemeClr val="bg1">
-                <a:lumMod val="85000"/>
+                <a:lumMod val="50000"/>
               </a:schemeClr>
             </a:solidFill>
           </a:ln>
@@ -6578,16 +8924,51 @@
           <a:lstStyle/>
           <a:p>
             <a:pPr algn="ctr"/>
-            <a:endParaRPr lang="en-US"/>
-          </a:p>
-        </p:txBody>
-      </p:sp>
-      <p:sp>
-        <p:nvSpPr>
-          <p:cNvPr id="57" name="Rounded Rectangle 56">
-            <a:extLst>
-              <a:ext uri="{FF2B5EF4-FFF2-40B4-BE49-F238E27FC236}">
-                <a16:creationId xmlns:a16="http://schemas.microsoft.com/office/drawing/2014/main" id="{C9DE2FD1-972C-543B-B41F-625B4FC1813E}"/>
+            <a:endParaRPr lang="en-US" dirty="0"/>
+          </a:p>
+        </p:txBody>
+      </p:sp>
+      <p:sp>
+        <p:nvSpPr>
+          <p:cNvPr id="7" name="TextBox 6">
+            <a:extLst>
+              <a:ext uri="{FF2B5EF4-FFF2-40B4-BE49-F238E27FC236}">
+                <a16:creationId xmlns:a16="http://schemas.microsoft.com/office/drawing/2014/main" id="{AADB147C-037D-2F1D-9634-A061FF5BF091}"/>
+              </a:ext>
+            </a:extLst>
+          </p:cNvPr>
+          <p:cNvSpPr txBox="1"/>
+          <p:nvPr/>
+        </p:nvSpPr>
+        <p:spPr>
+          <a:xfrm>
+            <a:off x="2882837" y="6246930"/>
+            <a:ext cx="829073" cy="369332"/>
+          </a:xfrm>
+          <a:prstGeom prst="rect">
+            <a:avLst/>
+          </a:prstGeom>
+          <a:noFill/>
+        </p:spPr>
+        <p:txBody>
+          <a:bodyPr wrap="none" rtlCol="0">
+            <a:spAutoFit/>
+          </a:bodyPr>
+          <a:lstStyle/>
+          <a:p>
+            <a:r>
+              <a:rPr lang="en-US" dirty="0"/>
+              <a:t>BoltDB</a:t>
+            </a:r>
+          </a:p>
+        </p:txBody>
+      </p:sp>
+      <p:sp>
+        <p:nvSpPr>
+          <p:cNvPr id="8" name="Rounded Rectangle 7">
+            <a:extLst>
+              <a:ext uri="{FF2B5EF4-FFF2-40B4-BE49-F238E27FC236}">
+                <a16:creationId xmlns:a16="http://schemas.microsoft.com/office/drawing/2014/main" id="{DFF1E356-B8D5-F8B6-2768-C26878C0A390}"/>
               </a:ext>
             </a:extLst>
           </p:cNvPr>
@@ -6596,17 +8977,21 @@
         </p:nvSpPr>
         <p:spPr>
           <a:xfrm>
-            <a:off x="3104708" y="2742981"/>
-            <a:ext cx="4912242" cy="919477"/>
+            <a:off x="655372" y="2461881"/>
+            <a:ext cx="2939165" cy="1476021"/>
           </a:xfrm>
           <a:prstGeom prst="roundRect">
             <a:avLst/>
           </a:prstGeom>
-          <a:noFill/>
+          <a:solidFill>
+            <a:schemeClr val="bg1">
+              <a:lumMod val="85000"/>
+            </a:schemeClr>
+          </a:solidFill>
           <a:ln w="6350">
             <a:solidFill>
               <a:schemeClr val="bg1">
-                <a:lumMod val="50000"/>
+                <a:lumMod val="65000"/>
               </a:schemeClr>
             </a:solidFill>
             <a:prstDash val="sysDot"/>
@@ -6638,12 +9023,42 @@
           </a:p>
         </p:txBody>
       </p:sp>
-      <p:sp>
-        <p:nvSpPr>
-          <p:cNvPr id="56" name="TextBox 55">
-            <a:extLst>
-              <a:ext uri="{FF2B5EF4-FFF2-40B4-BE49-F238E27FC236}">
-                <a16:creationId xmlns:a16="http://schemas.microsoft.com/office/drawing/2014/main" id="{12A0C5E2-C149-D107-F1B2-B6E5CD96367E}"/>
+      <p:pic>
+        <p:nvPicPr>
+          <p:cNvPr id="9" name="Picture 8">
+            <a:extLst>
+              <a:ext uri="{FF2B5EF4-FFF2-40B4-BE49-F238E27FC236}">
+                <a16:creationId xmlns:a16="http://schemas.microsoft.com/office/drawing/2014/main" id="{6788B710-433B-963B-B912-5E9F5255D948}"/>
+              </a:ext>
+            </a:extLst>
+          </p:cNvPr>
+          <p:cNvPicPr>
+            <a:picLocks noChangeAspect="1"/>
+          </p:cNvPicPr>
+          <p:nvPr/>
+        </p:nvPicPr>
+        <p:blipFill>
+          <a:blip r:embed="rId3"/>
+          <a:stretch>
+            <a:fillRect/>
+          </a:stretch>
+        </p:blipFill>
+        <p:spPr>
+          <a:xfrm>
+            <a:off x="1633652" y="3087100"/>
+            <a:ext cx="1897226" cy="729123"/>
+          </a:xfrm>
+          <a:prstGeom prst="rect">
+            <a:avLst/>
+          </a:prstGeom>
+        </p:spPr>
+      </p:pic>
+      <p:sp>
+        <p:nvSpPr>
+          <p:cNvPr id="10" name="TextBox 9">
+            <a:extLst>
+              <a:ext uri="{FF2B5EF4-FFF2-40B4-BE49-F238E27FC236}">
+                <a16:creationId xmlns:a16="http://schemas.microsoft.com/office/drawing/2014/main" id="{09290210-FDE5-F73B-293E-80EC0EB6FF68}"/>
               </a:ext>
             </a:extLst>
           </p:cNvPr>
@@ -6652,8 +9067,8 @@
         </p:nvSpPr>
         <p:spPr>
           <a:xfrm>
-            <a:off x="80891" y="1986201"/>
-            <a:ext cx="502061" cy="577081"/>
+            <a:off x="2582264" y="2735848"/>
+            <a:ext cx="949042" cy="369332"/>
           </a:xfrm>
           <a:prstGeom prst="rect">
             <a:avLst/>
@@ -6667,37 +9082,416 @@
           <a:lstStyle/>
           <a:p>
             <a:r>
-              <a:rPr lang="en-US" sz="1050" dirty="0">
-                <a:hlinkClick r:id="rId6"/>
-              </a:rPr>
-              <a:t>Link 1</a:t>
-            </a:r>
-            <a:endParaRPr lang="en-US" sz="1050" dirty="0"/>
-          </a:p>
-          <a:p>
-            <a:r>
-              <a:rPr lang="en-US" sz="1050" dirty="0">
-                <a:hlinkClick r:id="rId7"/>
-              </a:rPr>
-              <a:t>Link 2</a:t>
-            </a:r>
-            <a:endParaRPr lang="en-US" sz="1050" dirty="0"/>
-          </a:p>
-          <a:p>
-            <a:r>
-              <a:rPr lang="en-US" sz="1050" dirty="0">
-                <a:hlinkClick r:id="rId8"/>
-              </a:rPr>
-              <a:t>Link 3</a:t>
-            </a:r>
-            <a:endParaRPr lang="en-US" sz="1050" dirty="0"/>
+              <a:rPr lang="en-US" dirty="0"/>
+              <a:t>KVIndex</a:t>
+            </a:r>
+          </a:p>
+        </p:txBody>
+      </p:sp>
+      <p:sp>
+        <p:nvSpPr>
+          <p:cNvPr id="11" name="TextBox 10">
+            <a:extLst>
+              <a:ext uri="{FF2B5EF4-FFF2-40B4-BE49-F238E27FC236}">
+                <a16:creationId xmlns:a16="http://schemas.microsoft.com/office/drawing/2014/main" id="{D73A8335-F6CB-8A00-E492-405E21CC1BFE}"/>
+              </a:ext>
+            </a:extLst>
+          </p:cNvPr>
+          <p:cNvSpPr txBox="1"/>
+          <p:nvPr/>
+        </p:nvSpPr>
+        <p:spPr>
+          <a:xfrm>
+            <a:off x="748454" y="2830559"/>
+            <a:ext cx="480260" cy="369332"/>
+          </a:xfrm>
+          <a:prstGeom prst="rect">
+            <a:avLst/>
+          </a:prstGeom>
+          <a:noFill/>
+        </p:spPr>
+        <p:txBody>
+          <a:bodyPr wrap="none" rtlCol="0">
+            <a:spAutoFit/>
+          </a:bodyPr>
+          <a:lstStyle/>
+          <a:p>
+            <a:r>
+              <a:rPr lang="en-US" i="1" dirty="0"/>
+              <a:t>rev</a:t>
+            </a:r>
+          </a:p>
+        </p:txBody>
+      </p:sp>
+      <p:sp>
+        <p:nvSpPr>
+          <p:cNvPr id="12" name="TextBox 11">
+            <a:extLst>
+              <a:ext uri="{FF2B5EF4-FFF2-40B4-BE49-F238E27FC236}">
+                <a16:creationId xmlns:a16="http://schemas.microsoft.com/office/drawing/2014/main" id="{4041D2CB-C6EC-8E5B-11D1-2989B937D30F}"/>
+              </a:ext>
+            </a:extLst>
+          </p:cNvPr>
+          <p:cNvSpPr txBox="1"/>
+          <p:nvPr/>
+        </p:nvSpPr>
+        <p:spPr>
+          <a:xfrm>
+            <a:off x="2644898" y="2061861"/>
+            <a:ext cx="758093" cy="369332"/>
+          </a:xfrm>
+          <a:prstGeom prst="rect">
+            <a:avLst/>
+          </a:prstGeom>
+          <a:noFill/>
+        </p:spPr>
+        <p:txBody>
+          <a:bodyPr wrap="none" rtlCol="0">
+            <a:spAutoFit/>
+          </a:bodyPr>
+          <a:lstStyle/>
+          <a:p>
+            <a:r>
+              <a:rPr lang="en-US" dirty="0"/>
+              <a:t>MVCC</a:t>
+            </a:r>
+          </a:p>
+        </p:txBody>
+      </p:sp>
+      <p:sp>
+        <p:nvSpPr>
+          <p:cNvPr id="13" name="TextBox 12">
+            <a:extLst>
+              <a:ext uri="{FF2B5EF4-FFF2-40B4-BE49-F238E27FC236}">
+                <a16:creationId xmlns:a16="http://schemas.microsoft.com/office/drawing/2014/main" id="{CCC84C70-88BE-9631-CE53-50124E47BE3F}"/>
+              </a:ext>
+            </a:extLst>
+          </p:cNvPr>
+          <p:cNvSpPr txBox="1"/>
+          <p:nvPr/>
+        </p:nvSpPr>
+        <p:spPr>
+          <a:xfrm>
+            <a:off x="591713" y="1626994"/>
+            <a:ext cx="1474699" cy="369332"/>
+          </a:xfrm>
+          <a:prstGeom prst="rect">
+            <a:avLst/>
+          </a:prstGeom>
+          <a:noFill/>
+        </p:spPr>
+        <p:txBody>
+          <a:bodyPr wrap="none" rtlCol="0">
+            <a:spAutoFit/>
+          </a:bodyPr>
+          <a:lstStyle/>
+          <a:p>
+            <a:r>
+              <a:rPr lang="en-US" dirty="0"/>
+              <a:t>Write request</a:t>
+            </a:r>
+          </a:p>
+        </p:txBody>
+      </p:sp>
+      <p:cxnSp>
+        <p:nvCxnSpPr>
+          <p:cNvPr id="14" name="Elbow Connector 13">
+            <a:extLst>
+              <a:ext uri="{FF2B5EF4-FFF2-40B4-BE49-F238E27FC236}">
+                <a16:creationId xmlns:a16="http://schemas.microsoft.com/office/drawing/2014/main" id="{570E9439-649F-85A3-C04B-9BD57AC363B7}"/>
+              </a:ext>
+            </a:extLst>
+          </p:cNvPr>
+          <p:cNvCxnSpPr>
+            <a:cxnSpLocks/>
+            <a:stCxn id="13" idx="2"/>
+            <a:endCxn id="11" idx="0"/>
+          </p:cNvCxnSpPr>
+          <p:nvPr/>
+        </p:nvCxnSpPr>
+        <p:spPr>
+          <a:xfrm rot="5400000">
+            <a:off x="741708" y="2243203"/>
+            <a:ext cx="834233" cy="340479"/>
+          </a:xfrm>
+          <a:prstGeom prst="bentConnector3">
+            <a:avLst>
+              <a:gd name="adj1" fmla="val 29842"/>
+            </a:avLst>
+          </a:prstGeom>
+          <a:ln w="19050">
+            <a:solidFill>
+              <a:schemeClr val="bg2">
+                <a:lumMod val="50000"/>
+              </a:schemeClr>
+            </a:solidFill>
+            <a:tailEnd type="arrow" w="lg" len="lg"/>
+          </a:ln>
+        </p:spPr>
+        <p:style>
+          <a:lnRef idx="1">
+            <a:schemeClr val="accent1"/>
+          </a:lnRef>
+          <a:fillRef idx="0">
+            <a:schemeClr val="accent1"/>
+          </a:fillRef>
+          <a:effectRef idx="0">
+            <a:schemeClr val="accent1"/>
+          </a:effectRef>
+          <a:fontRef idx="minor">
+            <a:schemeClr val="tx1"/>
+          </a:fontRef>
+        </p:style>
+      </p:cxnSp>
+      <p:cxnSp>
+        <p:nvCxnSpPr>
+          <p:cNvPr id="17" name="Elbow Connector 16">
+            <a:extLst>
+              <a:ext uri="{FF2B5EF4-FFF2-40B4-BE49-F238E27FC236}">
+                <a16:creationId xmlns:a16="http://schemas.microsoft.com/office/drawing/2014/main" id="{71E427A9-2A16-ECC3-31DA-F729F79871CC}"/>
+              </a:ext>
+            </a:extLst>
+          </p:cNvPr>
+          <p:cNvCxnSpPr>
+            <a:cxnSpLocks/>
+            <a:stCxn id="11" idx="2"/>
+            <a:endCxn id="6" idx="2"/>
+          </p:cNvCxnSpPr>
+          <p:nvPr/>
+        </p:nvCxnSpPr>
+        <p:spPr>
+          <a:xfrm rot="16200000" flipH="1">
+            <a:off x="630910" y="3557564"/>
+            <a:ext cx="2309029" cy="1593681"/>
+          </a:xfrm>
+          <a:prstGeom prst="bentConnector2">
+            <a:avLst/>
+          </a:prstGeom>
+          <a:ln w="19050">
+            <a:solidFill>
+              <a:schemeClr val="bg2">
+                <a:lumMod val="50000"/>
+              </a:schemeClr>
+            </a:solidFill>
+            <a:tailEnd type="arrow" w="lg" len="lg"/>
+          </a:ln>
+        </p:spPr>
+        <p:style>
+          <a:lnRef idx="1">
+            <a:schemeClr val="accent1"/>
+          </a:lnRef>
+          <a:fillRef idx="0">
+            <a:schemeClr val="accent1"/>
+          </a:fillRef>
+          <a:effectRef idx="0">
+            <a:schemeClr val="accent1"/>
+          </a:effectRef>
+          <a:fontRef idx="minor">
+            <a:schemeClr val="tx1"/>
+          </a:fontRef>
+        </p:style>
+      </p:cxnSp>
+      <p:cxnSp>
+        <p:nvCxnSpPr>
+          <p:cNvPr id="23" name="Elbow Connector 22">
+            <a:extLst>
+              <a:ext uri="{FF2B5EF4-FFF2-40B4-BE49-F238E27FC236}">
+                <a16:creationId xmlns:a16="http://schemas.microsoft.com/office/drawing/2014/main" id="{0025BBDD-B614-9C82-E2F2-45D37CD6D36B}"/>
+              </a:ext>
+            </a:extLst>
+          </p:cNvPr>
+          <p:cNvCxnSpPr>
+            <a:cxnSpLocks/>
+            <a:stCxn id="6" idx="1"/>
+            <a:endCxn id="9" idx="2"/>
+          </p:cNvCxnSpPr>
+          <p:nvPr/>
+        </p:nvCxnSpPr>
+        <p:spPr>
+          <a:xfrm rot="16200000" flipV="1">
+            <a:off x="2437190" y="3961298"/>
+            <a:ext cx="954686" cy="664535"/>
+          </a:xfrm>
+          <a:prstGeom prst="bentConnector3">
+            <a:avLst>
+              <a:gd name="adj1" fmla="val 50000"/>
+            </a:avLst>
+          </a:prstGeom>
+          <a:ln w="19050">
+            <a:solidFill>
+              <a:schemeClr val="bg2">
+                <a:lumMod val="50000"/>
+              </a:schemeClr>
+            </a:solidFill>
+            <a:tailEnd type="arrow" w="lg" len="lg"/>
+          </a:ln>
+        </p:spPr>
+        <p:style>
+          <a:lnRef idx="1">
+            <a:schemeClr val="accent1"/>
+          </a:lnRef>
+          <a:fillRef idx="0">
+            <a:schemeClr val="accent1"/>
+          </a:fillRef>
+          <a:effectRef idx="0">
+            <a:schemeClr val="accent1"/>
+          </a:effectRef>
+          <a:fontRef idx="minor">
+            <a:schemeClr val="tx1"/>
+          </a:fontRef>
+        </p:style>
+      </p:cxnSp>
+      <p:sp>
+        <p:nvSpPr>
+          <p:cNvPr id="28" name="Oval 27">
+            <a:extLst>
+              <a:ext uri="{FF2B5EF4-FFF2-40B4-BE49-F238E27FC236}">
+                <a16:creationId xmlns:a16="http://schemas.microsoft.com/office/drawing/2014/main" id="{48F08BC6-1BA7-2A1D-C7FC-4F054636105C}"/>
+              </a:ext>
+            </a:extLst>
+          </p:cNvPr>
+          <p:cNvSpPr/>
+          <p:nvPr/>
+        </p:nvSpPr>
+        <p:spPr>
+          <a:xfrm>
+            <a:off x="491923" y="2222353"/>
+            <a:ext cx="256531" cy="256531"/>
+          </a:xfrm>
+          <a:prstGeom prst="ellipse">
+            <a:avLst/>
+          </a:prstGeom>
+        </p:spPr>
+        <p:style>
+          <a:lnRef idx="2">
+            <a:schemeClr val="dk1">
+              <a:shade val="50000"/>
+            </a:schemeClr>
+          </a:lnRef>
+          <a:fillRef idx="1">
+            <a:schemeClr val="dk1"/>
+          </a:fillRef>
+          <a:effectRef idx="0">
+            <a:schemeClr val="dk1"/>
+          </a:effectRef>
+          <a:fontRef idx="minor">
+            <a:schemeClr val="lt1"/>
+          </a:fontRef>
+        </p:style>
+        <p:txBody>
+          <a:bodyPr rtlCol="0" anchor="ctr"/>
+          <a:lstStyle/>
+          <a:p>
+            <a:pPr algn="ctr"/>
+            <a:r>
+              <a:rPr lang="en-US" dirty="0"/>
+              <a:t>1</a:t>
+            </a:r>
+          </a:p>
+        </p:txBody>
+      </p:sp>
+      <p:sp>
+        <p:nvSpPr>
+          <p:cNvPr id="29" name="Oval 28">
+            <a:extLst>
+              <a:ext uri="{FF2B5EF4-FFF2-40B4-BE49-F238E27FC236}">
+                <a16:creationId xmlns:a16="http://schemas.microsoft.com/office/drawing/2014/main" id="{A417B9C4-BE2E-EB14-FDAE-26A4B10EE099}"/>
+              </a:ext>
+            </a:extLst>
+          </p:cNvPr>
+          <p:cNvSpPr/>
+          <p:nvPr/>
+        </p:nvSpPr>
+        <p:spPr>
+          <a:xfrm>
+            <a:off x="640847" y="4770909"/>
+            <a:ext cx="256531" cy="256531"/>
+          </a:xfrm>
+          <a:prstGeom prst="ellipse">
+            <a:avLst/>
+          </a:prstGeom>
+        </p:spPr>
+        <p:style>
+          <a:lnRef idx="2">
+            <a:schemeClr val="dk1">
+              <a:shade val="50000"/>
+            </a:schemeClr>
+          </a:lnRef>
+          <a:fillRef idx="1">
+            <a:schemeClr val="dk1"/>
+          </a:fillRef>
+          <a:effectRef idx="0">
+            <a:schemeClr val="dk1"/>
+          </a:effectRef>
+          <a:fontRef idx="minor">
+            <a:schemeClr val="lt1"/>
+          </a:fontRef>
+        </p:style>
+        <p:txBody>
+          <a:bodyPr rtlCol="0" anchor="ctr"/>
+          <a:lstStyle/>
+          <a:p>
+            <a:pPr algn="ctr"/>
+            <a:r>
+              <a:rPr lang="en-US" dirty="0"/>
+              <a:t>2</a:t>
+            </a:r>
+          </a:p>
+        </p:txBody>
+      </p:sp>
+      <p:sp>
+        <p:nvSpPr>
+          <p:cNvPr id="30" name="Oval 29">
+            <a:extLst>
+              <a:ext uri="{FF2B5EF4-FFF2-40B4-BE49-F238E27FC236}">
+                <a16:creationId xmlns:a16="http://schemas.microsoft.com/office/drawing/2014/main" id="{2BFA0754-4678-F164-B7C1-B4D2B206819C}"/>
+              </a:ext>
+            </a:extLst>
+          </p:cNvPr>
+          <p:cNvSpPr/>
+          <p:nvPr/>
+        </p:nvSpPr>
+        <p:spPr>
+          <a:xfrm>
+            <a:off x="3409516" y="4323113"/>
+            <a:ext cx="256531" cy="256531"/>
+          </a:xfrm>
+          <a:prstGeom prst="ellipse">
+            <a:avLst/>
+          </a:prstGeom>
+        </p:spPr>
+        <p:style>
+          <a:lnRef idx="2">
+            <a:schemeClr val="dk1">
+              <a:shade val="50000"/>
+            </a:schemeClr>
+          </a:lnRef>
+          <a:fillRef idx="1">
+            <a:schemeClr val="dk1"/>
+          </a:fillRef>
+          <a:effectRef idx="0">
+            <a:schemeClr val="dk1"/>
+          </a:effectRef>
+          <a:fontRef idx="minor">
+            <a:schemeClr val="lt1"/>
+          </a:fontRef>
+        </p:style>
+        <p:txBody>
+          <a:bodyPr rtlCol="0" anchor="ctr"/>
+          <a:lstStyle/>
+          <a:p>
+            <a:pPr algn="ctr"/>
+            <a:r>
+              <a:rPr lang="en-US" dirty="0"/>
+              <a:t>3</a:t>
+            </a:r>
           </a:p>
         </p:txBody>
       </p:sp>
     </p:spTree>
     <p:extLst>
       <p:ext uri="{BB962C8B-B14F-4D97-AF65-F5344CB8AC3E}">
-        <p14:creationId xmlns:p14="http://schemas.microsoft.com/office/powerpoint/2010/main" val="1136135422"/>
+        <p14:creationId xmlns:p14="http://schemas.microsoft.com/office/powerpoint/2010/main" val="4253189741"/>
       </p:ext>
     </p:extLst>
   </p:cSld>

--- a/docs/research/etcd_mvcc_versioning.pptx
+++ b/docs/research/etcd_mvcc_versioning.pptx
@@ -7,9 +7,10 @@
   <p:sldIdLst>
     <p:sldId id="379" r:id="rId2"/>
     <p:sldId id="457" r:id="rId3"/>
-    <p:sldId id="466" r:id="rId4"/>
-    <p:sldId id="467" r:id="rId5"/>
-    <p:sldId id="465" r:id="rId6"/>
+    <p:sldId id="468" r:id="rId4"/>
+    <p:sldId id="466" r:id="rId5"/>
+    <p:sldId id="467" r:id="rId6"/>
+    <p:sldId id="465" r:id="rId7"/>
   </p:sldIdLst>
   <p:sldSz cx="12192000" cy="6858000"/>
   <p:notesSz cx="6858000" cy="9144000"/>
@@ -263,7 +264,7 @@
           <a:p>
             <a:fld id="{7B0B5A51-06CF-F249-B76D-D53C064B7940}" type="datetimeFigureOut">
               <a:rPr lang="en-US" smtClean="0"/>
-              <a:t>5/11/22</a:t>
+              <a:t>5/12/22</a:t>
             </a:fld>
             <a:endParaRPr lang="en-US"/>
           </a:p>
@@ -461,7 +462,7 @@
           <a:p>
             <a:fld id="{7B0B5A51-06CF-F249-B76D-D53C064B7940}" type="datetimeFigureOut">
               <a:rPr lang="en-US" smtClean="0"/>
-              <a:t>5/11/22</a:t>
+              <a:t>5/12/22</a:t>
             </a:fld>
             <a:endParaRPr lang="en-US"/>
           </a:p>
@@ -669,7 +670,7 @@
           <a:p>
             <a:fld id="{7B0B5A51-06CF-F249-B76D-D53C064B7940}" type="datetimeFigureOut">
               <a:rPr lang="en-US" smtClean="0"/>
-              <a:t>5/11/22</a:t>
+              <a:t>5/12/22</a:t>
             </a:fld>
             <a:endParaRPr lang="en-US"/>
           </a:p>
@@ -867,7 +868,7 @@
           <a:p>
             <a:fld id="{7B0B5A51-06CF-F249-B76D-D53C064B7940}" type="datetimeFigureOut">
               <a:rPr lang="en-US" smtClean="0"/>
-              <a:t>5/11/22</a:t>
+              <a:t>5/12/22</a:t>
             </a:fld>
             <a:endParaRPr lang="en-US"/>
           </a:p>
@@ -1142,7 +1143,7 @@
           <a:p>
             <a:fld id="{7B0B5A51-06CF-F249-B76D-D53C064B7940}" type="datetimeFigureOut">
               <a:rPr lang="en-US" smtClean="0"/>
-              <a:t>5/11/22</a:t>
+              <a:t>5/12/22</a:t>
             </a:fld>
             <a:endParaRPr lang="en-US"/>
           </a:p>
@@ -1407,7 +1408,7 @@
           <a:p>
             <a:fld id="{7B0B5A51-06CF-F249-B76D-D53C064B7940}" type="datetimeFigureOut">
               <a:rPr lang="en-US" smtClean="0"/>
-              <a:t>5/11/22</a:t>
+              <a:t>5/12/22</a:t>
             </a:fld>
             <a:endParaRPr lang="en-US"/>
           </a:p>
@@ -1819,7 +1820,7 @@
           <a:p>
             <a:fld id="{7B0B5A51-06CF-F249-B76D-D53C064B7940}" type="datetimeFigureOut">
               <a:rPr lang="en-US" smtClean="0"/>
-              <a:t>5/11/22</a:t>
+              <a:t>5/12/22</a:t>
             </a:fld>
             <a:endParaRPr lang="en-US"/>
           </a:p>
@@ -1960,7 +1961,7 @@
           <a:p>
             <a:fld id="{7B0B5A51-06CF-F249-B76D-D53C064B7940}" type="datetimeFigureOut">
               <a:rPr lang="en-US" smtClean="0"/>
-              <a:t>5/11/22</a:t>
+              <a:t>5/12/22</a:t>
             </a:fld>
             <a:endParaRPr lang="en-US"/>
           </a:p>
@@ -2073,7 +2074,7 @@
           <a:p>
             <a:fld id="{7B0B5A51-06CF-F249-B76D-D53C064B7940}" type="datetimeFigureOut">
               <a:rPr lang="en-US" smtClean="0"/>
-              <a:t>5/11/22</a:t>
+              <a:t>5/12/22</a:t>
             </a:fld>
             <a:endParaRPr lang="en-US"/>
           </a:p>
@@ -2384,7 +2385,7 @@
           <a:p>
             <a:fld id="{7B0B5A51-06CF-F249-B76D-D53C064B7940}" type="datetimeFigureOut">
               <a:rPr lang="en-US" smtClean="0"/>
-              <a:t>5/11/22</a:t>
+              <a:t>5/12/22</a:t>
             </a:fld>
             <a:endParaRPr lang="en-US"/>
           </a:p>
@@ -2672,7 +2673,7 @@
           <a:p>
             <a:fld id="{7B0B5A51-06CF-F249-B76D-D53C064B7940}" type="datetimeFigureOut">
               <a:rPr lang="en-US" smtClean="0"/>
-              <a:t>5/11/22</a:t>
+              <a:t>5/12/22</a:t>
             </a:fld>
             <a:endParaRPr lang="en-US"/>
           </a:p>
@@ -2913,7 +2914,7 @@
           <a:p>
             <a:fld id="{7B0B5A51-06CF-F249-B76D-D53C064B7940}" type="datetimeFigureOut">
               <a:rPr lang="en-US" smtClean="0"/>
-              <a:t>5/11/22</a:t>
+              <a:t>5/12/22</a:t>
             </a:fld>
             <a:endParaRPr lang="en-US"/>
           </a:p>
@@ -7110,6 +7111,410 @@
           <p:cNvPr id="2" name="Title 1">
             <a:extLst>
               <a:ext uri="{FF2B5EF4-FFF2-40B4-BE49-F238E27FC236}">
+                <a16:creationId xmlns:a16="http://schemas.microsoft.com/office/drawing/2014/main" id="{A653DBA4-A700-271F-2EC9-0001B3BEC1A2}"/>
+              </a:ext>
+            </a:extLst>
+          </p:cNvPr>
+          <p:cNvSpPr>
+            <a:spLocks noGrp="1"/>
+          </p:cNvSpPr>
+          <p:nvPr>
+            <p:ph type="title"/>
+          </p:nvPr>
+        </p:nvSpPr>
+        <p:spPr>
+          <a:xfrm>
+            <a:off x="74802" y="172179"/>
+            <a:ext cx="7810850" cy="406662"/>
+          </a:xfrm>
+        </p:spPr>
+        <p:txBody>
+          <a:bodyPr>
+            <a:normAutofit fontScale="90000"/>
+          </a:bodyPr>
+          <a:lstStyle/>
+          <a:p>
+            <a:r>
+              <a:rPr lang="en-US" dirty="0"/>
+              <a:t>ETCD Concepts</a:t>
+            </a:r>
+          </a:p>
+        </p:txBody>
+      </p:sp>
+      <p:pic>
+        <p:nvPicPr>
+          <p:cNvPr id="4" name="Picture 3">
+            <a:extLst>
+              <a:ext uri="{FF2B5EF4-FFF2-40B4-BE49-F238E27FC236}">
+                <a16:creationId xmlns:a16="http://schemas.microsoft.com/office/drawing/2014/main" id="{0D6CB8EA-DA74-9B16-FBBC-F2B4769A6354}"/>
+              </a:ext>
+            </a:extLst>
+          </p:cNvPr>
+          <p:cNvPicPr>
+            <a:picLocks noChangeAspect="1"/>
+          </p:cNvPicPr>
+          <p:nvPr/>
+        </p:nvPicPr>
+        <p:blipFill>
+          <a:blip r:embed="rId2"/>
+          <a:stretch>
+            <a:fillRect/>
+          </a:stretch>
+        </p:blipFill>
+        <p:spPr>
+          <a:xfrm>
+            <a:off x="680911" y="738288"/>
+            <a:ext cx="3604371" cy="2725256"/>
+          </a:xfrm>
+          <a:prstGeom prst="rect">
+            <a:avLst/>
+          </a:prstGeom>
+          <a:ln>
+            <a:noFill/>
+          </a:ln>
+          <a:effectLst>
+            <a:outerShdw blurRad="292100" dist="139700" dir="2700000" algn="tl" rotWithShape="0">
+              <a:srgbClr val="333333">
+                <a:alpha val="65000"/>
+              </a:srgbClr>
+            </a:outerShdw>
+          </a:effectLst>
+        </p:spPr>
+      </p:pic>
+      <p:pic>
+        <p:nvPicPr>
+          <p:cNvPr id="5" name="Picture 4">
+            <a:extLst>
+              <a:ext uri="{FF2B5EF4-FFF2-40B4-BE49-F238E27FC236}">
+                <a16:creationId xmlns:a16="http://schemas.microsoft.com/office/drawing/2014/main" id="{4C1D112C-E140-0DC2-04D1-B26AF67B7231}"/>
+              </a:ext>
+            </a:extLst>
+          </p:cNvPr>
+          <p:cNvPicPr>
+            <a:picLocks noChangeAspect="1"/>
+          </p:cNvPicPr>
+          <p:nvPr/>
+        </p:nvPicPr>
+        <p:blipFill>
+          <a:blip r:embed="rId3"/>
+          <a:stretch>
+            <a:fillRect/>
+          </a:stretch>
+        </p:blipFill>
+        <p:spPr>
+          <a:xfrm>
+            <a:off x="680911" y="3622992"/>
+            <a:ext cx="3359336" cy="3143491"/>
+          </a:xfrm>
+          <a:prstGeom prst="rect">
+            <a:avLst/>
+          </a:prstGeom>
+          <a:ln>
+            <a:noFill/>
+          </a:ln>
+          <a:effectLst>
+            <a:outerShdw blurRad="292100" dist="139700" dir="2700000" algn="tl" rotWithShape="0">
+              <a:srgbClr val="333333">
+                <a:alpha val="65000"/>
+              </a:srgbClr>
+            </a:outerShdw>
+          </a:effectLst>
+        </p:spPr>
+      </p:pic>
+      <p:pic>
+        <p:nvPicPr>
+          <p:cNvPr id="6" name="Picture 5">
+            <a:extLst>
+              <a:ext uri="{FF2B5EF4-FFF2-40B4-BE49-F238E27FC236}">
+                <a16:creationId xmlns:a16="http://schemas.microsoft.com/office/drawing/2014/main" id="{5A99968C-A409-3732-E874-E345E9DF3D73}"/>
+              </a:ext>
+            </a:extLst>
+          </p:cNvPr>
+          <p:cNvPicPr>
+            <a:picLocks noChangeAspect="1"/>
+          </p:cNvPicPr>
+          <p:nvPr/>
+        </p:nvPicPr>
+        <p:blipFill>
+          <a:blip r:embed="rId4"/>
+          <a:stretch>
+            <a:fillRect/>
+          </a:stretch>
+        </p:blipFill>
+        <p:spPr>
+          <a:xfrm>
+            <a:off x="5142495" y="666380"/>
+            <a:ext cx="3660025" cy="3453098"/>
+          </a:xfrm>
+          <a:prstGeom prst="rect">
+            <a:avLst/>
+          </a:prstGeom>
+          <a:ln>
+            <a:noFill/>
+          </a:ln>
+          <a:effectLst>
+            <a:outerShdw blurRad="292100" dist="139700" dir="2700000" algn="tl" rotWithShape="0">
+              <a:srgbClr val="333333">
+                <a:alpha val="65000"/>
+              </a:srgbClr>
+            </a:outerShdw>
+          </a:effectLst>
+        </p:spPr>
+      </p:pic>
+      <p:pic>
+        <p:nvPicPr>
+          <p:cNvPr id="7" name="Picture 6">
+            <a:extLst>
+              <a:ext uri="{FF2B5EF4-FFF2-40B4-BE49-F238E27FC236}">
+                <a16:creationId xmlns:a16="http://schemas.microsoft.com/office/drawing/2014/main" id="{3164EE10-1E51-60BE-2005-8171A0D92491}"/>
+              </a:ext>
+            </a:extLst>
+          </p:cNvPr>
+          <p:cNvPicPr>
+            <a:picLocks noChangeAspect="1"/>
+          </p:cNvPicPr>
+          <p:nvPr/>
+        </p:nvPicPr>
+        <p:blipFill>
+          <a:blip r:embed="rId5"/>
+          <a:stretch>
+            <a:fillRect/>
+          </a:stretch>
+        </p:blipFill>
+        <p:spPr>
+          <a:xfrm>
+            <a:off x="6934568" y="4599506"/>
+            <a:ext cx="4857163" cy="1876108"/>
+          </a:xfrm>
+          <a:prstGeom prst="rect">
+            <a:avLst/>
+          </a:prstGeom>
+          <a:ln>
+            <a:noFill/>
+          </a:ln>
+          <a:effectLst>
+            <a:outerShdw blurRad="292100" dist="139700" dir="2700000" algn="tl" rotWithShape="0">
+              <a:srgbClr val="333333">
+                <a:alpha val="65000"/>
+              </a:srgbClr>
+            </a:outerShdw>
+          </a:effectLst>
+        </p:spPr>
+      </p:pic>
+      <p:sp>
+        <p:nvSpPr>
+          <p:cNvPr id="8" name="TextBox 7">
+            <a:extLst>
+              <a:ext uri="{FF2B5EF4-FFF2-40B4-BE49-F238E27FC236}">
+                <a16:creationId xmlns:a16="http://schemas.microsoft.com/office/drawing/2014/main" id="{4E623DC5-C554-33DF-1F8E-4190436DE071}"/>
+              </a:ext>
+            </a:extLst>
+          </p:cNvPr>
+          <p:cNvSpPr txBox="1"/>
+          <p:nvPr/>
+        </p:nvSpPr>
+        <p:spPr>
+          <a:xfrm>
+            <a:off x="10089930" y="927475"/>
+            <a:ext cx="609462" cy="369332"/>
+          </a:xfrm>
+          <a:prstGeom prst="rect">
+            <a:avLst/>
+          </a:prstGeom>
+          <a:noFill/>
+        </p:spPr>
+        <p:txBody>
+          <a:bodyPr wrap="none" rtlCol="0">
+            <a:spAutoFit/>
+          </a:bodyPr>
+          <a:lstStyle/>
+          <a:p>
+            <a:r>
+              <a:rPr lang="en-US" dirty="0">
+                <a:hlinkClick r:id="rId6"/>
+              </a:rPr>
+              <a:t>LINK</a:t>
+            </a:r>
+            <a:endParaRPr lang="en-US" dirty="0"/>
+          </a:p>
+        </p:txBody>
+      </p:sp>
+      <p:sp>
+        <p:nvSpPr>
+          <p:cNvPr id="10" name="TextBox 9">
+            <a:extLst>
+              <a:ext uri="{FF2B5EF4-FFF2-40B4-BE49-F238E27FC236}">
+                <a16:creationId xmlns:a16="http://schemas.microsoft.com/office/drawing/2014/main" id="{555B3212-1426-9A6F-41E4-23BC616AB2CE}"/>
+              </a:ext>
+            </a:extLst>
+          </p:cNvPr>
+          <p:cNvSpPr txBox="1"/>
+          <p:nvPr/>
+        </p:nvSpPr>
+        <p:spPr>
+          <a:xfrm>
+            <a:off x="10021963" y="1429129"/>
+            <a:ext cx="1354858" cy="369332"/>
+          </a:xfrm>
+          <a:prstGeom prst="rect">
+            <a:avLst/>
+          </a:prstGeom>
+          <a:noFill/>
+        </p:spPr>
+        <p:txBody>
+          <a:bodyPr wrap="none" rtlCol="0">
+            <a:spAutoFit/>
+          </a:bodyPr>
+          <a:lstStyle/>
+          <a:p>
+            <a:r>
+              <a:rPr lang="en-US" dirty="0">
+                <a:hlinkClick r:id="rId7"/>
+              </a:rPr>
+              <a:t>Related post</a:t>
+            </a:r>
+            <a:endParaRPr lang="en-US" dirty="0"/>
+          </a:p>
+        </p:txBody>
+      </p:sp>
+      <p:sp>
+        <p:nvSpPr>
+          <p:cNvPr id="12" name="Right Brace 11">
+            <a:extLst>
+              <a:ext uri="{FF2B5EF4-FFF2-40B4-BE49-F238E27FC236}">
+                <a16:creationId xmlns:a16="http://schemas.microsoft.com/office/drawing/2014/main" id="{4A369BCD-5449-7890-C62A-5C6FCE94CC10}"/>
+              </a:ext>
+            </a:extLst>
+          </p:cNvPr>
+          <p:cNvSpPr/>
+          <p:nvPr/>
+        </p:nvSpPr>
+        <p:spPr>
+          <a:xfrm>
+            <a:off x="4550978" y="2100916"/>
+            <a:ext cx="325821" cy="4037125"/>
+          </a:xfrm>
+          <a:prstGeom prst="rightBrace">
+            <a:avLst>
+              <a:gd name="adj1" fmla="val 8333"/>
+              <a:gd name="adj2" fmla="val 19800"/>
+            </a:avLst>
+          </a:prstGeom>
+          <a:ln w="22225">
+            <a:solidFill>
+              <a:schemeClr val="tx1">
+                <a:lumMod val="65000"/>
+                <a:lumOff val="35000"/>
+              </a:schemeClr>
+            </a:solidFill>
+          </a:ln>
+        </p:spPr>
+        <p:style>
+          <a:lnRef idx="1">
+            <a:schemeClr val="accent1"/>
+          </a:lnRef>
+          <a:fillRef idx="0">
+            <a:schemeClr val="accent1"/>
+          </a:fillRef>
+          <a:effectRef idx="0">
+            <a:schemeClr val="accent1"/>
+          </a:effectRef>
+          <a:fontRef idx="minor">
+            <a:schemeClr val="tx1"/>
+          </a:fontRef>
+        </p:style>
+        <p:txBody>
+          <a:bodyPr rtlCol="0" anchor="ctr"/>
+          <a:lstStyle/>
+          <a:p>
+            <a:pPr algn="ctr"/>
+            <a:endParaRPr lang="en-US"/>
+          </a:p>
+        </p:txBody>
+      </p:sp>
+      <p:cxnSp>
+        <p:nvCxnSpPr>
+          <p:cNvPr id="13" name="Elbow Connector 12">
+            <a:extLst>
+              <a:ext uri="{FF2B5EF4-FFF2-40B4-BE49-F238E27FC236}">
+                <a16:creationId xmlns:a16="http://schemas.microsoft.com/office/drawing/2014/main" id="{0CD0A35D-5E8D-659E-11BC-A884EEE99CF3}"/>
+              </a:ext>
+            </a:extLst>
+          </p:cNvPr>
+          <p:cNvCxnSpPr>
+            <a:cxnSpLocks/>
+            <a:stCxn id="6" idx="3"/>
+            <a:endCxn id="7" idx="0"/>
+          </p:cNvCxnSpPr>
+          <p:nvPr/>
+        </p:nvCxnSpPr>
+        <p:spPr>
+          <a:xfrm>
+            <a:off x="8802520" y="2392929"/>
+            <a:ext cx="560630" cy="2206577"/>
+          </a:xfrm>
+          <a:prstGeom prst="bentConnector2">
+            <a:avLst/>
+          </a:prstGeom>
+          <a:ln w="19050">
+            <a:solidFill>
+              <a:schemeClr val="bg2">
+                <a:lumMod val="50000"/>
+              </a:schemeClr>
+            </a:solidFill>
+            <a:tailEnd type="arrow" w="lg" len="lg"/>
+          </a:ln>
+        </p:spPr>
+        <p:style>
+          <a:lnRef idx="1">
+            <a:schemeClr val="accent1"/>
+          </a:lnRef>
+          <a:fillRef idx="0">
+            <a:schemeClr val="accent1"/>
+          </a:fillRef>
+          <a:effectRef idx="0">
+            <a:schemeClr val="accent1"/>
+          </a:effectRef>
+          <a:fontRef idx="minor">
+            <a:schemeClr val="tx1"/>
+          </a:fontRef>
+        </p:style>
+      </p:cxnSp>
+    </p:spTree>
+    <p:extLst>
+      <p:ext uri="{BB962C8B-B14F-4D97-AF65-F5344CB8AC3E}">
+        <p14:creationId xmlns:p14="http://schemas.microsoft.com/office/powerpoint/2010/main" val="1279163414"/>
+      </p:ext>
+    </p:extLst>
+  </p:cSld>
+  <p:clrMapOvr>
+    <a:masterClrMapping/>
+  </p:clrMapOvr>
+</p:sld>
+</file>
+
+<file path=ppt/slides/slide4.xml><?xml version="1.0" encoding="utf-8"?>
+<p:sld xmlns:a="http://schemas.openxmlformats.org/drawingml/2006/main" xmlns:r="http://schemas.openxmlformats.org/officeDocument/2006/relationships" xmlns:p="http://schemas.openxmlformats.org/presentationml/2006/main">
+  <p:cSld>
+    <p:spTree>
+      <p:nvGrpSpPr>
+        <p:cNvPr id="1" name=""/>
+        <p:cNvGrpSpPr/>
+        <p:nvPr/>
+      </p:nvGrpSpPr>
+      <p:grpSpPr>
+        <a:xfrm>
+          <a:off x="0" y="0"/>
+          <a:ext cx="0" cy="0"/>
+          <a:chOff x="0" y="0"/>
+          <a:chExt cx="0" cy="0"/>
+        </a:xfrm>
+      </p:grpSpPr>
+      <p:sp>
+        <p:nvSpPr>
+          <p:cNvPr id="2" name="Title 1">
+            <a:extLst>
+              <a:ext uri="{FF2B5EF4-FFF2-40B4-BE49-F238E27FC236}">
                 <a16:creationId xmlns:a16="http://schemas.microsoft.com/office/drawing/2014/main" id="{C5B620AE-2E02-2C5A-2013-92CA764A0AFD}"/>
               </a:ext>
             </a:extLst>
@@ -7654,7 +8059,7 @@
 </p:sld>
 </file>
 
-<file path=ppt/slides/slide4.xml><?xml version="1.0" encoding="utf-8"?>
+<file path=ppt/slides/slide5.xml><?xml version="1.0" encoding="utf-8"?>
 <p:sld xmlns:a="http://schemas.openxmlformats.org/drawingml/2006/main" xmlns:r="http://schemas.openxmlformats.org/officeDocument/2006/relationships" xmlns:p="http://schemas.openxmlformats.org/presentationml/2006/main">
   <p:cSld>
     <p:spTree>
@@ -8778,7 +9183,7 @@
 </p:sld>
 </file>
 
-<file path=ppt/slides/slide5.xml><?xml version="1.0" encoding="utf-8"?>
+<file path=ppt/slides/slide6.xml><?xml version="1.0" encoding="utf-8"?>
 <p:sld xmlns:a="http://schemas.openxmlformats.org/drawingml/2006/main" xmlns:r="http://schemas.openxmlformats.org/officeDocument/2006/relationships" xmlns:p="http://schemas.openxmlformats.org/presentationml/2006/main">
   <p:cSld>
     <p:spTree>

--- a/docs/research/etcd_mvcc_versioning.pptx
+++ b/docs/research/etcd_mvcc_versioning.pptx
@@ -9257,7 +9257,7 @@
         </p:blipFill>
         <p:spPr>
           <a:xfrm>
-            <a:off x="5265683" y="898979"/>
+            <a:off x="5062853" y="749421"/>
             <a:ext cx="6537434" cy="5717283"/>
           </a:xfrm>
           <a:prstGeom prst="rect">
